--- a/.Documentation/zou ou la recette du succès.pptx
+++ b/.Documentation/zou ou la recette du succès.pptx
@@ -5,7 +5,7 @@
     <p:sldMasterId id="2147483711" r:id="rId1"/>
   </p:sldMasterIdLst>
   <p:notesMasterIdLst>
-    <p:notesMasterId r:id="rId14"/>
+    <p:notesMasterId r:id="rId17"/>
   </p:notesMasterIdLst>
   <p:sldIdLst>
     <p:sldId id="256" r:id="rId2"/>
@@ -13,13 +13,16 @@
     <p:sldId id="305" r:id="rId4"/>
     <p:sldId id="306" r:id="rId5"/>
     <p:sldId id="308" r:id="rId6"/>
-    <p:sldId id="315" r:id="rId7"/>
-    <p:sldId id="309" r:id="rId8"/>
-    <p:sldId id="311" r:id="rId9"/>
-    <p:sldId id="313" r:id="rId10"/>
-    <p:sldId id="310" r:id="rId11"/>
-    <p:sldId id="307" r:id="rId12"/>
-    <p:sldId id="314" r:id="rId13"/>
+    <p:sldId id="316" r:id="rId7"/>
+    <p:sldId id="315" r:id="rId8"/>
+    <p:sldId id="317" r:id="rId9"/>
+    <p:sldId id="309" r:id="rId10"/>
+    <p:sldId id="311" r:id="rId11"/>
+    <p:sldId id="313" r:id="rId12"/>
+    <p:sldId id="310" r:id="rId13"/>
+    <p:sldId id="318" r:id="rId14"/>
+    <p:sldId id="307" r:id="rId15"/>
+    <p:sldId id="314" r:id="rId16"/>
   </p:sldIdLst>
   <p:sldSz cx="12192000" cy="6858000"/>
   <p:notesSz cx="6858000" cy="9144000"/>
@@ -529,7 +532,7 @@
           <a:p>
             <a:r>
               <a:rPr lang="fr-FR" dirty="0"/>
-              <a:t>Nous avions parler de la chaîne de production, de sa composition et des produits en bout de chaîne	, les </a:t>
+              <a:t>Nous avions parler de la chaîne de production, de sa composition et des produits en bout de chaîne, les </a:t>
             </a:r>
             <a:r>
               <a:rPr lang="fr-FR" dirty="0" err="1"/>
@@ -540,15 +543,7 @@
           <a:p>
             <a:r>
               <a:rPr lang="fr-FR" dirty="0"/>
-              <a:t>Nous avions aussi parler de la manière dont on gère le code source et du déroulement des phases de développement dans un environnement </a:t>
-            </a:r>
-            <a:r>
-              <a:rPr lang="fr-FR" dirty="0" err="1"/>
-              <a:t>multi-utilisateursles</a:t>
-            </a:r>
-            <a:r>
-              <a:rPr lang="fr-FR" dirty="0"/>
-              <a:t> flux de développement</a:t>
+              <a:t>Nous avions aussi parler de la manière dont on gère le code source et du déroulement des phases de développement dans un environnement multi-utilisateurs</a:t>
             </a:r>
           </a:p>
           <a:p>
@@ -906,104 +901,6 @@
           <a:bodyPr/>
           <a:lstStyle/>
           <a:p>
-            <a:pPr marL="0" marR="0" lvl="0" indent="0" algn="l" defTabSz="914400" rtl="0" eaLnBrk="1" fontAlgn="auto" latinLnBrk="0" hangingPunct="1">
-              <a:lnSpc>
-                <a:spcPct val="100000"/>
-              </a:lnSpc>
-              <a:spcBef>
-                <a:spcPts val="0"/>
-              </a:spcBef>
-              <a:spcAft>
-                <a:spcPts val="0"/>
-              </a:spcAft>
-              <a:buClrTx/>
-              <a:buSzTx/>
-              <a:buFontTx/>
-              <a:buNone/>
-              <a:tabLst/>
-              <a:defRPr/>
-            </a:pPr>
-            <a:r>
-              <a:rPr lang="fr-CH" dirty="0"/>
-              <a:t>Au départ, chaque projet a ses propres paramètres de configuration.</a:t>
-            </a:r>
-          </a:p>
-          <a:p>
-            <a:pPr marL="0" marR="0" lvl="0" indent="0" algn="l" defTabSz="914400" rtl="0" eaLnBrk="1" fontAlgn="auto" latinLnBrk="0" hangingPunct="1">
-              <a:lnSpc>
-                <a:spcPct val="100000"/>
-              </a:lnSpc>
-              <a:spcBef>
-                <a:spcPts val="0"/>
-              </a:spcBef>
-              <a:spcAft>
-                <a:spcPts val="0"/>
-              </a:spcAft>
-              <a:buClrTx/>
-              <a:buSzTx/>
-              <a:buFontTx/>
-              <a:buNone/>
-              <a:tabLst/>
-              <a:defRPr/>
-            </a:pPr>
-            <a:r>
-              <a:rPr lang="fr-CH" dirty="0"/>
-              <a:t>Comme ici par exemple, la version des outils C++ et la version minimale nécessaire de Windows.</a:t>
-            </a:r>
-          </a:p>
-          <a:p>
-            <a:pPr marL="0" marR="0" lvl="0" indent="0" algn="l" defTabSz="914400" rtl="0" eaLnBrk="1" fontAlgn="auto" latinLnBrk="0" hangingPunct="1">
-              <a:lnSpc>
-                <a:spcPct val="100000"/>
-              </a:lnSpc>
-              <a:spcBef>
-                <a:spcPts val="0"/>
-              </a:spcBef>
-              <a:spcAft>
-                <a:spcPts val="0"/>
-              </a:spcAft>
-              <a:buClrTx/>
-              <a:buSzTx/>
-              <a:buFontTx/>
-              <a:buNone/>
-              <a:tabLst/>
-              <a:defRPr/>
-            </a:pPr>
-            <a:r>
-              <a:rPr lang="fr-CH" dirty="0"/>
-              <a:t>Le bundle </a:t>
-            </a:r>
-            <a:r>
-              <a:rPr lang="fr-CH" dirty="0" err="1"/>
-              <a:t>cresus</a:t>
-            </a:r>
-            <a:r>
-              <a:rPr lang="fr-CH" dirty="0"/>
-              <a:t> comporte environ 120 projets C++.</a:t>
-            </a:r>
-          </a:p>
-          <a:p>
-            <a:pPr marL="0" marR="0" lvl="0" indent="0" algn="l" defTabSz="914400" rtl="0" eaLnBrk="1" fontAlgn="auto" latinLnBrk="0" hangingPunct="1">
-              <a:lnSpc>
-                <a:spcPct val="100000"/>
-              </a:lnSpc>
-              <a:spcBef>
-                <a:spcPts val="0"/>
-              </a:spcBef>
-              <a:spcAft>
-                <a:spcPts val="0"/>
-              </a:spcAft>
-              <a:buClrTx/>
-              <a:buSzTx/>
-              <a:buFontTx/>
-              <a:buNone/>
-              <a:tabLst/>
-              <a:defRPr/>
-            </a:pPr>
-            <a:r>
-              <a:rPr lang="fr-CH" dirty="0"/>
-              <a:t>Si on veut utiliser la dernière version des outils C++, il faut modifier une centaine de projets.</a:t>
-            </a:r>
             <a:endParaRPr lang="en-US" dirty="0"/>
           </a:p>
         </p:txBody>
@@ -1025,7 +922,7 @@
           <a:p>
             <a:fld id="{5F79FE22-D76B-4BF8-9362-6F70E03B5C3A}" type="slidenum">
               <a:rPr lang="fr-FR" smtClean="0"/>
-              <a:t>7</a:t>
+              <a:t>6</a:t>
             </a:fld>
             <a:endParaRPr lang="fr-FR"/>
           </a:p>
@@ -1034,7 +931,7 @@
     </p:spTree>
     <p:extLst>
       <p:ext uri="{BB962C8B-B14F-4D97-AF65-F5344CB8AC3E}">
-        <p14:creationId xmlns:p14="http://schemas.microsoft.com/office/powerpoint/2010/main" val="3619757334"/>
+        <p14:creationId xmlns:p14="http://schemas.microsoft.com/office/powerpoint/2010/main" val="1530256056"/>
       </p:ext>
     </p:extLst>
   </p:cSld>
@@ -1088,71 +985,103 @@
           <a:bodyPr/>
           <a:lstStyle/>
           <a:p>
-            <a:r>
-              <a:rPr lang="fr-CH" dirty="0"/>
-              <a:t>La solution: personnalisation, héritage et surcharge.</a:t>
-            </a:r>
-          </a:p>
-          <a:p>
-            <a:r>
-              <a:rPr lang="fr-CH" dirty="0"/>
-              <a:t>Les projets C++ ont été nettoyés une fois pour toute.</a:t>
-            </a:r>
-          </a:p>
-          <a:p>
-            <a:r>
-              <a:rPr lang="fr-CH" dirty="0"/>
-              <a:t>On y a inséré des </a:t>
-            </a:r>
-            <a:r>
-              <a:rPr lang="fr-CH" dirty="0" err="1"/>
-              <a:t>hooks</a:t>
-            </a:r>
-            <a:r>
-              <a:rPr lang="fr-CH" dirty="0"/>
-              <a:t> zou qui implémentent des propriétés polymorphiques.</a:t>
-            </a:r>
-          </a:p>
-          <a:p>
-            <a:r>
-              <a:rPr lang="fr-CH" dirty="0"/>
-              <a:t>Les valeurs par défaut sont stockées dans zou.</a:t>
-            </a:r>
-          </a:p>
-          <a:p>
-            <a:r>
-              <a:rPr lang="fr-CH" dirty="0"/>
-              <a:t>On peut surcharger ces propriétés:</a:t>
-            </a:r>
-          </a:p>
-          <a:p>
-            <a:pPr marL="171450" indent="-171450">
-              <a:buFontTx/>
-              <a:buChar char="-"/>
-            </a:pPr>
-            <a:r>
-              <a:rPr lang="fr-CH" dirty="0"/>
-              <a:t>soit au niveau du bundle – s’applique à tous les modules</a:t>
-            </a:r>
-          </a:p>
-          <a:p>
-            <a:pPr marL="171450" indent="-171450">
-              <a:buFontTx/>
-              <a:buChar char="-"/>
-            </a:pPr>
-            <a:r>
-              <a:rPr lang="fr-CH" dirty="0"/>
-              <a:t>soit au niveau du module – s’applique à tous les projets du module</a:t>
-            </a:r>
-          </a:p>
-          <a:p>
-            <a:pPr marL="0" indent="0">
+            <a:pPr marL="0" marR="0" lvl="0" indent="0" algn="l" defTabSz="914400" rtl="0" eaLnBrk="1" fontAlgn="auto" latinLnBrk="0" hangingPunct="1">
+              <a:lnSpc>
+                <a:spcPct val="100000"/>
+              </a:lnSpc>
+              <a:spcBef>
+                <a:spcPts val="0"/>
+              </a:spcBef>
+              <a:spcAft>
+                <a:spcPts val="0"/>
+              </a:spcAft>
+              <a:buClrTx/>
+              <a:buSzTx/>
               <a:buFontTx/>
               <a:buNone/>
+              <a:tabLst/>
+              <a:defRPr/>
             </a:pPr>
             <a:r>
               <a:rPr lang="fr-CH" dirty="0"/>
-              <a:t>On peut aussi surcharger une solution si elle est dans un sous-dossier du module.</a:t>
+              <a:t>Au départ, chaque projet a ses propres paramètres de configuration.</a:t>
+            </a:r>
+          </a:p>
+          <a:p>
+            <a:pPr marL="0" marR="0" lvl="0" indent="0" algn="l" defTabSz="914400" rtl="0" eaLnBrk="1" fontAlgn="auto" latinLnBrk="0" hangingPunct="1">
+              <a:lnSpc>
+                <a:spcPct val="100000"/>
+              </a:lnSpc>
+              <a:spcBef>
+                <a:spcPts val="0"/>
+              </a:spcBef>
+              <a:spcAft>
+                <a:spcPts val="0"/>
+              </a:spcAft>
+              <a:buClrTx/>
+              <a:buSzTx/>
+              <a:buFontTx/>
+              <a:buNone/>
+              <a:tabLst/>
+              <a:defRPr/>
+            </a:pPr>
+            <a:r>
+              <a:rPr lang="fr-CH" dirty="0"/>
+              <a:t>Comme ici par exemple, la version des outils C++ et la version minimale nécessaire de Windows.</a:t>
+            </a:r>
+          </a:p>
+          <a:p>
+            <a:pPr marL="0" marR="0" lvl="0" indent="0" algn="l" defTabSz="914400" rtl="0" eaLnBrk="1" fontAlgn="auto" latinLnBrk="0" hangingPunct="1">
+              <a:lnSpc>
+                <a:spcPct val="100000"/>
+              </a:lnSpc>
+              <a:spcBef>
+                <a:spcPts val="0"/>
+              </a:spcBef>
+              <a:spcAft>
+                <a:spcPts val="0"/>
+              </a:spcAft>
+              <a:buClrTx/>
+              <a:buSzTx/>
+              <a:buFontTx/>
+              <a:buNone/>
+              <a:tabLst/>
+              <a:defRPr/>
+            </a:pPr>
+            <a:r>
+              <a:rPr lang="fr-CH" dirty="0"/>
+              <a:t>Le bundle </a:t>
+            </a:r>
+            <a:r>
+              <a:rPr lang="fr-CH" dirty="0" err="1"/>
+              <a:t>cresus</a:t>
+            </a:r>
+            <a:r>
+              <a:rPr lang="fr-CH" dirty="0"/>
+              <a:t> comporte environ 120 projets C++.</a:t>
+            </a:r>
+          </a:p>
+          <a:p>
+            <a:pPr marL="0" marR="0" lvl="0" indent="0" algn="l" defTabSz="914400" rtl="0" eaLnBrk="1" fontAlgn="auto" latinLnBrk="0" hangingPunct="1">
+              <a:lnSpc>
+                <a:spcPct val="100000"/>
+              </a:lnSpc>
+              <a:spcBef>
+                <a:spcPts val="0"/>
+              </a:spcBef>
+              <a:spcAft>
+                <a:spcPts val="0"/>
+              </a:spcAft>
+              <a:buClrTx/>
+              <a:buSzTx/>
+              <a:buFontTx/>
+              <a:buNone/>
+              <a:tabLst/>
+              <a:defRPr/>
+            </a:pPr>
+            <a:r>
+              <a:rPr lang="fr-CH" dirty="0"/>
+              <a:t>Si on veut utiliser la dernière version des outils C++, il faut modifier une centaine de projets.</a:t>
             </a:r>
             <a:endParaRPr lang="en-US" dirty="0"/>
           </a:p>
@@ -1175,7 +1104,157 @@
           <a:p>
             <a:fld id="{5F79FE22-D76B-4BF8-9362-6F70E03B5C3A}" type="slidenum">
               <a:rPr lang="fr-FR" smtClean="0"/>
-              <a:t>8</a:t>
+              <a:t>9</a:t>
+            </a:fld>
+            <a:endParaRPr lang="fr-FR"/>
+          </a:p>
+        </p:txBody>
+      </p:sp>
+    </p:spTree>
+    <p:extLst>
+      <p:ext uri="{BB962C8B-B14F-4D97-AF65-F5344CB8AC3E}">
+        <p14:creationId xmlns:p14="http://schemas.microsoft.com/office/powerpoint/2010/main" val="3619757334"/>
+      </p:ext>
+    </p:extLst>
+  </p:cSld>
+  <p:clrMapOvr>
+    <a:masterClrMapping/>
+  </p:clrMapOvr>
+</p:notes>
+</file>
+
+<file path=ppt/notesSlides/notesSlide7.xml><?xml version="1.0" encoding="utf-8"?>
+<p:notes xmlns:a="http://schemas.openxmlformats.org/drawingml/2006/main" xmlns:r="http://schemas.openxmlformats.org/officeDocument/2006/relationships" xmlns:p="http://schemas.openxmlformats.org/presentationml/2006/main">
+  <p:cSld>
+    <p:spTree>
+      <p:nvGrpSpPr>
+        <p:cNvPr id="1" name=""/>
+        <p:cNvGrpSpPr/>
+        <p:nvPr/>
+      </p:nvGrpSpPr>
+      <p:grpSpPr>
+        <a:xfrm>
+          <a:off x="0" y="0"/>
+          <a:ext cx="0" cy="0"/>
+          <a:chOff x="0" y="0"/>
+          <a:chExt cx="0" cy="0"/>
+        </a:xfrm>
+      </p:grpSpPr>
+      <p:sp>
+        <p:nvSpPr>
+          <p:cNvPr id="2" name="Espace réservé de l'image des diapositives 1"/>
+          <p:cNvSpPr>
+            <a:spLocks noGrp="1" noRot="1" noChangeAspect="1"/>
+          </p:cNvSpPr>
+          <p:nvPr>
+            <p:ph type="sldImg"/>
+          </p:nvPr>
+        </p:nvSpPr>
+        <p:spPr/>
+      </p:sp>
+      <p:sp>
+        <p:nvSpPr>
+          <p:cNvPr id="3" name="Espace réservé des notes 2"/>
+          <p:cNvSpPr>
+            <a:spLocks noGrp="1"/>
+          </p:cNvSpPr>
+          <p:nvPr>
+            <p:ph type="body" idx="1"/>
+          </p:nvPr>
+        </p:nvSpPr>
+        <p:spPr/>
+        <p:txBody>
+          <a:bodyPr/>
+          <a:lstStyle/>
+          <a:p>
+            <a:r>
+              <a:rPr lang="fr-CH" dirty="0"/>
+              <a:t>La solution: personnalisation, héritage et surcharge.</a:t>
+            </a:r>
+          </a:p>
+          <a:p>
+            <a:r>
+              <a:rPr lang="fr-CH" dirty="0"/>
+              <a:t>Les projets C++ ont été nettoyés une fois pour toute.</a:t>
+            </a:r>
+          </a:p>
+          <a:p>
+            <a:r>
+              <a:rPr lang="fr-CH" dirty="0"/>
+              <a:t>On y a inséré des </a:t>
+            </a:r>
+            <a:r>
+              <a:rPr lang="fr-CH" dirty="0" err="1"/>
+              <a:t>hooks</a:t>
+            </a:r>
+            <a:r>
+              <a:rPr lang="fr-CH" dirty="0"/>
+              <a:t> zou qui implémentent des propriétés polymorphiques.</a:t>
+            </a:r>
+          </a:p>
+          <a:p>
+            <a:r>
+              <a:rPr lang="fr-CH" dirty="0"/>
+              <a:t>Les valeurs par défaut sont stockées dans zou.</a:t>
+            </a:r>
+          </a:p>
+          <a:p>
+            <a:r>
+              <a:rPr lang="fr-CH" dirty="0"/>
+              <a:t>On peut surcharger ces propriétés:</a:t>
+            </a:r>
+          </a:p>
+          <a:p>
+            <a:pPr marL="171450" indent="-171450">
+              <a:buFontTx/>
+              <a:buChar char="-"/>
+            </a:pPr>
+            <a:r>
+              <a:rPr lang="fr-CH" dirty="0"/>
+              <a:t>soit au niveau du bundle – s’applique à tous les modules</a:t>
+            </a:r>
+          </a:p>
+          <a:p>
+            <a:pPr marL="171450" indent="-171450">
+              <a:buFontTx/>
+              <a:buChar char="-"/>
+            </a:pPr>
+            <a:r>
+              <a:rPr lang="fr-CH" dirty="0"/>
+              <a:t>soit au niveau du module – s’applique à tous les projets du module</a:t>
+            </a:r>
+          </a:p>
+          <a:p>
+            <a:pPr marL="0" indent="0">
+              <a:buFontTx/>
+              <a:buNone/>
+            </a:pPr>
+            <a:r>
+              <a:rPr lang="fr-CH" dirty="0"/>
+              <a:t>On peut aussi surcharger une solution si elle est dans un sous-dossier du module.</a:t>
+            </a:r>
+            <a:endParaRPr lang="en-US" dirty="0"/>
+          </a:p>
+        </p:txBody>
+      </p:sp>
+      <p:sp>
+        <p:nvSpPr>
+          <p:cNvPr id="4" name="Espace réservé du numéro de diapositive 3"/>
+          <p:cNvSpPr>
+            <a:spLocks noGrp="1"/>
+          </p:cNvSpPr>
+          <p:nvPr>
+            <p:ph type="sldNum" sz="quarter" idx="5"/>
+          </p:nvPr>
+        </p:nvSpPr>
+        <p:spPr/>
+        <p:txBody>
+          <a:bodyPr/>
+          <a:lstStyle/>
+          <a:p>
+            <a:fld id="{5F79FE22-D76B-4BF8-9362-6F70E03B5C3A}" type="slidenum">
+              <a:rPr lang="fr-FR" smtClean="0"/>
+              <a:t>10</a:t>
             </a:fld>
             <a:endParaRPr lang="fr-FR"/>
           </a:p>
@@ -8892,6 +8971,1698 @@
       </p:grpSpPr>
       <p:sp>
         <p:nvSpPr>
+          <p:cNvPr id="63" name="Rectangle : avec coin rogné 62">
+            <a:extLst>
+              <a:ext uri="{FF2B5EF4-FFF2-40B4-BE49-F238E27FC236}">
+                <a16:creationId xmlns:a16="http://schemas.microsoft.com/office/drawing/2014/main" id="{91135BB6-B898-4ACA-973E-D70300F124FD}"/>
+              </a:ext>
+            </a:extLst>
+          </p:cNvPr>
+          <p:cNvSpPr/>
+          <p:nvPr/>
+        </p:nvSpPr>
+        <p:spPr>
+          <a:xfrm>
+            <a:off x="5101113" y="3965013"/>
+            <a:ext cx="1989774" cy="738350"/>
+          </a:xfrm>
+          <a:prstGeom prst="snip1Rect">
+            <a:avLst/>
+          </a:prstGeom>
+          <a:solidFill>
+            <a:schemeClr val="accent2">
+              <a:lumMod val="40000"/>
+              <a:lumOff val="60000"/>
+            </a:schemeClr>
+          </a:solidFill>
+        </p:spPr>
+        <p:style>
+          <a:lnRef idx="2">
+            <a:schemeClr val="accent2">
+              <a:shade val="50000"/>
+            </a:schemeClr>
+          </a:lnRef>
+          <a:fillRef idx="1">
+            <a:schemeClr val="accent2"/>
+          </a:fillRef>
+          <a:effectRef idx="0">
+            <a:schemeClr val="accent2"/>
+          </a:effectRef>
+          <a:fontRef idx="minor">
+            <a:schemeClr val="lt1"/>
+          </a:fontRef>
+        </p:style>
+        <p:txBody>
+          <a:bodyPr rtlCol="0" anchor="ctr"/>
+          <a:lstStyle/>
+          <a:p>
+            <a:endParaRPr lang="en-US" sz="1200" dirty="0"/>
+          </a:p>
+        </p:txBody>
+      </p:sp>
+      <p:sp>
+        <p:nvSpPr>
+          <p:cNvPr id="62" name="Organigramme : Document 61">
+            <a:extLst>
+              <a:ext uri="{FF2B5EF4-FFF2-40B4-BE49-F238E27FC236}">
+                <a16:creationId xmlns:a16="http://schemas.microsoft.com/office/drawing/2014/main" id="{D9EEDBFE-3656-47DA-A746-B3D5DC97B303}"/>
+              </a:ext>
+            </a:extLst>
+          </p:cNvPr>
+          <p:cNvSpPr/>
+          <p:nvPr/>
+        </p:nvSpPr>
+        <p:spPr>
+          <a:xfrm>
+            <a:off x="5101113" y="5003563"/>
+            <a:ext cx="1989774" cy="1039529"/>
+          </a:xfrm>
+          <a:prstGeom prst="flowChartDocument">
+            <a:avLst/>
+          </a:prstGeom>
+          <a:solidFill>
+            <a:schemeClr val="accent1">
+              <a:lumMod val="20000"/>
+              <a:lumOff val="80000"/>
+            </a:schemeClr>
+          </a:solidFill>
+        </p:spPr>
+        <p:style>
+          <a:lnRef idx="1">
+            <a:schemeClr val="accent2"/>
+          </a:lnRef>
+          <a:fillRef idx="2">
+            <a:schemeClr val="accent2"/>
+          </a:fillRef>
+          <a:effectRef idx="1">
+            <a:schemeClr val="accent2"/>
+          </a:effectRef>
+          <a:fontRef idx="minor">
+            <a:schemeClr val="dk1"/>
+          </a:fontRef>
+        </p:style>
+        <p:txBody>
+          <a:bodyPr rtlCol="0" anchor="ctr"/>
+          <a:lstStyle/>
+          <a:p>
+            <a:endParaRPr lang="en-US" sz="1200" dirty="0"/>
+          </a:p>
+        </p:txBody>
+      </p:sp>
+      <p:sp>
+        <p:nvSpPr>
+          <p:cNvPr id="2" name="Titre 1">
+            <a:extLst>
+              <a:ext uri="{FF2B5EF4-FFF2-40B4-BE49-F238E27FC236}">
+                <a16:creationId xmlns:a16="http://schemas.microsoft.com/office/drawing/2014/main" id="{CAA9B0F5-6FD1-4834-9213-17FCBF770EDA}"/>
+              </a:ext>
+            </a:extLst>
+          </p:cNvPr>
+          <p:cNvSpPr>
+            <a:spLocks noGrp="1"/>
+          </p:cNvSpPr>
+          <p:nvPr>
+            <p:ph type="title"/>
+          </p:nvPr>
+        </p:nvSpPr>
+        <p:spPr/>
+        <p:txBody>
+          <a:bodyPr/>
+          <a:lstStyle/>
+          <a:p>
+            <a:r>
+              <a:rPr lang="fr-CH" dirty="0" err="1"/>
+              <a:t>zouification</a:t>
+            </a:r>
+            <a:r>
+              <a:rPr lang="fr-CH" dirty="0"/>
+              <a:t> C++</a:t>
+            </a:r>
+            <a:br>
+              <a:rPr lang="fr-CH" dirty="0"/>
+            </a:br>
+            <a:r>
+              <a:rPr lang="fr-CH" dirty="0"/>
+              <a:t>hameçonnage polymorphique</a:t>
+            </a:r>
+            <a:endParaRPr lang="en-US" i="1" dirty="0"/>
+          </a:p>
+        </p:txBody>
+      </p:sp>
+      <p:grpSp>
+        <p:nvGrpSpPr>
+          <p:cNvPr id="55" name="Groupe 54">
+            <a:extLst>
+              <a:ext uri="{FF2B5EF4-FFF2-40B4-BE49-F238E27FC236}">
+                <a16:creationId xmlns:a16="http://schemas.microsoft.com/office/drawing/2014/main" id="{7A85B8AD-2854-42EA-83D6-4931BBE6B3AE}"/>
+              </a:ext>
+            </a:extLst>
+          </p:cNvPr>
+          <p:cNvGrpSpPr/>
+          <p:nvPr/>
+        </p:nvGrpSpPr>
+        <p:grpSpPr>
+          <a:xfrm>
+            <a:off x="5007791" y="1990159"/>
+            <a:ext cx="1989773" cy="738350"/>
+            <a:chOff x="5007791" y="1990159"/>
+            <a:chExt cx="1989773" cy="738350"/>
+          </a:xfrm>
+        </p:grpSpPr>
+        <p:sp>
+          <p:nvSpPr>
+            <p:cNvPr id="34" name="Rectangle : avec coin rogné 33">
+              <a:extLst>
+                <a:ext uri="{FF2B5EF4-FFF2-40B4-BE49-F238E27FC236}">
+                  <a16:creationId xmlns:a16="http://schemas.microsoft.com/office/drawing/2014/main" id="{A59BEB50-4E15-47FF-B9FE-8987257AFC6E}"/>
+                </a:ext>
+              </a:extLst>
+            </p:cNvPr>
+            <p:cNvSpPr/>
+            <p:nvPr/>
+          </p:nvSpPr>
+          <p:spPr>
+            <a:xfrm>
+              <a:off x="5007791" y="1990159"/>
+              <a:ext cx="1989773" cy="738350"/>
+            </a:xfrm>
+            <a:prstGeom prst="snip1Rect">
+              <a:avLst/>
+            </a:prstGeom>
+            <a:solidFill>
+              <a:schemeClr val="accent6"/>
+            </a:solidFill>
+          </p:spPr>
+          <p:style>
+            <a:lnRef idx="2">
+              <a:schemeClr val="accent1">
+                <a:shade val="50000"/>
+              </a:schemeClr>
+            </a:lnRef>
+            <a:fillRef idx="1">
+              <a:schemeClr val="accent1"/>
+            </a:fillRef>
+            <a:effectRef idx="0">
+              <a:schemeClr val="accent1"/>
+            </a:effectRef>
+            <a:fontRef idx="minor">
+              <a:schemeClr val="lt1"/>
+            </a:fontRef>
+          </p:style>
+          <p:txBody>
+            <a:bodyPr rtlCol="0" anchor="ctr"/>
+            <a:lstStyle/>
+            <a:p>
+              <a:r>
+                <a:rPr lang="fr-CH" sz="1200" dirty="0"/>
+                <a:t>zou</a:t>
+              </a:r>
+              <a:endParaRPr lang="en-US" sz="1200" dirty="0"/>
+            </a:p>
+          </p:txBody>
+        </p:sp>
+        <p:sp>
+          <p:nvSpPr>
+            <p:cNvPr id="9" name="Rectangle 8">
+              <a:extLst>
+                <a:ext uri="{FF2B5EF4-FFF2-40B4-BE49-F238E27FC236}">
+                  <a16:creationId xmlns:a16="http://schemas.microsoft.com/office/drawing/2014/main" id="{BBA7DC66-A2F0-47AE-87C0-A4C8F4AA74D4}"/>
+                </a:ext>
+              </a:extLst>
+            </p:cNvPr>
+            <p:cNvSpPr/>
+            <p:nvPr/>
+          </p:nvSpPr>
+          <p:spPr>
+            <a:xfrm>
+              <a:off x="5751668" y="2121981"/>
+              <a:ext cx="1109055" cy="231227"/>
+            </a:xfrm>
+            <a:prstGeom prst="rect">
+              <a:avLst/>
+            </a:prstGeom>
+          </p:spPr>
+          <p:style>
+            <a:lnRef idx="2">
+              <a:schemeClr val="accent5">
+                <a:shade val="50000"/>
+              </a:schemeClr>
+            </a:lnRef>
+            <a:fillRef idx="1">
+              <a:schemeClr val="accent5"/>
+            </a:fillRef>
+            <a:effectRef idx="0">
+              <a:schemeClr val="accent5"/>
+            </a:effectRef>
+            <a:fontRef idx="minor">
+              <a:schemeClr val="lt1"/>
+            </a:fontRef>
+          </p:style>
+          <p:txBody>
+            <a:bodyPr rtlCol="0" anchor="ctr"/>
+            <a:lstStyle/>
+            <a:p>
+              <a:pPr algn="ctr"/>
+              <a:r>
+                <a:rPr lang="fr-CH" sz="1000" dirty="0" err="1"/>
+                <a:t>toolset</a:t>
+              </a:r>
+              <a:r>
+                <a:rPr lang="fr-CH" sz="1000" dirty="0"/>
+                <a:t>: v141</a:t>
+              </a:r>
+              <a:endParaRPr lang="en-US" sz="1000" dirty="0"/>
+            </a:p>
+          </p:txBody>
+        </p:sp>
+        <p:sp>
+          <p:nvSpPr>
+            <p:cNvPr id="44" name="Rectangle 43">
+              <a:extLst>
+                <a:ext uri="{FF2B5EF4-FFF2-40B4-BE49-F238E27FC236}">
+                  <a16:creationId xmlns:a16="http://schemas.microsoft.com/office/drawing/2014/main" id="{3325367A-F5F2-4E16-8744-1CFBC2865FF5}"/>
+                </a:ext>
+              </a:extLst>
+            </p:cNvPr>
+            <p:cNvSpPr/>
+            <p:nvPr/>
+          </p:nvSpPr>
+          <p:spPr>
+            <a:xfrm>
+              <a:off x="5751668" y="2411100"/>
+              <a:ext cx="1109055" cy="231227"/>
+            </a:xfrm>
+            <a:prstGeom prst="rect">
+              <a:avLst/>
+            </a:prstGeom>
+          </p:spPr>
+          <p:style>
+            <a:lnRef idx="2">
+              <a:schemeClr val="accent5">
+                <a:shade val="50000"/>
+              </a:schemeClr>
+            </a:lnRef>
+            <a:fillRef idx="1">
+              <a:schemeClr val="accent5"/>
+            </a:fillRef>
+            <a:effectRef idx="0">
+              <a:schemeClr val="accent5"/>
+            </a:effectRef>
+            <a:fontRef idx="minor">
+              <a:schemeClr val="lt1"/>
+            </a:fontRef>
+          </p:style>
+          <p:txBody>
+            <a:bodyPr rtlCol="0" anchor="ctr"/>
+            <a:lstStyle/>
+            <a:p>
+              <a:pPr algn="ctr"/>
+              <a:r>
+                <a:rPr lang="fr-CH" sz="1000" dirty="0"/>
+                <a:t>Windows Vista</a:t>
+              </a:r>
+              <a:endParaRPr lang="en-US" sz="1000" dirty="0"/>
+            </a:p>
+          </p:txBody>
+        </p:sp>
+      </p:grpSp>
+      <p:sp>
+        <p:nvSpPr>
+          <p:cNvPr id="36" name="Rectangle : avec coin rogné 35">
+            <a:extLst>
+              <a:ext uri="{FF2B5EF4-FFF2-40B4-BE49-F238E27FC236}">
+                <a16:creationId xmlns:a16="http://schemas.microsoft.com/office/drawing/2014/main" id="{B4AAEE51-CA9A-4847-8016-71C3235CB76B}"/>
+              </a:ext>
+            </a:extLst>
+          </p:cNvPr>
+          <p:cNvSpPr/>
+          <p:nvPr/>
+        </p:nvSpPr>
+        <p:spPr>
+          <a:xfrm>
+            <a:off x="5014874" y="2910491"/>
+            <a:ext cx="1989774" cy="738350"/>
+          </a:xfrm>
+          <a:prstGeom prst="snip1Rect">
+            <a:avLst/>
+          </a:prstGeom>
+        </p:spPr>
+        <p:style>
+          <a:lnRef idx="2">
+            <a:schemeClr val="accent4">
+              <a:shade val="50000"/>
+            </a:schemeClr>
+          </a:lnRef>
+          <a:fillRef idx="1">
+            <a:schemeClr val="accent4"/>
+          </a:fillRef>
+          <a:effectRef idx="0">
+            <a:schemeClr val="accent4"/>
+          </a:effectRef>
+          <a:fontRef idx="minor">
+            <a:schemeClr val="lt1"/>
+          </a:fontRef>
+        </p:style>
+        <p:txBody>
+          <a:bodyPr rtlCol="0" anchor="ctr"/>
+          <a:lstStyle/>
+          <a:p>
+            <a:r>
+              <a:rPr lang="fr-CH" sz="1200" dirty="0"/>
+              <a:t>bundle</a:t>
+            </a:r>
+            <a:endParaRPr lang="en-US" sz="1200" dirty="0"/>
+          </a:p>
+        </p:txBody>
+      </p:sp>
+      <p:sp>
+        <p:nvSpPr>
+          <p:cNvPr id="37" name="Rectangle 36">
+            <a:extLst>
+              <a:ext uri="{FF2B5EF4-FFF2-40B4-BE49-F238E27FC236}">
+                <a16:creationId xmlns:a16="http://schemas.microsoft.com/office/drawing/2014/main" id="{55E65799-5A50-4C39-91D3-EB1BD8F64500}"/>
+              </a:ext>
+            </a:extLst>
+          </p:cNvPr>
+          <p:cNvSpPr/>
+          <p:nvPr/>
+        </p:nvSpPr>
+        <p:spPr>
+          <a:xfrm>
+            <a:off x="5751668" y="3031564"/>
+            <a:ext cx="1109055" cy="231227"/>
+          </a:xfrm>
+          <a:prstGeom prst="rect">
+            <a:avLst/>
+          </a:prstGeom>
+        </p:spPr>
+        <p:style>
+          <a:lnRef idx="2">
+            <a:schemeClr val="accent1">
+              <a:shade val="50000"/>
+            </a:schemeClr>
+          </a:lnRef>
+          <a:fillRef idx="1">
+            <a:schemeClr val="accent1"/>
+          </a:fillRef>
+          <a:effectRef idx="0">
+            <a:schemeClr val="accent1"/>
+          </a:effectRef>
+          <a:fontRef idx="minor">
+            <a:schemeClr val="lt1"/>
+          </a:fontRef>
+        </p:style>
+        <p:txBody>
+          <a:bodyPr rtlCol="0" anchor="ctr"/>
+          <a:lstStyle/>
+          <a:p>
+            <a:pPr algn="ctr"/>
+            <a:r>
+              <a:rPr lang="fr-CH" sz="1000" dirty="0" err="1"/>
+              <a:t>toolset</a:t>
+            </a:r>
+            <a:r>
+              <a:rPr lang="fr-CH" sz="1000" dirty="0"/>
+              <a:t>: v140</a:t>
+            </a:r>
+            <a:endParaRPr lang="en-US" sz="1000" dirty="0"/>
+          </a:p>
+        </p:txBody>
+      </p:sp>
+      <p:sp>
+        <p:nvSpPr>
+          <p:cNvPr id="47" name="Rectangle 46">
+            <a:extLst>
+              <a:ext uri="{FF2B5EF4-FFF2-40B4-BE49-F238E27FC236}">
+                <a16:creationId xmlns:a16="http://schemas.microsoft.com/office/drawing/2014/main" id="{B46EC7EE-E768-48DF-9DFD-1E14216A3CC9}"/>
+              </a:ext>
+            </a:extLst>
+          </p:cNvPr>
+          <p:cNvSpPr/>
+          <p:nvPr/>
+        </p:nvSpPr>
+        <p:spPr>
+          <a:xfrm>
+            <a:off x="5751668" y="3329159"/>
+            <a:ext cx="1109055" cy="231227"/>
+          </a:xfrm>
+          <a:prstGeom prst="rect">
+            <a:avLst/>
+          </a:prstGeom>
+        </p:spPr>
+        <p:style>
+          <a:lnRef idx="1">
+            <a:schemeClr val="accent4"/>
+          </a:lnRef>
+          <a:fillRef idx="2">
+            <a:schemeClr val="accent4"/>
+          </a:fillRef>
+          <a:effectRef idx="1">
+            <a:schemeClr val="accent4"/>
+          </a:effectRef>
+          <a:fontRef idx="minor">
+            <a:schemeClr val="dk1"/>
+          </a:fontRef>
+        </p:style>
+        <p:txBody>
+          <a:bodyPr rtlCol="0" anchor="ctr"/>
+          <a:lstStyle/>
+          <a:p>
+            <a:pPr algn="ctr"/>
+            <a:r>
+              <a:rPr lang="fr-CH" sz="1000" dirty="0"/>
+              <a:t>Windows Vista</a:t>
+            </a:r>
+            <a:endParaRPr lang="en-US" sz="1000" dirty="0"/>
+          </a:p>
+        </p:txBody>
+      </p:sp>
+      <p:sp>
+        <p:nvSpPr>
+          <p:cNvPr id="39" name="Rectangle : avec coin rogné 38">
+            <a:extLst>
+              <a:ext uri="{FF2B5EF4-FFF2-40B4-BE49-F238E27FC236}">
+                <a16:creationId xmlns:a16="http://schemas.microsoft.com/office/drawing/2014/main" id="{2B857DDA-7AB6-4136-8001-DD1AD88F9C95}"/>
+              </a:ext>
+            </a:extLst>
+          </p:cNvPr>
+          <p:cNvSpPr/>
+          <p:nvPr/>
+        </p:nvSpPr>
+        <p:spPr>
+          <a:xfrm>
+            <a:off x="5014874" y="3830823"/>
+            <a:ext cx="1989774" cy="738350"/>
+          </a:xfrm>
+          <a:prstGeom prst="snip1Rect">
+            <a:avLst/>
+          </a:prstGeom>
+        </p:spPr>
+        <p:style>
+          <a:lnRef idx="2">
+            <a:schemeClr val="accent2">
+              <a:shade val="50000"/>
+            </a:schemeClr>
+          </a:lnRef>
+          <a:fillRef idx="1">
+            <a:schemeClr val="accent2"/>
+          </a:fillRef>
+          <a:effectRef idx="0">
+            <a:schemeClr val="accent2"/>
+          </a:effectRef>
+          <a:fontRef idx="minor">
+            <a:schemeClr val="lt1"/>
+          </a:fontRef>
+        </p:style>
+        <p:txBody>
+          <a:bodyPr rtlCol="0" anchor="ctr"/>
+          <a:lstStyle/>
+          <a:p>
+            <a:r>
+              <a:rPr lang="fr-CH" sz="1200" dirty="0"/>
+              <a:t>module</a:t>
+            </a:r>
+            <a:endParaRPr lang="en-US" sz="1200" dirty="0"/>
+          </a:p>
+        </p:txBody>
+      </p:sp>
+      <p:sp>
+        <p:nvSpPr>
+          <p:cNvPr id="40" name="Rectangle 39">
+            <a:extLst>
+              <a:ext uri="{FF2B5EF4-FFF2-40B4-BE49-F238E27FC236}">
+                <a16:creationId xmlns:a16="http://schemas.microsoft.com/office/drawing/2014/main" id="{E2E8F84F-6A4D-43F8-BA09-690B753BD4FD}"/>
+              </a:ext>
+            </a:extLst>
+          </p:cNvPr>
+          <p:cNvSpPr/>
+          <p:nvPr/>
+        </p:nvSpPr>
+        <p:spPr>
+          <a:xfrm>
+            <a:off x="5751668" y="4243829"/>
+            <a:ext cx="1109055" cy="231227"/>
+          </a:xfrm>
+          <a:prstGeom prst="rect">
+            <a:avLst/>
+          </a:prstGeom>
+          <a:ln/>
+        </p:spPr>
+        <p:style>
+          <a:lnRef idx="2">
+            <a:schemeClr val="accent1">
+              <a:shade val="50000"/>
+            </a:schemeClr>
+          </a:lnRef>
+          <a:fillRef idx="1">
+            <a:schemeClr val="accent1"/>
+          </a:fillRef>
+          <a:effectRef idx="0">
+            <a:schemeClr val="accent1"/>
+          </a:effectRef>
+          <a:fontRef idx="minor">
+            <a:schemeClr val="lt1"/>
+          </a:fontRef>
+        </p:style>
+        <p:txBody>
+          <a:bodyPr rtlCol="0" anchor="ctr"/>
+          <a:lstStyle/>
+          <a:p>
+            <a:pPr algn="ctr"/>
+            <a:r>
+              <a:rPr lang="fr-CH" sz="800" dirty="0"/>
+              <a:t>Windows 7</a:t>
+            </a:r>
+            <a:endParaRPr lang="en-US" sz="800" dirty="0"/>
+          </a:p>
+        </p:txBody>
+      </p:sp>
+      <p:sp>
+        <p:nvSpPr>
+          <p:cNvPr id="48" name="Rectangle 47">
+            <a:extLst>
+              <a:ext uri="{FF2B5EF4-FFF2-40B4-BE49-F238E27FC236}">
+                <a16:creationId xmlns:a16="http://schemas.microsoft.com/office/drawing/2014/main" id="{DBDA5E27-1DFA-4B2C-AA5B-9CC4B49DD0DC}"/>
+              </a:ext>
+            </a:extLst>
+          </p:cNvPr>
+          <p:cNvSpPr/>
+          <p:nvPr/>
+        </p:nvSpPr>
+        <p:spPr>
+          <a:xfrm>
+            <a:off x="5751667" y="3966458"/>
+            <a:ext cx="1109055" cy="231227"/>
+          </a:xfrm>
+          <a:prstGeom prst="rect">
+            <a:avLst/>
+          </a:prstGeom>
+        </p:spPr>
+        <p:style>
+          <a:lnRef idx="1">
+            <a:schemeClr val="accent1"/>
+          </a:lnRef>
+          <a:fillRef idx="2">
+            <a:schemeClr val="accent1"/>
+          </a:fillRef>
+          <a:effectRef idx="1">
+            <a:schemeClr val="accent1"/>
+          </a:effectRef>
+          <a:fontRef idx="minor">
+            <a:schemeClr val="dk1"/>
+          </a:fontRef>
+        </p:style>
+        <p:txBody>
+          <a:bodyPr rtlCol="0" anchor="ctr"/>
+          <a:lstStyle/>
+          <a:p>
+            <a:pPr algn="ctr"/>
+            <a:r>
+              <a:rPr lang="fr-CH" sz="1000" dirty="0" err="1"/>
+              <a:t>toolset</a:t>
+            </a:r>
+            <a:r>
+              <a:rPr lang="fr-CH" sz="1000" dirty="0"/>
+              <a:t>: v140</a:t>
+            </a:r>
+            <a:endParaRPr lang="en-US" sz="1000" dirty="0"/>
+          </a:p>
+        </p:txBody>
+      </p:sp>
+      <p:sp>
+        <p:nvSpPr>
+          <p:cNvPr id="49" name="Organigramme : Document 48">
+            <a:extLst>
+              <a:ext uri="{FF2B5EF4-FFF2-40B4-BE49-F238E27FC236}">
+                <a16:creationId xmlns:a16="http://schemas.microsoft.com/office/drawing/2014/main" id="{081DC8F4-17DD-4967-8DF1-DB60130B2F7B}"/>
+              </a:ext>
+            </a:extLst>
+          </p:cNvPr>
+          <p:cNvSpPr/>
+          <p:nvPr/>
+        </p:nvSpPr>
+        <p:spPr>
+          <a:xfrm>
+            <a:off x="5014874" y="4866656"/>
+            <a:ext cx="1989774" cy="1039529"/>
+          </a:xfrm>
+          <a:prstGeom prst="flowChartDocument">
+            <a:avLst/>
+          </a:prstGeom>
+        </p:spPr>
+        <p:style>
+          <a:lnRef idx="1">
+            <a:schemeClr val="accent2"/>
+          </a:lnRef>
+          <a:fillRef idx="2">
+            <a:schemeClr val="accent2"/>
+          </a:fillRef>
+          <a:effectRef idx="1">
+            <a:schemeClr val="accent2"/>
+          </a:effectRef>
+          <a:fontRef idx="minor">
+            <a:schemeClr val="dk1"/>
+          </a:fontRef>
+        </p:style>
+        <p:txBody>
+          <a:bodyPr rtlCol="0" anchor="ctr"/>
+          <a:lstStyle/>
+          <a:p>
+            <a:r>
+              <a:rPr lang="fr-CH" sz="1200" dirty="0"/>
+              <a:t>projet</a:t>
+            </a:r>
+            <a:br>
+              <a:rPr lang="fr-CH" sz="1200" dirty="0"/>
+            </a:br>
+            <a:r>
+              <a:rPr lang="fr-CH" sz="1200" dirty="0"/>
+              <a:t>C++</a:t>
+            </a:r>
+            <a:endParaRPr lang="en-US" sz="1200" dirty="0"/>
+          </a:p>
+        </p:txBody>
+      </p:sp>
+      <p:sp>
+        <p:nvSpPr>
+          <p:cNvPr id="50" name="Rectangle 49">
+            <a:extLst>
+              <a:ext uri="{FF2B5EF4-FFF2-40B4-BE49-F238E27FC236}">
+                <a16:creationId xmlns:a16="http://schemas.microsoft.com/office/drawing/2014/main" id="{C94DE0DE-290F-4D36-9923-FA42069B7718}"/>
+              </a:ext>
+            </a:extLst>
+          </p:cNvPr>
+          <p:cNvSpPr/>
+          <p:nvPr/>
+        </p:nvSpPr>
+        <p:spPr>
+          <a:xfrm>
+            <a:off x="5751666" y="4968827"/>
+            <a:ext cx="1109055" cy="231227"/>
+          </a:xfrm>
+          <a:prstGeom prst="rect">
+            <a:avLst/>
+          </a:prstGeom>
+        </p:spPr>
+        <p:style>
+          <a:lnRef idx="1">
+            <a:schemeClr val="accent1"/>
+          </a:lnRef>
+          <a:fillRef idx="2">
+            <a:schemeClr val="accent1"/>
+          </a:fillRef>
+          <a:effectRef idx="1">
+            <a:schemeClr val="accent1"/>
+          </a:effectRef>
+          <a:fontRef idx="minor">
+            <a:schemeClr val="dk1"/>
+          </a:fontRef>
+        </p:style>
+        <p:txBody>
+          <a:bodyPr rtlCol="0" anchor="ctr"/>
+          <a:lstStyle/>
+          <a:p>
+            <a:pPr algn="ctr"/>
+            <a:r>
+              <a:rPr lang="fr-CH" sz="1000" dirty="0" err="1"/>
+              <a:t>toolset</a:t>
+            </a:r>
+            <a:r>
+              <a:rPr lang="fr-CH" sz="1000" dirty="0"/>
+              <a:t>: v140</a:t>
+            </a:r>
+            <a:endParaRPr lang="en-US" sz="1000" dirty="0"/>
+          </a:p>
+        </p:txBody>
+      </p:sp>
+      <p:sp>
+        <p:nvSpPr>
+          <p:cNvPr id="51" name="Rectangle 50">
+            <a:extLst>
+              <a:ext uri="{FF2B5EF4-FFF2-40B4-BE49-F238E27FC236}">
+                <a16:creationId xmlns:a16="http://schemas.microsoft.com/office/drawing/2014/main" id="{94F8EB66-1F19-4B11-8B2F-6C1DD181C258}"/>
+              </a:ext>
+            </a:extLst>
+          </p:cNvPr>
+          <p:cNvSpPr/>
+          <p:nvPr/>
+        </p:nvSpPr>
+        <p:spPr>
+          <a:xfrm>
+            <a:off x="5751666" y="5306667"/>
+            <a:ext cx="1109055" cy="231227"/>
+          </a:xfrm>
+          <a:prstGeom prst="rect">
+            <a:avLst/>
+          </a:prstGeom>
+          <a:ln/>
+        </p:spPr>
+        <p:style>
+          <a:lnRef idx="1">
+            <a:schemeClr val="accent1"/>
+          </a:lnRef>
+          <a:fillRef idx="2">
+            <a:schemeClr val="accent1"/>
+          </a:fillRef>
+          <a:effectRef idx="1">
+            <a:schemeClr val="accent1"/>
+          </a:effectRef>
+          <a:fontRef idx="minor">
+            <a:schemeClr val="dk1"/>
+          </a:fontRef>
+        </p:style>
+        <p:txBody>
+          <a:bodyPr rtlCol="0" anchor="ctr"/>
+          <a:lstStyle/>
+          <a:p>
+            <a:pPr algn="ctr"/>
+            <a:r>
+              <a:rPr lang="fr-CH" sz="800" dirty="0"/>
+              <a:t>Windows 7</a:t>
+            </a:r>
+            <a:endParaRPr lang="en-US" sz="800" dirty="0"/>
+          </a:p>
+        </p:txBody>
+      </p:sp>
+      <p:sp>
+        <p:nvSpPr>
+          <p:cNvPr id="3" name="Rectangle : coins arrondis 2">
+            <a:extLst>
+              <a:ext uri="{FF2B5EF4-FFF2-40B4-BE49-F238E27FC236}">
+                <a16:creationId xmlns:a16="http://schemas.microsoft.com/office/drawing/2014/main" id="{64E599A4-EB9B-4880-8F8C-13DC1A912BA5}"/>
+              </a:ext>
+            </a:extLst>
+          </p:cNvPr>
+          <p:cNvSpPr/>
+          <p:nvPr/>
+        </p:nvSpPr>
+        <p:spPr>
+          <a:xfrm>
+            <a:off x="7655202" y="4831413"/>
+            <a:ext cx="1166746" cy="939581"/>
+          </a:xfrm>
+          <a:prstGeom prst="roundRect">
+            <a:avLst/>
+          </a:prstGeom>
+        </p:spPr>
+        <p:style>
+          <a:lnRef idx="2">
+            <a:schemeClr val="accent6">
+              <a:shade val="50000"/>
+            </a:schemeClr>
+          </a:lnRef>
+          <a:fillRef idx="1">
+            <a:schemeClr val="accent6"/>
+          </a:fillRef>
+          <a:effectRef idx="0">
+            <a:schemeClr val="accent6"/>
+          </a:effectRef>
+          <a:fontRef idx="minor">
+            <a:schemeClr val="lt1"/>
+          </a:fontRef>
+        </p:style>
+        <p:txBody>
+          <a:bodyPr rtlCol="0" anchor="ctr"/>
+          <a:lstStyle/>
+          <a:p>
+            <a:pPr algn="ctr"/>
+            <a:endParaRPr lang="en-US"/>
+          </a:p>
+        </p:txBody>
+      </p:sp>
+      <p:cxnSp>
+        <p:nvCxnSpPr>
+          <p:cNvPr id="5" name="Connecteur droit avec flèche 4">
+            <a:extLst>
+              <a:ext uri="{FF2B5EF4-FFF2-40B4-BE49-F238E27FC236}">
+                <a16:creationId xmlns:a16="http://schemas.microsoft.com/office/drawing/2014/main" id="{BC1DD965-D411-477B-B0EC-56BD12BC94DC}"/>
+              </a:ext>
+            </a:extLst>
+          </p:cNvPr>
+          <p:cNvCxnSpPr>
+            <a:cxnSpLocks/>
+            <a:endCxn id="69" idx="2"/>
+          </p:cNvCxnSpPr>
+          <p:nvPr/>
+        </p:nvCxnSpPr>
+        <p:spPr>
+          <a:xfrm flipV="1">
+            <a:off x="6997566" y="5293512"/>
+            <a:ext cx="1139175" cy="383"/>
+          </a:xfrm>
+          <a:prstGeom prst="straightConnector1">
+            <a:avLst/>
+          </a:prstGeom>
+          <a:ln w="25400">
+            <a:prstDash val="sysDash"/>
+            <a:tailEnd type="triangle" w="lg" len="lg"/>
+          </a:ln>
+        </p:spPr>
+        <p:style>
+          <a:lnRef idx="1">
+            <a:schemeClr val="accent1"/>
+          </a:lnRef>
+          <a:fillRef idx="0">
+            <a:schemeClr val="accent1"/>
+          </a:fillRef>
+          <a:effectRef idx="0">
+            <a:schemeClr val="accent1"/>
+          </a:effectRef>
+          <a:fontRef idx="minor">
+            <a:schemeClr val="tx1"/>
+          </a:fontRef>
+        </p:style>
+      </p:cxnSp>
+      <p:cxnSp>
+        <p:nvCxnSpPr>
+          <p:cNvPr id="18" name="Connecteur : en angle 17">
+            <a:extLst>
+              <a:ext uri="{FF2B5EF4-FFF2-40B4-BE49-F238E27FC236}">
+                <a16:creationId xmlns:a16="http://schemas.microsoft.com/office/drawing/2014/main" id="{C75B4260-2710-4967-99E8-B0143F6C9ACC}"/>
+              </a:ext>
+            </a:extLst>
+          </p:cNvPr>
+          <p:cNvCxnSpPr>
+            <a:cxnSpLocks/>
+            <a:stCxn id="69" idx="0"/>
+            <a:endCxn id="34" idx="0"/>
+          </p:cNvCxnSpPr>
+          <p:nvPr/>
+        </p:nvCxnSpPr>
+        <p:spPr>
+          <a:xfrm rot="16200000" flipV="1">
+            <a:off x="6245077" y="3111821"/>
+            <a:ext cx="2785134" cy="1280160"/>
+          </a:xfrm>
+          <a:prstGeom prst="bentConnector2">
+            <a:avLst/>
+          </a:prstGeom>
+          <a:ln w="25400">
+            <a:solidFill>
+              <a:schemeClr val="accent5"/>
+            </a:solidFill>
+            <a:prstDash val="sysDash"/>
+            <a:tailEnd type="triangle" w="lg" len="lg"/>
+          </a:ln>
+        </p:spPr>
+        <p:style>
+          <a:lnRef idx="1">
+            <a:schemeClr val="accent1"/>
+          </a:lnRef>
+          <a:fillRef idx="0">
+            <a:schemeClr val="accent1"/>
+          </a:fillRef>
+          <a:effectRef idx="0">
+            <a:schemeClr val="accent1"/>
+          </a:effectRef>
+          <a:fontRef idx="minor">
+            <a:schemeClr val="tx1"/>
+          </a:fontRef>
+        </p:style>
+      </p:cxnSp>
+      <p:cxnSp>
+        <p:nvCxnSpPr>
+          <p:cNvPr id="20" name="Connecteur : en angle 19">
+            <a:extLst>
+              <a:ext uri="{FF2B5EF4-FFF2-40B4-BE49-F238E27FC236}">
+                <a16:creationId xmlns:a16="http://schemas.microsoft.com/office/drawing/2014/main" id="{C6DEEA0C-9640-4A9D-8487-68388C43103F}"/>
+              </a:ext>
+            </a:extLst>
+          </p:cNvPr>
+          <p:cNvCxnSpPr>
+            <a:cxnSpLocks/>
+            <a:stCxn id="40" idx="3"/>
+          </p:cNvCxnSpPr>
+          <p:nvPr/>
+        </p:nvCxnSpPr>
+        <p:spPr>
+          <a:xfrm>
+            <a:off x="6860723" y="4359443"/>
+            <a:ext cx="1031993" cy="472439"/>
+          </a:xfrm>
+          <a:prstGeom prst="bentConnector3">
+            <a:avLst>
+              <a:gd name="adj1" fmla="val 100365"/>
+            </a:avLst>
+          </a:prstGeom>
+          <a:ln>
+            <a:tailEnd type="none"/>
+          </a:ln>
+        </p:spPr>
+        <p:style>
+          <a:lnRef idx="1">
+            <a:schemeClr val="accent1"/>
+          </a:lnRef>
+          <a:fillRef idx="0">
+            <a:schemeClr val="accent1"/>
+          </a:fillRef>
+          <a:effectRef idx="0">
+            <a:schemeClr val="accent1"/>
+          </a:effectRef>
+          <a:fontRef idx="minor">
+            <a:schemeClr val="tx1"/>
+          </a:fontRef>
+        </p:style>
+      </p:cxnSp>
+      <p:cxnSp>
+        <p:nvCxnSpPr>
+          <p:cNvPr id="23" name="Connecteur : en angle 22">
+            <a:extLst>
+              <a:ext uri="{FF2B5EF4-FFF2-40B4-BE49-F238E27FC236}">
+                <a16:creationId xmlns:a16="http://schemas.microsoft.com/office/drawing/2014/main" id="{B0ED5505-8469-48B6-A630-6BF514CF37BA}"/>
+              </a:ext>
+            </a:extLst>
+          </p:cNvPr>
+          <p:cNvCxnSpPr>
+            <a:cxnSpLocks/>
+            <a:stCxn id="37" idx="3"/>
+          </p:cNvCxnSpPr>
+          <p:nvPr/>
+        </p:nvCxnSpPr>
+        <p:spPr>
+          <a:xfrm>
+            <a:off x="6860723" y="3147178"/>
+            <a:ext cx="1176372" cy="1684704"/>
+          </a:xfrm>
+          <a:prstGeom prst="bentConnector2">
+            <a:avLst/>
+          </a:prstGeom>
+          <a:ln>
+            <a:tailEnd type="none"/>
+          </a:ln>
+        </p:spPr>
+        <p:style>
+          <a:lnRef idx="1">
+            <a:schemeClr val="accent1"/>
+          </a:lnRef>
+          <a:fillRef idx="0">
+            <a:schemeClr val="accent1"/>
+          </a:fillRef>
+          <a:effectRef idx="0">
+            <a:schemeClr val="accent1"/>
+          </a:effectRef>
+          <a:fontRef idx="minor">
+            <a:schemeClr val="tx1"/>
+          </a:fontRef>
+        </p:style>
+      </p:cxnSp>
+      <p:cxnSp>
+        <p:nvCxnSpPr>
+          <p:cNvPr id="58" name="Connecteur : en angle 57">
+            <a:extLst>
+              <a:ext uri="{FF2B5EF4-FFF2-40B4-BE49-F238E27FC236}">
+                <a16:creationId xmlns:a16="http://schemas.microsoft.com/office/drawing/2014/main" id="{F0DECD94-174F-4BD9-AC12-0210EA65EB4F}"/>
+              </a:ext>
+            </a:extLst>
+          </p:cNvPr>
+          <p:cNvCxnSpPr>
+            <a:cxnSpLocks/>
+            <a:endCxn id="51" idx="3"/>
+          </p:cNvCxnSpPr>
+          <p:nvPr/>
+        </p:nvCxnSpPr>
+        <p:spPr>
+          <a:xfrm rot="10800000" flipV="1">
+            <a:off x="6860722" y="4831881"/>
+            <a:ext cx="1051245" cy="590399"/>
+          </a:xfrm>
+          <a:prstGeom prst="bentConnector3">
+            <a:avLst>
+              <a:gd name="adj1" fmla="val 1473"/>
+            </a:avLst>
+          </a:prstGeom>
+          <a:ln>
+            <a:tailEnd type="triangle"/>
+          </a:ln>
+        </p:spPr>
+        <p:style>
+          <a:lnRef idx="1">
+            <a:schemeClr val="accent1"/>
+          </a:lnRef>
+          <a:fillRef idx="0">
+            <a:schemeClr val="accent1"/>
+          </a:fillRef>
+          <a:effectRef idx="0">
+            <a:schemeClr val="accent1"/>
+          </a:effectRef>
+          <a:fontRef idx="minor">
+            <a:schemeClr val="tx1"/>
+          </a:fontRef>
+        </p:style>
+      </p:cxnSp>
+      <p:cxnSp>
+        <p:nvCxnSpPr>
+          <p:cNvPr id="66" name="Connecteur : en angle 65">
+            <a:extLst>
+              <a:ext uri="{FF2B5EF4-FFF2-40B4-BE49-F238E27FC236}">
+                <a16:creationId xmlns:a16="http://schemas.microsoft.com/office/drawing/2014/main" id="{EB01B12A-C3DD-4C2D-ACC5-79ED3636A0E4}"/>
+              </a:ext>
+            </a:extLst>
+          </p:cNvPr>
+          <p:cNvCxnSpPr>
+            <a:cxnSpLocks/>
+            <a:endCxn id="50" idx="3"/>
+          </p:cNvCxnSpPr>
+          <p:nvPr/>
+        </p:nvCxnSpPr>
+        <p:spPr>
+          <a:xfrm rot="10800000" flipV="1">
+            <a:off x="6860722" y="4831881"/>
+            <a:ext cx="1185999" cy="252559"/>
+          </a:xfrm>
+          <a:prstGeom prst="bentConnector3">
+            <a:avLst>
+              <a:gd name="adj1" fmla="val 494"/>
+            </a:avLst>
+          </a:prstGeom>
+          <a:ln>
+            <a:tailEnd type="triangle"/>
+          </a:ln>
+        </p:spPr>
+        <p:style>
+          <a:lnRef idx="1">
+            <a:schemeClr val="accent1"/>
+          </a:lnRef>
+          <a:fillRef idx="0">
+            <a:schemeClr val="accent1"/>
+          </a:fillRef>
+          <a:effectRef idx="0">
+            <a:schemeClr val="accent1"/>
+          </a:effectRef>
+          <a:fontRef idx="minor">
+            <a:schemeClr val="tx1"/>
+          </a:fontRef>
+        </p:style>
+      </p:cxnSp>
+      <p:sp>
+        <p:nvSpPr>
+          <p:cNvPr id="69" name="Ellipse 68">
+            <a:extLst>
+              <a:ext uri="{FF2B5EF4-FFF2-40B4-BE49-F238E27FC236}">
+                <a16:creationId xmlns:a16="http://schemas.microsoft.com/office/drawing/2014/main" id="{ED9FE42F-39BC-47D3-A79C-786AE61312EF}"/>
+              </a:ext>
+            </a:extLst>
+          </p:cNvPr>
+          <p:cNvSpPr/>
+          <p:nvPr/>
+        </p:nvSpPr>
+        <p:spPr>
+          <a:xfrm>
+            <a:off x="8136741" y="5144468"/>
+            <a:ext cx="281965" cy="298087"/>
+          </a:xfrm>
+          <a:prstGeom prst="ellipse">
+            <a:avLst/>
+          </a:prstGeom>
+        </p:spPr>
+        <p:style>
+          <a:lnRef idx="2">
+            <a:schemeClr val="accent1">
+              <a:shade val="50000"/>
+            </a:schemeClr>
+          </a:lnRef>
+          <a:fillRef idx="1">
+            <a:schemeClr val="accent1"/>
+          </a:fillRef>
+          <a:effectRef idx="0">
+            <a:schemeClr val="accent1"/>
+          </a:effectRef>
+          <a:fontRef idx="minor">
+            <a:schemeClr val="lt1"/>
+          </a:fontRef>
+        </p:style>
+        <p:txBody>
+          <a:bodyPr rtlCol="0" anchor="ctr"/>
+          <a:lstStyle/>
+          <a:p>
+            <a:pPr algn="ctr"/>
+            <a:endParaRPr lang="en-US"/>
+          </a:p>
+        </p:txBody>
+      </p:sp>
+      <p:cxnSp>
+        <p:nvCxnSpPr>
+          <p:cNvPr id="14" name="Connecteur : en angle 13">
+            <a:extLst>
+              <a:ext uri="{FF2B5EF4-FFF2-40B4-BE49-F238E27FC236}">
+                <a16:creationId xmlns:a16="http://schemas.microsoft.com/office/drawing/2014/main" id="{B9BA581C-39CD-49FA-8DAC-4AE270F1331A}"/>
+              </a:ext>
+            </a:extLst>
+          </p:cNvPr>
+          <p:cNvCxnSpPr>
+            <a:cxnSpLocks/>
+            <a:stCxn id="69" idx="0"/>
+            <a:endCxn id="36" idx="0"/>
+          </p:cNvCxnSpPr>
+          <p:nvPr/>
+        </p:nvCxnSpPr>
+        <p:spPr>
+          <a:xfrm rot="16200000" flipV="1">
+            <a:off x="6708785" y="3575529"/>
+            <a:ext cx="1864802" cy="1273076"/>
+          </a:xfrm>
+          <a:prstGeom prst="bentConnector2">
+            <a:avLst/>
+          </a:prstGeom>
+          <a:ln w="25400">
+            <a:solidFill>
+              <a:schemeClr val="accent4"/>
+            </a:solidFill>
+            <a:prstDash val="sysDash"/>
+            <a:tailEnd type="triangle" w="lg" len="lg"/>
+          </a:ln>
+        </p:spPr>
+        <p:style>
+          <a:lnRef idx="1">
+            <a:schemeClr val="accent1"/>
+          </a:lnRef>
+          <a:fillRef idx="0">
+            <a:schemeClr val="accent1"/>
+          </a:fillRef>
+          <a:effectRef idx="0">
+            <a:schemeClr val="accent1"/>
+          </a:effectRef>
+          <a:fontRef idx="minor">
+            <a:schemeClr val="tx1"/>
+          </a:fontRef>
+        </p:style>
+      </p:cxnSp>
+      <p:cxnSp>
+        <p:nvCxnSpPr>
+          <p:cNvPr id="12" name="Connecteur : en angle 11">
+            <a:extLst>
+              <a:ext uri="{FF2B5EF4-FFF2-40B4-BE49-F238E27FC236}">
+                <a16:creationId xmlns:a16="http://schemas.microsoft.com/office/drawing/2014/main" id="{9722AF95-5401-4C88-813E-C14833AD1A56}"/>
+              </a:ext>
+            </a:extLst>
+          </p:cNvPr>
+          <p:cNvCxnSpPr>
+            <a:cxnSpLocks/>
+            <a:stCxn id="69" idx="0"/>
+            <a:endCxn id="39" idx="0"/>
+          </p:cNvCxnSpPr>
+          <p:nvPr/>
+        </p:nvCxnSpPr>
+        <p:spPr>
+          <a:xfrm rot="16200000" flipV="1">
+            <a:off x="7168951" y="4035695"/>
+            <a:ext cx="944470" cy="1273076"/>
+          </a:xfrm>
+          <a:prstGeom prst="bentConnector2">
+            <a:avLst/>
+          </a:prstGeom>
+          <a:ln w="25400">
+            <a:solidFill>
+              <a:schemeClr val="accent2"/>
+            </a:solidFill>
+            <a:prstDash val="sysDash"/>
+            <a:tailEnd type="triangle" w="lg" len="lg"/>
+          </a:ln>
+        </p:spPr>
+        <p:style>
+          <a:lnRef idx="1">
+            <a:schemeClr val="accent1"/>
+          </a:lnRef>
+          <a:fillRef idx="0">
+            <a:schemeClr val="accent1"/>
+          </a:fillRef>
+          <a:effectRef idx="0">
+            <a:schemeClr val="accent1"/>
+          </a:effectRef>
+          <a:fontRef idx="minor">
+            <a:schemeClr val="tx1"/>
+          </a:fontRef>
+        </p:style>
+      </p:cxnSp>
+    </p:spTree>
+    <p:extLst>
+      <p:ext uri="{BB962C8B-B14F-4D97-AF65-F5344CB8AC3E}">
+        <p14:creationId xmlns:p14="http://schemas.microsoft.com/office/powerpoint/2010/main" val="1315330722"/>
+      </p:ext>
+    </p:extLst>
+  </p:cSld>
+  <p:clrMapOvr>
+    <a:masterClrMapping/>
+  </p:clrMapOvr>
+</p:sld>
+</file>
+
+<file path=ppt/slides/slide11.xml><?xml version="1.0" encoding="utf-8"?>
+<p:sld xmlns:a="http://schemas.openxmlformats.org/drawingml/2006/main" xmlns:r="http://schemas.openxmlformats.org/officeDocument/2006/relationships" xmlns:p="http://schemas.openxmlformats.org/presentationml/2006/main">
+  <p:cSld>
+    <p:spTree>
+      <p:nvGrpSpPr>
+        <p:cNvPr id="1" name=""/>
+        <p:cNvGrpSpPr/>
+        <p:nvPr/>
+      </p:nvGrpSpPr>
+      <p:grpSpPr>
+        <a:xfrm>
+          <a:off x="0" y="0"/>
+          <a:ext cx="0" cy="0"/>
+          <a:chOff x="0" y="0"/>
+          <a:chExt cx="0" cy="0"/>
+        </a:xfrm>
+      </p:grpSpPr>
+      <p:sp>
+        <p:nvSpPr>
+          <p:cNvPr id="2" name="Titre 1">
+            <a:extLst>
+              <a:ext uri="{FF2B5EF4-FFF2-40B4-BE49-F238E27FC236}">
+                <a16:creationId xmlns:a16="http://schemas.microsoft.com/office/drawing/2014/main" id="{873FE7C9-6349-4727-9B1B-2C19E30CBA0C}"/>
+              </a:ext>
+            </a:extLst>
+          </p:cNvPr>
+          <p:cNvSpPr>
+            <a:spLocks noGrp="1"/>
+          </p:cNvSpPr>
+          <p:nvPr>
+            <p:ph type="title"/>
+          </p:nvPr>
+        </p:nvSpPr>
+        <p:spPr/>
+        <p:txBody>
+          <a:bodyPr>
+            <a:normAutofit/>
+          </a:bodyPr>
+          <a:lstStyle/>
+          <a:p>
+            <a:r>
+              <a:rPr lang="fr-CH" dirty="0" err="1"/>
+              <a:t>zouification</a:t>
+            </a:r>
+            <a:r>
+              <a:rPr lang="fr-CH" dirty="0"/>
+              <a:t> .NET</a:t>
+            </a:r>
+            <a:br>
+              <a:rPr lang="fr-CH" dirty="0"/>
+            </a:br>
+            <a:r>
+              <a:rPr lang="fr-CH" dirty="0"/>
+              <a:t>hameçonnage polymorphique</a:t>
+            </a:r>
+            <a:endParaRPr lang="en-US" dirty="0"/>
+          </a:p>
+        </p:txBody>
+      </p:sp>
+      <p:sp>
+        <p:nvSpPr>
+          <p:cNvPr id="3" name="Espace réservé du contenu 2">
+            <a:extLst>
+              <a:ext uri="{FF2B5EF4-FFF2-40B4-BE49-F238E27FC236}">
+                <a16:creationId xmlns:a16="http://schemas.microsoft.com/office/drawing/2014/main" id="{7971077A-BB92-4001-A353-67B148646789}"/>
+              </a:ext>
+            </a:extLst>
+          </p:cNvPr>
+          <p:cNvSpPr>
+            <a:spLocks noGrp="1"/>
+          </p:cNvSpPr>
+          <p:nvPr>
+            <p:ph idx="1"/>
+          </p:nvPr>
+        </p:nvSpPr>
+        <p:spPr>
+          <a:noFill/>
+          <a:ln w="9525" cap="flat" cmpd="sng" algn="ctr">
+            <a:solidFill>
+              <a:schemeClr val="accent3"/>
+            </a:solidFill>
+            <a:prstDash val="solid"/>
+            <a:round/>
+            <a:headEnd type="none" w="med" len="med"/>
+            <a:tailEnd type="none" w="med" len="med"/>
+          </a:ln>
+        </p:spPr>
+        <p:style>
+          <a:lnRef idx="0">
+            <a:scrgbClr r="0" g="0" b="0"/>
+          </a:lnRef>
+          <a:fillRef idx="0">
+            <a:scrgbClr r="0" g="0" b="0"/>
+          </a:fillRef>
+          <a:effectRef idx="0">
+            <a:scrgbClr r="0" g="0" b="0"/>
+          </a:effectRef>
+          <a:fontRef idx="minor">
+            <a:schemeClr val="accent3"/>
+          </a:fontRef>
+        </p:style>
+        <p:txBody>
+          <a:bodyPr/>
+          <a:lstStyle/>
+          <a:p>
+            <a:r>
+              <a:rPr lang="fr-CH" sz="1200" dirty="0">
+                <a:latin typeface="Consolas" panose="020B0609020204030204" pitchFamily="49" charset="0"/>
+              </a:rPr>
+              <a:t>Module\</a:t>
+            </a:r>
+            <a:r>
+              <a:rPr lang="fr-CH" sz="1200" dirty="0" err="1">
+                <a:latin typeface="Consolas" panose="020B0609020204030204" pitchFamily="49" charset="0"/>
+              </a:rPr>
+              <a:t>Directory.Build.props</a:t>
+            </a:r>
+            <a:endParaRPr lang="fr-CH" sz="1200" dirty="0">
+              <a:latin typeface="Consolas" panose="020B0609020204030204" pitchFamily="49" charset="0"/>
+            </a:endParaRPr>
+          </a:p>
+          <a:p>
+            <a:pPr lvl="1"/>
+            <a:r>
+              <a:rPr lang="fr-CH" sz="1200" dirty="0">
+                <a:latin typeface="Consolas" panose="020B0609020204030204" pitchFamily="49" charset="0"/>
+              </a:rPr>
+              <a:t>Module\</a:t>
+            </a:r>
+            <a:r>
+              <a:rPr lang="fr-CH" sz="1200" dirty="0" err="1">
+                <a:latin typeface="Consolas" panose="020B0609020204030204" pitchFamily="49" charset="0"/>
+              </a:rPr>
+              <a:t>Version.props</a:t>
+            </a:r>
+            <a:endParaRPr lang="fr-CH" sz="1200" dirty="0">
+              <a:latin typeface="Consolas" panose="020B0609020204030204" pitchFamily="49" charset="0"/>
+            </a:endParaRPr>
+          </a:p>
+          <a:p>
+            <a:pPr lvl="2"/>
+            <a:r>
+              <a:rPr lang="fr-CH" sz="1200" dirty="0">
+                <a:solidFill>
+                  <a:schemeClr val="accent1"/>
+                </a:solidFill>
+                <a:latin typeface="Consolas" panose="020B0609020204030204" pitchFamily="49" charset="0"/>
+              </a:rPr>
+              <a:t>Version</a:t>
+            </a:r>
+          </a:p>
+          <a:p>
+            <a:pPr lvl="1"/>
+            <a:r>
+              <a:rPr lang="fr-CH" sz="1200" dirty="0">
+                <a:latin typeface="Consolas" panose="020B0609020204030204" pitchFamily="49" charset="0"/>
+              </a:rPr>
+              <a:t>Bundle\</a:t>
+            </a:r>
+            <a:r>
+              <a:rPr lang="fr-CH" sz="1200" dirty="0" err="1">
+                <a:latin typeface="Consolas" panose="020B0609020204030204" pitchFamily="49" charset="0"/>
+              </a:rPr>
+              <a:t>Directory.Build.props</a:t>
+            </a:r>
+            <a:endParaRPr lang="fr-CH" sz="1200" dirty="0">
+              <a:latin typeface="Consolas" panose="020B0609020204030204" pitchFamily="49" charset="0"/>
+            </a:endParaRPr>
+          </a:p>
+          <a:p>
+            <a:pPr lvl="2"/>
+            <a:r>
+              <a:rPr lang="en-US" sz="1200" dirty="0" err="1">
+                <a:latin typeface="Consolas" panose="020B0609020204030204" pitchFamily="49" charset="0"/>
+              </a:rPr>
+              <a:t>zou</a:t>
+            </a:r>
+            <a:r>
+              <a:rPr lang="en-US" sz="1200" dirty="0">
+                <a:latin typeface="Consolas" panose="020B0609020204030204" pitchFamily="49" charset="0"/>
+              </a:rPr>
+              <a:t>\</a:t>
+            </a:r>
+            <a:r>
+              <a:rPr lang="en-US" sz="1200" dirty="0" err="1">
+                <a:latin typeface="Consolas" panose="020B0609020204030204" pitchFamily="49" charset="0"/>
+              </a:rPr>
+              <a:t>Directory.Build.Default.props</a:t>
+            </a:r>
+            <a:endParaRPr lang="en-US" sz="1200" dirty="0">
+              <a:latin typeface="Consolas" panose="020B0609020204030204" pitchFamily="49" charset="0"/>
+            </a:endParaRPr>
+          </a:p>
+          <a:p>
+            <a:pPr lvl="3"/>
+            <a:r>
+              <a:rPr lang="en-US" dirty="0" err="1">
+                <a:solidFill>
+                  <a:schemeClr val="accent6"/>
+                </a:solidFill>
+                <a:latin typeface="Consolas" panose="020B0609020204030204" pitchFamily="49" charset="0"/>
+              </a:rPr>
+              <a:t>TargetFramework</a:t>
+            </a:r>
+            <a:r>
+              <a:rPr lang="en-US" dirty="0">
+                <a:solidFill>
+                  <a:schemeClr val="accent6"/>
+                </a:solidFill>
+                <a:latin typeface="Consolas" panose="020B0609020204030204" pitchFamily="49" charset="0"/>
+              </a:rPr>
+              <a:t>, </a:t>
+            </a:r>
+            <a:r>
+              <a:rPr lang="en-US" dirty="0" err="1">
+                <a:solidFill>
+                  <a:schemeClr val="accent6"/>
+                </a:solidFill>
+                <a:latin typeface="Consolas" panose="020B0609020204030204" pitchFamily="49" charset="0"/>
+              </a:rPr>
+              <a:t>RuntimeIdentifiers</a:t>
+            </a:r>
+            <a:r>
+              <a:rPr lang="en-US" dirty="0">
+                <a:solidFill>
+                  <a:schemeClr val="accent6"/>
+                </a:solidFill>
+                <a:latin typeface="Consolas" panose="020B0609020204030204" pitchFamily="49" charset="0"/>
+              </a:rPr>
+              <a:t>, Company, </a:t>
+            </a:r>
+            <a:r>
+              <a:rPr lang="fr-CH" dirty="0">
+                <a:solidFill>
+                  <a:schemeClr val="accent6"/>
+                </a:solidFill>
+                <a:latin typeface="Consolas" panose="020B0609020204030204" pitchFamily="49" charset="0"/>
+              </a:rPr>
+              <a:t>Version, </a:t>
+            </a:r>
+            <a:r>
+              <a:rPr lang="fr-CH" dirty="0" err="1">
+                <a:solidFill>
+                  <a:schemeClr val="accent6"/>
+                </a:solidFill>
+                <a:latin typeface="Consolas" panose="020B0609020204030204" pitchFamily="49" charset="0"/>
+              </a:rPr>
+              <a:t>LangVersion</a:t>
+            </a:r>
+            <a:r>
+              <a:rPr lang="fr-CH" dirty="0">
+                <a:solidFill>
+                  <a:schemeClr val="accent6"/>
+                </a:solidFill>
+                <a:latin typeface="Consolas" panose="020B0609020204030204" pitchFamily="49" charset="0"/>
+              </a:rPr>
+              <a:t>…</a:t>
+            </a:r>
+          </a:p>
+          <a:p>
+            <a:pPr lvl="2"/>
+            <a:r>
+              <a:rPr lang="en-US" sz="1200" dirty="0" err="1">
+                <a:solidFill>
+                  <a:schemeClr val="accent1">
+                    <a:lumMod val="60000"/>
+                    <a:lumOff val="40000"/>
+                  </a:schemeClr>
+                </a:solidFill>
+                <a:latin typeface="Consolas" panose="020B0609020204030204" pitchFamily="49" charset="0"/>
+              </a:rPr>
+              <a:t>TargetFramework</a:t>
+            </a:r>
+            <a:r>
+              <a:rPr lang="en-US" sz="1200" dirty="0">
+                <a:solidFill>
+                  <a:schemeClr val="accent1">
+                    <a:lumMod val="60000"/>
+                    <a:lumOff val="40000"/>
+                  </a:schemeClr>
+                </a:solidFill>
+                <a:latin typeface="Consolas" panose="020B0609020204030204" pitchFamily="49" charset="0"/>
+              </a:rPr>
+              <a:t>, </a:t>
+            </a:r>
+            <a:r>
+              <a:rPr lang="en-US" sz="1200" dirty="0" err="1">
+                <a:solidFill>
+                  <a:schemeClr val="accent1">
+                    <a:lumMod val="60000"/>
+                    <a:lumOff val="40000"/>
+                  </a:schemeClr>
+                </a:solidFill>
+                <a:latin typeface="Consolas" panose="020B0609020204030204" pitchFamily="49" charset="0"/>
+              </a:rPr>
+              <a:t>RuntimeIdentifiers</a:t>
+            </a:r>
+            <a:r>
+              <a:rPr lang="en-US" sz="1200" dirty="0">
+                <a:solidFill>
+                  <a:schemeClr val="accent1">
+                    <a:lumMod val="60000"/>
+                    <a:lumOff val="40000"/>
+                  </a:schemeClr>
+                </a:solidFill>
+                <a:latin typeface="Consolas" panose="020B0609020204030204" pitchFamily="49" charset="0"/>
+              </a:rPr>
+              <a:t> </a:t>
+            </a:r>
+            <a:r>
+              <a:rPr lang="en-US" sz="1200" dirty="0" err="1">
+                <a:solidFill>
+                  <a:schemeClr val="accent1">
+                    <a:lumMod val="60000"/>
+                    <a:lumOff val="40000"/>
+                  </a:schemeClr>
+                </a:solidFill>
+                <a:latin typeface="Consolas" panose="020B0609020204030204" pitchFamily="49" charset="0"/>
+              </a:rPr>
+              <a:t>PackageTags</a:t>
+            </a:r>
+            <a:r>
+              <a:rPr lang="en-US" sz="1200" dirty="0">
+                <a:solidFill>
+                  <a:schemeClr val="accent1">
+                    <a:lumMod val="60000"/>
+                    <a:lumOff val="40000"/>
+                  </a:schemeClr>
+                </a:solidFill>
+                <a:latin typeface="Consolas" panose="020B0609020204030204" pitchFamily="49" charset="0"/>
+              </a:rPr>
+              <a:t>…</a:t>
+            </a:r>
+          </a:p>
+          <a:p>
+            <a:pPr lvl="1"/>
+            <a:r>
+              <a:rPr lang="fr-CH" sz="1200" dirty="0">
+                <a:solidFill>
+                  <a:schemeClr val="accent1"/>
+                </a:solidFill>
+                <a:latin typeface="Consolas" panose="020B0609020204030204" pitchFamily="49" charset="0"/>
+              </a:rPr>
+              <a:t>A</a:t>
+            </a:r>
+            <a:r>
+              <a:rPr lang="en-US" sz="1200" dirty="0" err="1">
+                <a:solidFill>
+                  <a:schemeClr val="accent1"/>
+                </a:solidFill>
+                <a:latin typeface="Consolas" panose="020B0609020204030204" pitchFamily="49" charset="0"/>
+              </a:rPr>
+              <a:t>uthors</a:t>
+            </a:r>
+            <a:r>
+              <a:rPr lang="en-US" sz="1200" dirty="0">
+                <a:solidFill>
+                  <a:schemeClr val="accent1"/>
+                </a:solidFill>
+                <a:latin typeface="Consolas" panose="020B0609020204030204" pitchFamily="49" charset="0"/>
+              </a:rPr>
+              <a:t>, Product, </a:t>
+            </a:r>
+            <a:r>
+              <a:rPr lang="en-US" sz="1200" dirty="0" err="1">
+                <a:solidFill>
+                  <a:schemeClr val="accent1"/>
+                </a:solidFill>
+                <a:latin typeface="Consolas" panose="020B0609020204030204" pitchFamily="49" charset="0"/>
+              </a:rPr>
+              <a:t>FirstCopyrightYear</a:t>
+            </a:r>
+            <a:r>
+              <a:rPr lang="en-US" sz="1200" dirty="0">
+                <a:solidFill>
+                  <a:schemeClr val="accent1"/>
+                </a:solidFill>
+                <a:latin typeface="Consolas" panose="020B0609020204030204" pitchFamily="49" charset="0"/>
+              </a:rPr>
+              <a:t>, </a:t>
+            </a:r>
+            <a:r>
+              <a:rPr lang="en-US" sz="1200" dirty="0" err="1">
+                <a:solidFill>
+                  <a:schemeClr val="accent1"/>
+                </a:solidFill>
+                <a:latin typeface="Consolas" panose="020B0609020204030204" pitchFamily="49" charset="0"/>
+              </a:rPr>
+              <a:t>PackageProjectUrl</a:t>
+            </a:r>
+            <a:r>
+              <a:rPr lang="en-US" sz="1200" dirty="0">
+                <a:solidFill>
+                  <a:schemeClr val="accent1"/>
+                </a:solidFill>
+                <a:latin typeface="Consolas" panose="020B0609020204030204" pitchFamily="49" charset="0"/>
+              </a:rPr>
+              <a:t>…</a:t>
+            </a:r>
+          </a:p>
+          <a:p>
+            <a:pPr lvl="1"/>
+            <a:endParaRPr lang="en-US" sz="1200" dirty="0">
+              <a:latin typeface="Consolas" panose="020B0609020204030204" pitchFamily="49" charset="0"/>
+            </a:endParaRPr>
+          </a:p>
+          <a:p>
+            <a:pPr lvl="1"/>
+            <a:endParaRPr lang="en-US" dirty="0"/>
+          </a:p>
+          <a:p>
+            <a:pPr lvl="1"/>
+            <a:endParaRPr lang="en-US" dirty="0"/>
+          </a:p>
+          <a:p>
+            <a:pPr lvl="2"/>
+            <a:endParaRPr lang="fr-CH" dirty="0"/>
+          </a:p>
+          <a:p>
+            <a:pPr lvl="2"/>
+            <a:endParaRPr lang="en-US" dirty="0"/>
+          </a:p>
+        </p:txBody>
+      </p:sp>
+    </p:spTree>
+    <p:extLst>
+      <p:ext uri="{BB962C8B-B14F-4D97-AF65-F5344CB8AC3E}">
+        <p14:creationId xmlns:p14="http://schemas.microsoft.com/office/powerpoint/2010/main" val="98120280"/>
+      </p:ext>
+    </p:extLst>
+  </p:cSld>
+  <p:clrMapOvr>
+    <a:masterClrMapping/>
+  </p:clrMapOvr>
+</p:sld>
+</file>
+
+<file path=ppt/slides/slide12.xml><?xml version="1.0" encoding="utf-8"?>
+<p:sld xmlns:a="http://schemas.openxmlformats.org/drawingml/2006/main" xmlns:r="http://schemas.openxmlformats.org/officeDocument/2006/relationships" xmlns:p="http://schemas.openxmlformats.org/presentationml/2006/main">
+  <p:cSld>
+    <p:spTree>
+      <p:nvGrpSpPr>
+        <p:cNvPr id="1" name=""/>
+        <p:cNvGrpSpPr/>
+        <p:nvPr/>
+      </p:nvGrpSpPr>
+      <p:grpSpPr>
+        <a:xfrm>
+          <a:off x="0" y="0"/>
+          <a:ext cx="0" cy="0"/>
+          <a:chOff x="0" y="0"/>
+          <a:chExt cx="0" cy="0"/>
+        </a:xfrm>
+      </p:grpSpPr>
+      <p:sp>
+        <p:nvSpPr>
           <p:cNvPr id="2" name="Titre 1">
             <a:extLst>
               <a:ext uri="{FF2B5EF4-FFF2-40B4-BE49-F238E27FC236}">
@@ -8996,15 +10767,15 @@
             </a:r>
             <a:r>
               <a:rPr lang="en-US" dirty="0"/>
-              <a:t> .NET Core: </a:t>
+              <a:t> .NET Core: bcx/</a:t>
             </a:r>
             <a:r>
               <a:rPr lang="en-US" dirty="0" err="1"/>
-              <a:t>cresus</a:t>
+              <a:t>netcore</a:t>
             </a:r>
             <a:r>
               <a:rPr lang="en-US" dirty="0"/>
-              <a:t>/cresus.netcore.sln</a:t>
+              <a:t>/bcx.sln</a:t>
             </a:r>
           </a:p>
           <a:p>
@@ -9115,7 +10886,170 @@
 </p:sld>
 </file>
 
-<file path=ppt/slides/slide11.xml><?xml version="1.0" encoding="utf-8"?>
+<file path=ppt/slides/slide13.xml><?xml version="1.0" encoding="utf-8"?>
+<p:sld xmlns:a="http://schemas.openxmlformats.org/drawingml/2006/main" xmlns:r="http://schemas.openxmlformats.org/officeDocument/2006/relationships" xmlns:p="http://schemas.openxmlformats.org/presentationml/2006/main">
+  <p:cSld>
+    <p:spTree>
+      <p:nvGrpSpPr>
+        <p:cNvPr id="1" name=""/>
+        <p:cNvGrpSpPr/>
+        <p:nvPr/>
+      </p:nvGrpSpPr>
+      <p:grpSpPr>
+        <a:xfrm>
+          <a:off x="0" y="0"/>
+          <a:ext cx="0" cy="0"/>
+          <a:chOff x="0" y="0"/>
+          <a:chExt cx="0" cy="0"/>
+        </a:xfrm>
+      </p:grpSpPr>
+      <p:sp>
+        <p:nvSpPr>
+          <p:cNvPr id="2" name="Titre 1">
+            <a:extLst>
+              <a:ext uri="{FF2B5EF4-FFF2-40B4-BE49-F238E27FC236}">
+                <a16:creationId xmlns:a16="http://schemas.microsoft.com/office/drawing/2014/main" id="{F46F8207-5CB9-465B-AA69-68723198DC35}"/>
+              </a:ext>
+            </a:extLst>
+          </p:cNvPr>
+          <p:cNvSpPr>
+            <a:spLocks noGrp="1"/>
+          </p:cNvSpPr>
+          <p:nvPr>
+            <p:ph type="title"/>
+          </p:nvPr>
+        </p:nvSpPr>
+        <p:spPr/>
+        <p:txBody>
+          <a:bodyPr/>
+          <a:lstStyle/>
+          <a:p>
+            <a:r>
+              <a:rPr lang="fr-CH" dirty="0"/>
+              <a:t>Publication facturation</a:t>
+            </a:r>
+            <a:endParaRPr lang="en-US" dirty="0"/>
+          </a:p>
+        </p:txBody>
+      </p:sp>
+      <p:sp>
+        <p:nvSpPr>
+          <p:cNvPr id="3" name="Espace réservé du contenu 2">
+            <a:extLst>
+              <a:ext uri="{FF2B5EF4-FFF2-40B4-BE49-F238E27FC236}">
+                <a16:creationId xmlns:a16="http://schemas.microsoft.com/office/drawing/2014/main" id="{AA28B443-CC09-4AAF-9142-2F40712C560F}"/>
+              </a:ext>
+            </a:extLst>
+          </p:cNvPr>
+          <p:cNvSpPr>
+            <a:spLocks noGrp="1"/>
+          </p:cNvSpPr>
+          <p:nvPr>
+            <p:ph idx="1"/>
+          </p:nvPr>
+        </p:nvSpPr>
+        <p:spPr/>
+        <p:txBody>
+          <a:bodyPr/>
+          <a:lstStyle/>
+          <a:p>
+            <a:r>
+              <a:rPr lang="fr-CH" dirty="0"/>
+              <a:t>Nettoyer </a:t>
+            </a:r>
+            <a:r>
+              <a:rPr lang="fr-CH" dirty="0" err="1"/>
+              <a:t>cresus</a:t>
+            </a:r>
+            <a:r>
+              <a:rPr lang="fr-CH" dirty="0"/>
+              <a:t>-dev</a:t>
+            </a:r>
+          </a:p>
+          <a:p>
+            <a:pPr lvl="1"/>
+            <a:r>
+              <a:rPr lang="fr-CH" dirty="0"/>
+              <a:t>git </a:t>
+            </a:r>
+            <a:r>
+              <a:rPr lang="fr-CH" dirty="0" err="1"/>
+              <a:t>cleanex</a:t>
+            </a:r>
+            <a:r>
+              <a:rPr lang="fr-CH" dirty="0"/>
+              <a:t> –r -q</a:t>
+            </a:r>
+          </a:p>
+          <a:p>
+            <a:r>
+              <a:rPr lang="fr-CH" dirty="0"/>
+              <a:t>Synchroniser </a:t>
+            </a:r>
+            <a:r>
+              <a:rPr lang="fr-CH" dirty="0" err="1"/>
+              <a:t>cresus</a:t>
+            </a:r>
+            <a:r>
+              <a:rPr lang="fr-CH" dirty="0"/>
+              <a:t>-dev</a:t>
+            </a:r>
+          </a:p>
+          <a:p>
+            <a:pPr lvl="1"/>
+            <a:r>
+              <a:rPr lang="fr-CH" dirty="0"/>
+              <a:t>git </a:t>
+            </a:r>
+            <a:r>
+              <a:rPr lang="fr-CH" dirty="0" err="1"/>
+              <a:t>sync</a:t>
+            </a:r>
+            <a:r>
+              <a:rPr lang="fr-CH" dirty="0"/>
+              <a:t> --clean</a:t>
+            </a:r>
+          </a:p>
+          <a:p>
+            <a:r>
+              <a:rPr lang="fr-CH" dirty="0"/>
+              <a:t>Sélectionner la version développement du SKU facturation</a:t>
+            </a:r>
+          </a:p>
+          <a:p>
+            <a:pPr lvl="1"/>
+            <a:r>
+              <a:rPr lang="fr-CH" dirty="0"/>
+              <a:t>git select sku/</a:t>
+            </a:r>
+            <a:r>
+              <a:rPr lang="fr-CH" dirty="0" err="1"/>
+              <a:t>fact</a:t>
+            </a:r>
+            <a:r>
+              <a:rPr lang="fr-CH" dirty="0"/>
+              <a:t>/std/dev</a:t>
+            </a:r>
+          </a:p>
+          <a:p>
+            <a:endParaRPr lang="en-US" dirty="0"/>
+          </a:p>
+        </p:txBody>
+      </p:sp>
+    </p:spTree>
+    <p:extLst>
+      <p:ext uri="{BB962C8B-B14F-4D97-AF65-F5344CB8AC3E}">
+        <p14:creationId xmlns:p14="http://schemas.microsoft.com/office/powerpoint/2010/main" val="3735512894"/>
+      </p:ext>
+    </p:extLst>
+  </p:cSld>
+  <p:clrMapOvr>
+    <a:masterClrMapping/>
+  </p:clrMapOvr>
+</p:sld>
+</file>
+
+<file path=ppt/slides/slide14.xml><?xml version="1.0" encoding="utf-8"?>
 <p:sld xmlns:a="http://schemas.openxmlformats.org/drawingml/2006/main" xmlns:r="http://schemas.openxmlformats.org/officeDocument/2006/relationships" xmlns:p="http://schemas.openxmlformats.org/presentationml/2006/main">
   <p:cSld>
     <p:spTree>
@@ -9211,7 +11145,7 @@
 </p:sld>
 </file>
 
-<file path=ppt/slides/slide12.xml><?xml version="1.0" encoding="utf-8"?>
+<file path=ppt/slides/slide15.xml><?xml version="1.0" encoding="utf-8"?>
 <p:sld xmlns:a="http://schemas.openxmlformats.org/drawingml/2006/main" xmlns:r="http://schemas.openxmlformats.org/officeDocument/2006/relationships" xmlns:p="http://schemas.openxmlformats.org/presentationml/2006/main">
   <p:cSld>
     <p:spTree>
@@ -13871,7 +15805,7 @@
           <a:p>
             <a:r>
               <a:rPr lang="fr-FR" noProof="0" dirty="0"/>
-              <a:t>De la clé du succès.</a:t>
+              <a:t>Du succès.</a:t>
             </a:r>
           </a:p>
           <a:p>
@@ -14208,7 +16142,7 @@
           <a:p>
             <a:r>
               <a:rPr lang="fr-FR" dirty="0"/>
-              <a:t>La clé du succès</a:t>
+              <a:t>C’est quoi le succès?</a:t>
             </a:r>
             <a:endParaRPr lang="fr-FR" noProof="0" dirty="0"/>
           </a:p>
@@ -14268,6 +16202,12 @@
             <a:r>
               <a:rPr lang="fr-FR" dirty="0"/>
               <a:t>Améliorer l’expérience développeur.</a:t>
+            </a:r>
+          </a:p>
+          <a:p>
+            <a:r>
+              <a:rPr lang="fr-FR" dirty="0"/>
+              <a:t>Créer une synergie développement / déploiement</a:t>
             </a:r>
           </a:p>
           <a:p>
@@ -14452,6 +16392,55 @@
                       </p:childTnLst>
                     </p:cTn>
                   </p:par>
+                  <p:par>
+                    <p:cTn id="15" fill="hold">
+                      <p:stCondLst>
+                        <p:cond delay="indefinite"/>
+                      </p:stCondLst>
+                      <p:childTnLst>
+                        <p:par>
+                          <p:cTn id="16" fill="hold">
+                            <p:stCondLst>
+                              <p:cond delay="0"/>
+                            </p:stCondLst>
+                            <p:childTnLst>
+                              <p:par>
+                                <p:cTn id="17" presetID="1" presetClass="entr" presetSubtype="0" fill="hold" grpId="0" nodeType="clickEffect">
+                                  <p:stCondLst>
+                                    <p:cond delay="0"/>
+                                  </p:stCondLst>
+                                  <p:childTnLst>
+                                    <p:set>
+                                      <p:cBhvr>
+                                        <p:cTn id="18" dur="1" fill="hold">
+                                          <p:stCondLst>
+                                            <p:cond delay="0"/>
+                                          </p:stCondLst>
+                                        </p:cTn>
+                                        <p:tgtEl>
+                                          <p:spTgt spid="3">
+                                            <p:txEl>
+                                              <p:pRg st="4" end="4"/>
+                                            </p:txEl>
+                                          </p:spTgt>
+                                        </p:tgtEl>
+                                        <p:attrNameLst>
+                                          <p:attrName>style.visibility</p:attrName>
+                                        </p:attrNameLst>
+                                      </p:cBhvr>
+                                      <p:to>
+                                        <p:strVal val="visible"/>
+                                      </p:to>
+                                    </p:set>
+                                  </p:childTnLst>
+                                </p:cTn>
+                              </p:par>
+                            </p:childTnLst>
+                          </p:cTn>
+                        </p:par>
+                      </p:childTnLst>
+                    </p:cTn>
+                  </p:par>
                 </p:childTnLst>
               </p:cTn>
               <p:prevCondLst>
@@ -14515,14 +16504,26 @@
         </p:nvSpPr>
         <p:spPr/>
         <p:txBody>
-          <a:bodyPr/>
+          <a:bodyPr>
+            <a:normAutofit fontScale="90000"/>
+          </a:bodyPr>
           <a:lstStyle/>
           <a:p>
             <a:r>
-              <a:rPr lang="fr-FR" dirty="0"/>
+              <a:rPr lang="fr-FR" sz="2800" dirty="0"/>
               <a:t>Comment accélérer la chaîne de production?</a:t>
             </a:r>
-            <a:endParaRPr lang="en-US" dirty="0"/>
+            <a:br>
+              <a:rPr lang="fr-FR" sz="2800" dirty="0"/>
+            </a:br>
+            <a:r>
+              <a:rPr lang="fr-CH" sz="2200" i="1" dirty="0"/>
+              <a:t>« Il est difficile d’accélérer sur une route encombrée »</a:t>
+            </a:r>
+            <a:br>
+              <a:rPr lang="fr-CH" sz="2200" i="1" dirty="0"/>
+            </a:br>
+            <a:endParaRPr lang="en-US" i="1" dirty="0"/>
           </a:p>
         </p:txBody>
       </p:sp>
@@ -14555,117 +16556,101 @@
             </a:r>
             <a:r>
               <a:rPr lang="fr-CH" b="1" dirty="0"/>
-              <a:t> nivelant </a:t>
+              <a:t> </a:t>
             </a:r>
             <a:r>
               <a:rPr lang="fr-CH" dirty="0"/>
-              <a:t>les bosses et en supprimant les obstacles (gros nettoyage)</a:t>
+              <a:t>nivelant</a:t>
+            </a:r>
+            <a:r>
+              <a:rPr lang="fr-CH" b="1" dirty="0"/>
+              <a:t> </a:t>
+            </a:r>
+            <a:r>
+              <a:rPr lang="fr-CH" dirty="0"/>
+              <a:t>les bosses, en diminuant les frottements, en supprimant les obstacles…</a:t>
+            </a:r>
+          </a:p>
+          <a:p>
+            <a:r>
+              <a:rPr lang="fr-CH" dirty="0"/>
+              <a:t>Pas de gestionnaire inter-projets pour les options des outils</a:t>
             </a:r>
           </a:p>
           <a:p>
             <a:pPr lvl="1"/>
             <a:r>
               <a:rPr lang="fr-CH" dirty="0"/>
-              <a:t>Car il est difficile d’accélérer sur une route encombrée</a:t>
-            </a:r>
-          </a:p>
-          <a:p>
-            <a:r>
-              <a:rPr lang="fr-FR" dirty="0"/>
-              <a:t>Pour cela, il faut bien </a:t>
-            </a:r>
-            <a:r>
-              <a:rPr lang="fr-FR" b="1" dirty="0"/>
-              <a:t>connaître</a:t>
-            </a:r>
-            <a:r>
-              <a:rPr lang="fr-FR" dirty="0"/>
-              <a:t> les outils qui interviennent dans la chaîne</a:t>
-            </a:r>
-            <a:endParaRPr lang="fr-FR" b="1" dirty="0"/>
-          </a:p>
-          <a:p>
-            <a:r>
-              <a:rPr lang="fr-FR" dirty="0"/>
-              <a:t>Afin de les </a:t>
-            </a:r>
-            <a:r>
-              <a:rPr lang="fr-FR" b="1" dirty="0"/>
-              <a:t>personnaliser</a:t>
-            </a:r>
-            <a:r>
-              <a:rPr lang="fr-FR" dirty="0"/>
-              <a:t>…</a:t>
-            </a:r>
+              <a:t>Incohérences dans la compilation et/ou dans l’édition des liens</a:t>
+            </a:r>
+            <a:endParaRPr lang="fr-CH" i="1" dirty="0"/>
           </a:p>
           <a:p>
             <a:r>
               <a:rPr lang="fr-CH" dirty="0"/>
-              <a:t>Pour </a:t>
-            </a:r>
-            <a:r>
-              <a:rPr lang="fr-CH" b="1" dirty="0"/>
-              <a:t>normaliser</a:t>
-            </a:r>
+              <a:t>Pas de gestionnaire de dépendances inter-</a:t>
+            </a:r>
+            <a:r>
+              <a:rPr lang="fr-CH" dirty="0" err="1"/>
+              <a:t>languages</a:t>
+            </a:r>
+            <a:endParaRPr lang="fr-CH" dirty="0"/>
+          </a:p>
+          <a:p>
+            <a:pPr lvl="1"/>
             <a:r>
               <a:rPr lang="fr-CH" dirty="0"/>
-              <a:t> et </a:t>
-            </a:r>
-            <a:r>
-              <a:rPr lang="fr-CH" b="1" dirty="0"/>
-              <a:t>centraliser</a:t>
+              <a:t>Disparité dans les dossiers de sortie, pas de </a:t>
+            </a:r>
+            <a:r>
+              <a:rPr lang="fr-CH" i="1" dirty="0" err="1"/>
+              <a:t>layout</a:t>
             </a:r>
             <a:r>
               <a:rPr lang="fr-CH" dirty="0"/>
-              <a:t> les paramètres de contrôle de la chaîne</a:t>
+              <a:t> centralisé.</a:t>
+            </a:r>
+          </a:p>
+          <a:p>
+            <a:r>
+              <a:rPr lang="fr-CH" dirty="0"/>
+              <a:t>Disparité des actifs (s:\</a:t>
+            </a:r>
+            <a:r>
+              <a:rPr lang="fr-CH" dirty="0" err="1"/>
+              <a:t>build</a:t>
+            </a:r>
+            <a:r>
+              <a:rPr lang="fr-CH" dirty="0"/>
+              <a:t>, s:\epsitec)</a:t>
             </a:r>
           </a:p>
           <a:p>
             <a:pPr lvl="1"/>
             <a:r>
               <a:rPr lang="fr-CH" dirty="0"/>
-              <a:t>Tout en conservant de la </a:t>
-            </a:r>
-            <a:r>
-              <a:rPr lang="fr-CH" b="1" dirty="0"/>
-              <a:t>souplesse</a:t>
-            </a:r>
+              <a:t>Disparité du code de gestion de ces actifs (</a:t>
+            </a:r>
+            <a:r>
+              <a:rPr lang="fr-CH" dirty="0" err="1"/>
+              <a:t>debug</a:t>
+            </a:r>
+            <a:r>
+              <a:rPr lang="fr-CH" dirty="0"/>
+              <a:t> / release)</a:t>
+            </a:r>
+          </a:p>
+          <a:p>
+            <a:pPr marL="0" indent="0">
+              <a:buNone/>
+            </a:pPr>
             <a:endParaRPr lang="fr-CH" dirty="0"/>
           </a:p>
           <a:p>
-            <a:r>
-              <a:rPr lang="fr-CH" dirty="0"/>
-              <a:t>Pour </a:t>
-            </a:r>
-            <a:r>
-              <a:rPr lang="fr-CH" b="1" dirty="0"/>
-              <a:t>contrôler</a:t>
-            </a:r>
-            <a:r>
-              <a:rPr lang="fr-CH" dirty="0"/>
-              <a:t> la disposition des dossiers de sortie</a:t>
-            </a:r>
-          </a:p>
-          <a:p>
-            <a:pPr lvl="1"/>
-            <a:r>
-              <a:rPr lang="fr-CH" dirty="0"/>
-              <a:t>Synergie développement / déploiement</a:t>
-            </a:r>
-          </a:p>
-          <a:p>
-            <a:r>
-              <a:rPr lang="fr-CH" dirty="0"/>
-              <a:t>Pour </a:t>
-            </a:r>
-            <a:r>
-              <a:rPr lang="fr-CH" b="1" dirty="0"/>
-              <a:t>créer</a:t>
-            </a:r>
-            <a:r>
-              <a:rPr lang="fr-CH" dirty="0"/>
-              <a:t> des outils d’aide au développement</a:t>
-            </a:r>
+            <a:endParaRPr lang="fr-CH" dirty="0"/>
+          </a:p>
+          <a:p>
+            <a:endParaRPr lang="fr-CH" dirty="0"/>
           </a:p>
           <a:p>
             <a:endParaRPr lang="fr-CH" dirty="0"/>
@@ -14749,15 +16734,33 @@
                                   </p:childTnLst>
                                 </p:cTn>
                               </p:par>
+                            </p:childTnLst>
+                          </p:cTn>
+                        </p:par>
+                      </p:childTnLst>
+                    </p:cTn>
+                  </p:par>
+                  <p:par>
+                    <p:cTn id="7" fill="hold">
+                      <p:stCondLst>
+                        <p:cond delay="indefinite"/>
+                      </p:stCondLst>
+                      <p:childTnLst>
+                        <p:par>
+                          <p:cTn id="8" fill="hold">
+                            <p:stCondLst>
+                              <p:cond delay="0"/>
+                            </p:stCondLst>
+                            <p:childTnLst>
                               <p:par>
-                                <p:cTn id="7" presetID="1" presetClass="entr" presetSubtype="0" fill="hold" grpId="0" nodeType="withEffect">
+                                <p:cTn id="9" presetID="1" presetClass="entr" presetSubtype="0" fill="hold" grpId="0" nodeType="clickEffect">
                                   <p:stCondLst>
                                     <p:cond delay="0"/>
                                   </p:stCondLst>
                                   <p:childTnLst>
                                     <p:set>
                                       <p:cBhvr>
-                                        <p:cTn id="8" dur="1" fill="hold">
+                                        <p:cTn id="10" dur="1" fill="hold">
                                           <p:stCondLst>
                                             <p:cond delay="0"/>
                                           </p:stCondLst>
@@ -14780,26 +16783,8 @@
                                   </p:childTnLst>
                                 </p:cTn>
                               </p:par>
-                            </p:childTnLst>
-                          </p:cTn>
-                        </p:par>
-                      </p:childTnLst>
-                    </p:cTn>
-                  </p:par>
-                  <p:par>
-                    <p:cTn id="9" fill="hold">
-                      <p:stCondLst>
-                        <p:cond delay="indefinite"/>
-                      </p:stCondLst>
-                      <p:childTnLst>
-                        <p:par>
-                          <p:cTn id="10" fill="hold">
-                            <p:stCondLst>
-                              <p:cond delay="0"/>
-                            </p:stCondLst>
-                            <p:childTnLst>
                               <p:par>
-                                <p:cTn id="11" presetID="1" presetClass="entr" presetSubtype="0" fill="hold" grpId="0" nodeType="clickEffect">
+                                <p:cTn id="11" presetID="1" presetClass="entr" presetSubtype="0" fill="hold" grpId="0" nodeType="withEffect">
                                   <p:stCondLst>
                                     <p:cond delay="0"/>
                                   </p:stCondLst>
@@ -14849,6 +16834,530 @@
                             <p:childTnLst>
                               <p:par>
                                 <p:cTn id="15" presetID="1" presetClass="entr" presetSubtype="0" fill="hold" grpId="0" nodeType="clickEffect">
+                                  <p:stCondLst>
+                                    <p:cond delay="0"/>
+                                  </p:stCondLst>
+                                  <p:childTnLst>
+                                    <p:set>
+                                      <p:cBhvr>
+                                        <p:cTn id="16" dur="1" fill="hold">
+                                          <p:stCondLst>
+                                            <p:cond delay="0"/>
+                                          </p:stCondLst>
+                                        </p:cTn>
+                                        <p:tgtEl>
+                                          <p:spTgt spid="3">
+                                            <p:txEl>
+                                              <p:pRg st="3" end="3"/>
+                                            </p:txEl>
+                                          </p:spTgt>
+                                        </p:tgtEl>
+                                        <p:attrNameLst>
+                                          <p:attrName>style.visibility</p:attrName>
+                                        </p:attrNameLst>
+                                      </p:cBhvr>
+                                      <p:to>
+                                        <p:strVal val="visible"/>
+                                      </p:to>
+                                    </p:set>
+                                  </p:childTnLst>
+                                </p:cTn>
+                              </p:par>
+                              <p:par>
+                                <p:cTn id="17" presetID="1" presetClass="entr" presetSubtype="0" fill="hold" grpId="0" nodeType="withEffect">
+                                  <p:stCondLst>
+                                    <p:cond delay="0"/>
+                                  </p:stCondLst>
+                                  <p:childTnLst>
+                                    <p:set>
+                                      <p:cBhvr>
+                                        <p:cTn id="18" dur="1" fill="hold">
+                                          <p:stCondLst>
+                                            <p:cond delay="0"/>
+                                          </p:stCondLst>
+                                        </p:cTn>
+                                        <p:tgtEl>
+                                          <p:spTgt spid="3">
+                                            <p:txEl>
+                                              <p:pRg st="4" end="4"/>
+                                            </p:txEl>
+                                          </p:spTgt>
+                                        </p:tgtEl>
+                                        <p:attrNameLst>
+                                          <p:attrName>style.visibility</p:attrName>
+                                        </p:attrNameLst>
+                                      </p:cBhvr>
+                                      <p:to>
+                                        <p:strVal val="visible"/>
+                                      </p:to>
+                                    </p:set>
+                                  </p:childTnLst>
+                                </p:cTn>
+                              </p:par>
+                            </p:childTnLst>
+                          </p:cTn>
+                        </p:par>
+                      </p:childTnLst>
+                    </p:cTn>
+                  </p:par>
+                  <p:par>
+                    <p:cTn id="19" fill="hold">
+                      <p:stCondLst>
+                        <p:cond delay="indefinite"/>
+                      </p:stCondLst>
+                      <p:childTnLst>
+                        <p:par>
+                          <p:cTn id="20" fill="hold">
+                            <p:stCondLst>
+                              <p:cond delay="0"/>
+                            </p:stCondLst>
+                            <p:childTnLst>
+                              <p:par>
+                                <p:cTn id="21" presetID="1" presetClass="entr" presetSubtype="0" fill="hold" grpId="0" nodeType="clickEffect">
+                                  <p:stCondLst>
+                                    <p:cond delay="0"/>
+                                  </p:stCondLst>
+                                  <p:childTnLst>
+                                    <p:set>
+                                      <p:cBhvr>
+                                        <p:cTn id="22" dur="1" fill="hold">
+                                          <p:stCondLst>
+                                            <p:cond delay="0"/>
+                                          </p:stCondLst>
+                                        </p:cTn>
+                                        <p:tgtEl>
+                                          <p:spTgt spid="3">
+                                            <p:txEl>
+                                              <p:pRg st="5" end="5"/>
+                                            </p:txEl>
+                                          </p:spTgt>
+                                        </p:tgtEl>
+                                        <p:attrNameLst>
+                                          <p:attrName>style.visibility</p:attrName>
+                                        </p:attrNameLst>
+                                      </p:cBhvr>
+                                      <p:to>
+                                        <p:strVal val="visible"/>
+                                      </p:to>
+                                    </p:set>
+                                  </p:childTnLst>
+                                </p:cTn>
+                              </p:par>
+                              <p:par>
+                                <p:cTn id="23" presetID="1" presetClass="entr" presetSubtype="0" fill="hold" grpId="0" nodeType="withEffect">
+                                  <p:stCondLst>
+                                    <p:cond delay="0"/>
+                                  </p:stCondLst>
+                                  <p:childTnLst>
+                                    <p:set>
+                                      <p:cBhvr>
+                                        <p:cTn id="24" dur="1" fill="hold">
+                                          <p:stCondLst>
+                                            <p:cond delay="0"/>
+                                          </p:stCondLst>
+                                        </p:cTn>
+                                        <p:tgtEl>
+                                          <p:spTgt spid="3">
+                                            <p:txEl>
+                                              <p:pRg st="6" end="6"/>
+                                            </p:txEl>
+                                          </p:spTgt>
+                                        </p:tgtEl>
+                                        <p:attrNameLst>
+                                          <p:attrName>style.visibility</p:attrName>
+                                        </p:attrNameLst>
+                                      </p:cBhvr>
+                                      <p:to>
+                                        <p:strVal val="visible"/>
+                                      </p:to>
+                                    </p:set>
+                                  </p:childTnLst>
+                                </p:cTn>
+                              </p:par>
+                            </p:childTnLst>
+                          </p:cTn>
+                        </p:par>
+                      </p:childTnLst>
+                    </p:cTn>
+                  </p:par>
+                </p:childTnLst>
+              </p:cTn>
+              <p:prevCondLst>
+                <p:cond evt="onPrev" delay="0">
+                  <p:tgtEl>
+                    <p:sldTgt/>
+                  </p:tgtEl>
+                </p:cond>
+              </p:prevCondLst>
+              <p:nextCondLst>
+                <p:cond evt="onNext" delay="0">
+                  <p:tgtEl>
+                    <p:sldTgt/>
+                  </p:tgtEl>
+                </p:cond>
+              </p:nextCondLst>
+            </p:seq>
+          </p:childTnLst>
+        </p:cTn>
+      </p:par>
+    </p:tnLst>
+    <p:bldLst>
+      <p:bldP spid="3" grpId="0" build="p"/>
+    </p:bldLst>
+  </p:timing>
+</p:sld>
+</file>
+
+<file path=ppt/slides/slide6.xml><?xml version="1.0" encoding="utf-8"?>
+<p:sld xmlns:a="http://schemas.openxmlformats.org/drawingml/2006/main" xmlns:r="http://schemas.openxmlformats.org/officeDocument/2006/relationships" xmlns:p="http://schemas.openxmlformats.org/presentationml/2006/main">
+  <p:cSld>
+    <p:spTree>
+      <p:nvGrpSpPr>
+        <p:cNvPr id="1" name=""/>
+        <p:cNvGrpSpPr/>
+        <p:nvPr/>
+      </p:nvGrpSpPr>
+      <p:grpSpPr>
+        <a:xfrm>
+          <a:off x="0" y="0"/>
+          <a:ext cx="0" cy="0"/>
+          <a:chOff x="0" y="0"/>
+          <a:chExt cx="0" cy="0"/>
+        </a:xfrm>
+      </p:grpSpPr>
+      <p:sp>
+        <p:nvSpPr>
+          <p:cNvPr id="2" name="Titre 1">
+            <a:extLst>
+              <a:ext uri="{FF2B5EF4-FFF2-40B4-BE49-F238E27FC236}">
+                <a16:creationId xmlns:a16="http://schemas.microsoft.com/office/drawing/2014/main" id="{26D0C5CA-0B83-4637-89D1-9B9CBB4F3D23}"/>
+              </a:ext>
+            </a:extLst>
+          </p:cNvPr>
+          <p:cNvSpPr>
+            <a:spLocks noGrp="1"/>
+          </p:cNvSpPr>
+          <p:nvPr>
+            <p:ph type="title"/>
+          </p:nvPr>
+        </p:nvSpPr>
+        <p:spPr/>
+        <p:txBody>
+          <a:bodyPr>
+            <a:normAutofit/>
+          </a:bodyPr>
+          <a:lstStyle/>
+          <a:p>
+            <a:r>
+              <a:rPr lang="fr-FR" sz="2800" dirty="0"/>
+              <a:t>Comment accélérer la chaîne de production?</a:t>
+            </a:r>
+            <a:endParaRPr lang="en-US" sz="2800" dirty="0"/>
+          </a:p>
+        </p:txBody>
+      </p:sp>
+      <p:sp>
+        <p:nvSpPr>
+          <p:cNvPr id="3" name="Espace réservé du contenu 2">
+            <a:extLst>
+              <a:ext uri="{FF2B5EF4-FFF2-40B4-BE49-F238E27FC236}">
+                <a16:creationId xmlns:a16="http://schemas.microsoft.com/office/drawing/2014/main" id="{C9CFF4A2-0580-40A7-8969-927C974F767C}"/>
+              </a:ext>
+            </a:extLst>
+          </p:cNvPr>
+          <p:cNvSpPr>
+            <a:spLocks noGrp="1"/>
+          </p:cNvSpPr>
+          <p:nvPr>
+            <p:ph idx="1"/>
+          </p:nvPr>
+        </p:nvSpPr>
+        <p:spPr/>
+        <p:txBody>
+          <a:bodyPr>
+            <a:normAutofit/>
+          </a:bodyPr>
+          <a:lstStyle/>
+          <a:p>
+            <a:r>
+              <a:rPr lang="fr-FR" dirty="0"/>
+              <a:t>Bien </a:t>
+            </a:r>
+            <a:r>
+              <a:rPr lang="fr-FR" b="1" dirty="0"/>
+              <a:t>connaître</a:t>
+            </a:r>
+            <a:r>
+              <a:rPr lang="fr-FR" dirty="0"/>
+              <a:t> les outils qui interviennent dans la chaîne</a:t>
+            </a:r>
+            <a:endParaRPr lang="fr-FR" b="1" dirty="0"/>
+          </a:p>
+          <a:p>
+            <a:r>
+              <a:rPr lang="fr-FR" dirty="0"/>
+              <a:t>Afin de les </a:t>
+            </a:r>
+            <a:r>
+              <a:rPr lang="fr-FR" b="1" dirty="0"/>
+              <a:t>personnaliser</a:t>
+            </a:r>
+            <a:r>
+              <a:rPr lang="fr-FR" dirty="0"/>
+              <a:t>…</a:t>
+            </a:r>
+          </a:p>
+          <a:p>
+            <a:r>
+              <a:rPr lang="fr-CH" dirty="0"/>
+              <a:t>Pour </a:t>
+            </a:r>
+            <a:r>
+              <a:rPr lang="fr-CH" b="1" dirty="0"/>
+              <a:t>normaliser</a:t>
+            </a:r>
+            <a:r>
+              <a:rPr lang="fr-CH" dirty="0"/>
+              <a:t> et </a:t>
+            </a:r>
+            <a:r>
+              <a:rPr lang="fr-CH" b="1" dirty="0"/>
+              <a:t>centraliser</a:t>
+            </a:r>
+            <a:r>
+              <a:rPr lang="fr-CH" dirty="0"/>
+              <a:t> les paramètres de contrôle de la chaîne</a:t>
+            </a:r>
+          </a:p>
+          <a:p>
+            <a:pPr lvl="1"/>
+            <a:r>
+              <a:rPr lang="fr-CH" dirty="0"/>
+              <a:t>Tout en conservant de la </a:t>
+            </a:r>
+            <a:r>
+              <a:rPr lang="fr-CH" b="1" dirty="0"/>
+              <a:t>souplesse</a:t>
+            </a:r>
+            <a:endParaRPr lang="fr-CH" dirty="0"/>
+          </a:p>
+          <a:p>
+            <a:r>
+              <a:rPr lang="fr-CH" dirty="0"/>
+              <a:t>Pour </a:t>
+            </a:r>
+            <a:r>
+              <a:rPr lang="fr-CH" b="1" dirty="0"/>
+              <a:t>contrôler</a:t>
+            </a:r>
+            <a:r>
+              <a:rPr lang="fr-CH" dirty="0"/>
+              <a:t> la disposition des dossiers de sortie</a:t>
+            </a:r>
+          </a:p>
+          <a:p>
+            <a:pPr lvl="1"/>
+            <a:r>
+              <a:rPr lang="fr-CH" dirty="0"/>
+              <a:t>Et créer une synergie développement / déploiement</a:t>
+            </a:r>
+          </a:p>
+          <a:p>
+            <a:r>
+              <a:rPr lang="fr-CH" dirty="0"/>
+              <a:t>Pour </a:t>
+            </a:r>
+            <a:r>
+              <a:rPr lang="fr-CH" b="1" dirty="0"/>
+              <a:t>créer</a:t>
+            </a:r>
+            <a:r>
+              <a:rPr lang="fr-CH" dirty="0"/>
+              <a:t> des outils d’aide au développement</a:t>
+            </a:r>
+          </a:p>
+          <a:p>
+            <a:endParaRPr lang="fr-CH" dirty="0"/>
+          </a:p>
+          <a:p>
+            <a:pPr marL="0" indent="0">
+              <a:buNone/>
+            </a:pPr>
+            <a:endParaRPr lang="fr-CH" dirty="0"/>
+          </a:p>
+          <a:p>
+            <a:pPr marL="0" indent="0">
+              <a:buNone/>
+            </a:pPr>
+            <a:endParaRPr lang="fr-CH" dirty="0"/>
+          </a:p>
+          <a:p>
+            <a:pPr lvl="1"/>
+            <a:endParaRPr lang="fr-CH" dirty="0"/>
+          </a:p>
+        </p:txBody>
+      </p:sp>
+    </p:spTree>
+    <p:extLst>
+      <p:ext uri="{BB962C8B-B14F-4D97-AF65-F5344CB8AC3E}">
+        <p14:creationId xmlns:p14="http://schemas.microsoft.com/office/powerpoint/2010/main" val="91045598"/>
+      </p:ext>
+    </p:extLst>
+  </p:cSld>
+  <p:clrMapOvr>
+    <a:masterClrMapping/>
+  </p:clrMapOvr>
+  <p:timing>
+    <p:tnLst>
+      <p:par>
+        <p:cTn id="1" dur="indefinite" restart="never" nodeType="tmRoot">
+          <p:childTnLst>
+            <p:seq concurrent="1" nextAc="seek">
+              <p:cTn id="2" dur="indefinite" nodeType="mainSeq">
+                <p:childTnLst>
+                  <p:par>
+                    <p:cTn id="3" fill="hold">
+                      <p:stCondLst>
+                        <p:cond delay="indefinite"/>
+                      </p:stCondLst>
+                      <p:childTnLst>
+                        <p:par>
+                          <p:cTn id="4" fill="hold">
+                            <p:stCondLst>
+                              <p:cond delay="0"/>
+                            </p:stCondLst>
+                            <p:childTnLst>
+                              <p:par>
+                                <p:cTn id="5" presetID="1" presetClass="entr" presetSubtype="0" fill="hold" grpId="0" nodeType="clickEffect">
+                                  <p:stCondLst>
+                                    <p:cond delay="0"/>
+                                  </p:stCondLst>
+                                  <p:childTnLst>
+                                    <p:set>
+                                      <p:cBhvr>
+                                        <p:cTn id="6" dur="1" fill="hold">
+                                          <p:stCondLst>
+                                            <p:cond delay="0"/>
+                                          </p:stCondLst>
+                                        </p:cTn>
+                                        <p:tgtEl>
+                                          <p:spTgt spid="3">
+                                            <p:txEl>
+                                              <p:pRg st="0" end="0"/>
+                                            </p:txEl>
+                                          </p:spTgt>
+                                        </p:tgtEl>
+                                        <p:attrNameLst>
+                                          <p:attrName>style.visibility</p:attrName>
+                                        </p:attrNameLst>
+                                      </p:cBhvr>
+                                      <p:to>
+                                        <p:strVal val="visible"/>
+                                      </p:to>
+                                    </p:set>
+                                  </p:childTnLst>
+                                </p:cTn>
+                              </p:par>
+                            </p:childTnLst>
+                          </p:cTn>
+                        </p:par>
+                      </p:childTnLst>
+                    </p:cTn>
+                  </p:par>
+                  <p:par>
+                    <p:cTn id="7" fill="hold">
+                      <p:stCondLst>
+                        <p:cond delay="indefinite"/>
+                      </p:stCondLst>
+                      <p:childTnLst>
+                        <p:par>
+                          <p:cTn id="8" fill="hold">
+                            <p:stCondLst>
+                              <p:cond delay="0"/>
+                            </p:stCondLst>
+                            <p:childTnLst>
+                              <p:par>
+                                <p:cTn id="9" presetID="1" presetClass="entr" presetSubtype="0" fill="hold" grpId="0" nodeType="clickEffect">
+                                  <p:stCondLst>
+                                    <p:cond delay="0"/>
+                                  </p:stCondLst>
+                                  <p:childTnLst>
+                                    <p:set>
+                                      <p:cBhvr>
+                                        <p:cTn id="10" dur="1" fill="hold">
+                                          <p:stCondLst>
+                                            <p:cond delay="0"/>
+                                          </p:stCondLst>
+                                        </p:cTn>
+                                        <p:tgtEl>
+                                          <p:spTgt spid="3">
+                                            <p:txEl>
+                                              <p:pRg st="1" end="1"/>
+                                            </p:txEl>
+                                          </p:spTgt>
+                                        </p:tgtEl>
+                                        <p:attrNameLst>
+                                          <p:attrName>style.visibility</p:attrName>
+                                        </p:attrNameLst>
+                                      </p:cBhvr>
+                                      <p:to>
+                                        <p:strVal val="visible"/>
+                                      </p:to>
+                                    </p:set>
+                                  </p:childTnLst>
+                                </p:cTn>
+                              </p:par>
+                            </p:childTnLst>
+                          </p:cTn>
+                        </p:par>
+                      </p:childTnLst>
+                    </p:cTn>
+                  </p:par>
+                  <p:par>
+                    <p:cTn id="11" fill="hold">
+                      <p:stCondLst>
+                        <p:cond delay="indefinite"/>
+                      </p:stCondLst>
+                      <p:childTnLst>
+                        <p:par>
+                          <p:cTn id="12" fill="hold">
+                            <p:stCondLst>
+                              <p:cond delay="0"/>
+                            </p:stCondLst>
+                            <p:childTnLst>
+                              <p:par>
+                                <p:cTn id="13" presetID="1" presetClass="entr" presetSubtype="0" fill="hold" grpId="0" nodeType="clickEffect">
+                                  <p:stCondLst>
+                                    <p:cond delay="0"/>
+                                  </p:stCondLst>
+                                  <p:childTnLst>
+                                    <p:set>
+                                      <p:cBhvr>
+                                        <p:cTn id="14" dur="1" fill="hold">
+                                          <p:stCondLst>
+                                            <p:cond delay="0"/>
+                                          </p:stCondLst>
+                                        </p:cTn>
+                                        <p:tgtEl>
+                                          <p:spTgt spid="3">
+                                            <p:txEl>
+                                              <p:pRg st="2" end="2"/>
+                                            </p:txEl>
+                                          </p:spTgt>
+                                        </p:tgtEl>
+                                        <p:attrNameLst>
+                                          <p:attrName>style.visibility</p:attrName>
+                                        </p:attrNameLst>
+                                      </p:cBhvr>
+                                      <p:to>
+                                        <p:strVal val="visible"/>
+                                      </p:to>
+                                    </p:set>
+                                  </p:childTnLst>
+                                </p:cTn>
+                              </p:par>
+                              <p:par>
+                                <p:cTn id="15" presetID="1" presetClass="entr" presetSubtype="0" fill="hold" grpId="0" nodeType="withEffect">
                                   <p:stCondLst>
                                     <p:cond delay="0"/>
                                   </p:stCondLst>
@@ -15007,86 +17516,6 @@
                                   </p:childTnLst>
                                 </p:cTn>
                               </p:par>
-                              <p:par>
-                                <p:cTn id="27" presetID="1" presetClass="entr" presetSubtype="0" fill="hold" grpId="0" nodeType="withEffect">
-                                  <p:stCondLst>
-                                    <p:cond delay="0"/>
-                                  </p:stCondLst>
-                                  <p:childTnLst>
-                                    <p:set>
-                                      <p:cBhvr>
-                                        <p:cTn id="28" dur="1" fill="hold">
-                                          <p:stCondLst>
-                                            <p:cond delay="0"/>
-                                          </p:stCondLst>
-                                        </p:cTn>
-                                        <p:tgtEl>
-                                          <p:spTgt spid="3">
-                                            <p:txEl>
-                                              <p:pRg st="7" end="7"/>
-                                            </p:txEl>
-                                          </p:spTgt>
-                                        </p:tgtEl>
-                                        <p:attrNameLst>
-                                          <p:attrName>style.visibility</p:attrName>
-                                        </p:attrNameLst>
-                                      </p:cBhvr>
-                                      <p:to>
-                                        <p:strVal val="visible"/>
-                                      </p:to>
-                                    </p:set>
-                                  </p:childTnLst>
-                                </p:cTn>
-                              </p:par>
-                            </p:childTnLst>
-                          </p:cTn>
-                        </p:par>
-                      </p:childTnLst>
-                    </p:cTn>
-                  </p:par>
-                  <p:par>
-                    <p:cTn id="29" fill="hold">
-                      <p:stCondLst>
-                        <p:cond delay="indefinite"/>
-                      </p:stCondLst>
-                      <p:childTnLst>
-                        <p:par>
-                          <p:cTn id="30" fill="hold">
-                            <p:stCondLst>
-                              <p:cond delay="0"/>
-                            </p:stCondLst>
-                            <p:childTnLst>
-                              <p:par>
-                                <p:cTn id="31" presetID="1" presetClass="entr" presetSubtype="0" fill="hold" grpId="0" nodeType="clickEffect">
-                                  <p:stCondLst>
-                                    <p:cond delay="0"/>
-                                  </p:stCondLst>
-                                  <p:childTnLst>
-                                    <p:set>
-                                      <p:cBhvr>
-                                        <p:cTn id="32" dur="1" fill="hold">
-                                          <p:stCondLst>
-                                            <p:cond delay="0"/>
-                                          </p:stCondLst>
-                                        </p:cTn>
-                                        <p:tgtEl>
-                                          <p:spTgt spid="3">
-                                            <p:txEl>
-                                              <p:pRg st="8" end="8"/>
-                                            </p:txEl>
-                                          </p:spTgt>
-                                        </p:tgtEl>
-                                        <p:attrNameLst>
-                                          <p:attrName>style.visibility</p:attrName>
-                                        </p:attrNameLst>
-                                      </p:cBhvr>
-                                      <p:to>
-                                        <p:strVal val="visible"/>
-                                      </p:to>
-                                    </p:set>
-                                  </p:childTnLst>
-                                </p:cTn>
-                              </p:par>
                             </p:childTnLst>
                           </p:cTn>
                         </p:par>
@@ -15121,7 +17550,7 @@
 </p:sld>
 </file>
 
-<file path=ppt/slides/slide6.xml><?xml version="1.0" encoding="utf-8"?>
+<file path=ppt/slides/slide7.xml><?xml version="1.0" encoding="utf-8"?>
 <p:sld xmlns:a="http://schemas.openxmlformats.org/drawingml/2006/main" xmlns:r="http://schemas.openxmlformats.org/officeDocument/2006/relationships" xmlns:p="http://schemas.openxmlformats.org/presentationml/2006/main">
   <p:cSld>
     <p:spTree>
@@ -15190,9 +17619,20 @@
         <p:spPr/>
         <p:txBody>
           <a:bodyPr>
-            <a:normAutofit fontScale="92500" lnSpcReduction="20000"/>
+            <a:normAutofit fontScale="85000" lnSpcReduction="20000"/>
           </a:bodyPr>
           <a:lstStyle/>
+          <a:p>
+            <a:r>
+              <a:rPr lang="fr-CH" dirty="0"/>
+              <a:t>Gestion des assets et des </a:t>
+            </a:r>
+            <a:r>
+              <a:rPr lang="fr-CH" dirty="0" err="1"/>
+              <a:t>add-ins</a:t>
+            </a:r>
+            <a:endParaRPr lang="fr-CH" dirty="0"/>
+          </a:p>
           <a:p>
             <a:r>
               <a:rPr lang="fr-CH" dirty="0" err="1"/>
@@ -15334,7 +17774,1374 @@
 </p:sld>
 </file>
 
-<file path=ppt/slides/slide7.xml><?xml version="1.0" encoding="utf-8"?>
+<file path=ppt/slides/slide8.xml><?xml version="1.0" encoding="utf-8"?>
+<p:sld xmlns:a="http://schemas.openxmlformats.org/drawingml/2006/main" xmlns:r="http://schemas.openxmlformats.org/officeDocument/2006/relationships" xmlns:p="http://schemas.openxmlformats.org/presentationml/2006/main">
+  <p:cSld>
+    <p:spTree>
+      <p:nvGrpSpPr>
+        <p:cNvPr id="1" name=""/>
+        <p:cNvGrpSpPr/>
+        <p:nvPr/>
+      </p:nvGrpSpPr>
+      <p:grpSpPr>
+        <a:xfrm>
+          <a:off x="0" y="0"/>
+          <a:ext cx="0" cy="0"/>
+          <a:chOff x="0" y="0"/>
+          <a:chExt cx="0" cy="0"/>
+        </a:xfrm>
+      </p:grpSpPr>
+      <p:sp>
+        <p:nvSpPr>
+          <p:cNvPr id="28" name="Rectangle : avec coin rogné 27">
+            <a:extLst>
+              <a:ext uri="{FF2B5EF4-FFF2-40B4-BE49-F238E27FC236}">
+                <a16:creationId xmlns:a16="http://schemas.microsoft.com/office/drawing/2014/main" id="{41BBD626-01BE-46F4-A85F-CE22F83AA60C}"/>
+              </a:ext>
+            </a:extLst>
+          </p:cNvPr>
+          <p:cNvSpPr/>
+          <p:nvPr/>
+        </p:nvSpPr>
+        <p:spPr>
+          <a:xfrm>
+            <a:off x="8840167" y="4167702"/>
+            <a:ext cx="594069" cy="460112"/>
+          </a:xfrm>
+          <a:prstGeom prst="snip1Rect">
+            <a:avLst/>
+          </a:prstGeom>
+          <a:solidFill>
+            <a:schemeClr val="accent6">
+              <a:alpha val="50000"/>
+            </a:schemeClr>
+          </a:solidFill>
+          <a:ln>
+            <a:noFill/>
+          </a:ln>
+        </p:spPr>
+        <p:style>
+          <a:lnRef idx="0">
+            <a:scrgbClr r="0" g="0" b="0"/>
+          </a:lnRef>
+          <a:fillRef idx="0">
+            <a:scrgbClr r="0" g="0" b="0"/>
+          </a:fillRef>
+          <a:effectRef idx="0">
+            <a:scrgbClr r="0" g="0" b="0"/>
+          </a:effectRef>
+          <a:fontRef idx="minor">
+            <a:schemeClr val="lt1"/>
+          </a:fontRef>
+        </p:style>
+        <p:txBody>
+          <a:bodyPr rtlCol="0" anchor="ctr"/>
+          <a:lstStyle/>
+          <a:p>
+            <a:pPr algn="ctr"/>
+            <a:endParaRPr lang="en-US" sz="1200" dirty="0"/>
+          </a:p>
+        </p:txBody>
+      </p:sp>
+      <p:sp>
+        <p:nvSpPr>
+          <p:cNvPr id="27" name="Rectangle : avec coin rogné 26">
+            <a:extLst>
+              <a:ext uri="{FF2B5EF4-FFF2-40B4-BE49-F238E27FC236}">
+                <a16:creationId xmlns:a16="http://schemas.microsoft.com/office/drawing/2014/main" id="{34EE0A10-68BE-4162-8396-EBCD0DDEBBD6}"/>
+              </a:ext>
+            </a:extLst>
+          </p:cNvPr>
+          <p:cNvSpPr/>
+          <p:nvPr/>
+        </p:nvSpPr>
+        <p:spPr>
+          <a:xfrm>
+            <a:off x="8831434" y="3570175"/>
+            <a:ext cx="594069" cy="460112"/>
+          </a:xfrm>
+          <a:prstGeom prst="snip1Rect">
+            <a:avLst/>
+          </a:prstGeom>
+          <a:solidFill>
+            <a:schemeClr val="accent6">
+              <a:alpha val="50000"/>
+            </a:schemeClr>
+          </a:solidFill>
+          <a:ln>
+            <a:noFill/>
+          </a:ln>
+        </p:spPr>
+        <p:style>
+          <a:lnRef idx="0">
+            <a:scrgbClr r="0" g="0" b="0"/>
+          </a:lnRef>
+          <a:fillRef idx="0">
+            <a:scrgbClr r="0" g="0" b="0"/>
+          </a:fillRef>
+          <a:effectRef idx="0">
+            <a:scrgbClr r="0" g="0" b="0"/>
+          </a:effectRef>
+          <a:fontRef idx="minor">
+            <a:schemeClr val="lt1"/>
+          </a:fontRef>
+        </p:style>
+        <p:txBody>
+          <a:bodyPr rtlCol="0" anchor="ctr"/>
+          <a:lstStyle/>
+          <a:p>
+            <a:pPr algn="ctr"/>
+            <a:endParaRPr lang="en-US" sz="1200" dirty="0"/>
+          </a:p>
+        </p:txBody>
+      </p:sp>
+      <p:sp>
+        <p:nvSpPr>
+          <p:cNvPr id="2" name="Titre 1">
+            <a:extLst>
+              <a:ext uri="{FF2B5EF4-FFF2-40B4-BE49-F238E27FC236}">
+                <a16:creationId xmlns:a16="http://schemas.microsoft.com/office/drawing/2014/main" id="{56D339F1-7779-487C-9B10-5231FAE6A106}"/>
+              </a:ext>
+            </a:extLst>
+          </p:cNvPr>
+          <p:cNvSpPr>
+            <a:spLocks noGrp="1"/>
+          </p:cNvSpPr>
+          <p:nvPr>
+            <p:ph type="title"/>
+          </p:nvPr>
+        </p:nvSpPr>
+        <p:spPr/>
+        <p:txBody>
+          <a:bodyPr>
+            <a:normAutofit/>
+          </a:bodyPr>
+          <a:lstStyle/>
+          <a:p>
+            <a:r>
+              <a:rPr lang="fr-CH" sz="2800" dirty="0"/>
+              <a:t>Gestion des </a:t>
+            </a:r>
+            <a:r>
+              <a:rPr lang="fr-CH" sz="2800" i="1" dirty="0"/>
+              <a:t>assets</a:t>
+            </a:r>
+            <a:r>
+              <a:rPr lang="fr-CH" sz="2800" dirty="0"/>
+              <a:t> et des </a:t>
+            </a:r>
+            <a:r>
+              <a:rPr lang="fr-CH" sz="2800" i="1" dirty="0" err="1"/>
+              <a:t>add-in</a:t>
+            </a:r>
+            <a:r>
+              <a:rPr lang="fr-CH" sz="2800" dirty="0" err="1"/>
+              <a:t>s</a:t>
+            </a:r>
+            <a:r>
+              <a:rPr lang="fr-CH" sz="2800" dirty="0"/>
+              <a:t>. </a:t>
+            </a:r>
+            <a:endParaRPr lang="en-US" sz="2800" dirty="0"/>
+          </a:p>
+        </p:txBody>
+      </p:sp>
+      <p:sp>
+        <p:nvSpPr>
+          <p:cNvPr id="3" name="Organigramme : Document 2">
+            <a:extLst>
+              <a:ext uri="{FF2B5EF4-FFF2-40B4-BE49-F238E27FC236}">
+                <a16:creationId xmlns:a16="http://schemas.microsoft.com/office/drawing/2014/main" id="{DF5E2E78-3A50-45BB-842B-23FB7F7A7387}"/>
+              </a:ext>
+            </a:extLst>
+          </p:cNvPr>
+          <p:cNvSpPr/>
+          <p:nvPr/>
+        </p:nvSpPr>
+        <p:spPr>
+          <a:xfrm>
+            <a:off x="3896392" y="3468312"/>
+            <a:ext cx="594069" cy="460112"/>
+          </a:xfrm>
+          <a:prstGeom prst="flowChartDocument">
+            <a:avLst/>
+          </a:prstGeom>
+        </p:spPr>
+        <p:style>
+          <a:lnRef idx="1">
+            <a:schemeClr val="accent1"/>
+          </a:lnRef>
+          <a:fillRef idx="2">
+            <a:schemeClr val="accent1"/>
+          </a:fillRef>
+          <a:effectRef idx="1">
+            <a:schemeClr val="accent1"/>
+          </a:effectRef>
+          <a:fontRef idx="minor">
+            <a:schemeClr val="dk1"/>
+          </a:fontRef>
+        </p:style>
+        <p:txBody>
+          <a:bodyPr rtlCol="0" anchor="ctr"/>
+          <a:lstStyle/>
+          <a:p>
+            <a:pPr algn="ctr"/>
+            <a:endParaRPr lang="en-US"/>
+          </a:p>
+        </p:txBody>
+      </p:sp>
+      <p:sp>
+        <p:nvSpPr>
+          <p:cNvPr id="4" name="Organigramme : Document 3">
+            <a:extLst>
+              <a:ext uri="{FF2B5EF4-FFF2-40B4-BE49-F238E27FC236}">
+                <a16:creationId xmlns:a16="http://schemas.microsoft.com/office/drawing/2014/main" id="{92CB2C24-A0B3-4B74-AB11-39588F7E20AF}"/>
+              </a:ext>
+            </a:extLst>
+          </p:cNvPr>
+          <p:cNvSpPr/>
+          <p:nvPr/>
+        </p:nvSpPr>
+        <p:spPr>
+          <a:xfrm>
+            <a:off x="3564411" y="4080702"/>
+            <a:ext cx="594069" cy="460112"/>
+          </a:xfrm>
+          <a:prstGeom prst="flowChartDocument">
+            <a:avLst/>
+          </a:prstGeom>
+        </p:spPr>
+        <p:style>
+          <a:lnRef idx="1">
+            <a:schemeClr val="accent1"/>
+          </a:lnRef>
+          <a:fillRef idx="2">
+            <a:schemeClr val="accent1"/>
+          </a:fillRef>
+          <a:effectRef idx="1">
+            <a:schemeClr val="accent1"/>
+          </a:effectRef>
+          <a:fontRef idx="minor">
+            <a:schemeClr val="dk1"/>
+          </a:fontRef>
+        </p:style>
+        <p:txBody>
+          <a:bodyPr rtlCol="0" anchor="ctr"/>
+          <a:lstStyle/>
+          <a:p>
+            <a:pPr algn="ctr"/>
+            <a:endParaRPr lang="en-US"/>
+          </a:p>
+        </p:txBody>
+      </p:sp>
+      <p:sp>
+        <p:nvSpPr>
+          <p:cNvPr id="5" name="Organigramme : Document 4">
+            <a:extLst>
+              <a:ext uri="{FF2B5EF4-FFF2-40B4-BE49-F238E27FC236}">
+                <a16:creationId xmlns:a16="http://schemas.microsoft.com/office/drawing/2014/main" id="{FA7CDD34-D226-43AB-8B6C-4FF70E26DB13}"/>
+              </a:ext>
+            </a:extLst>
+          </p:cNvPr>
+          <p:cNvSpPr/>
+          <p:nvPr/>
+        </p:nvSpPr>
+        <p:spPr>
+          <a:xfrm>
+            <a:off x="3896392" y="4691880"/>
+            <a:ext cx="594069" cy="460112"/>
+          </a:xfrm>
+          <a:prstGeom prst="flowChartDocument">
+            <a:avLst/>
+          </a:prstGeom>
+        </p:spPr>
+        <p:style>
+          <a:lnRef idx="1">
+            <a:schemeClr val="accent1"/>
+          </a:lnRef>
+          <a:fillRef idx="2">
+            <a:schemeClr val="accent1"/>
+          </a:fillRef>
+          <a:effectRef idx="1">
+            <a:schemeClr val="accent1"/>
+          </a:effectRef>
+          <a:fontRef idx="minor">
+            <a:schemeClr val="dk1"/>
+          </a:fontRef>
+        </p:style>
+        <p:txBody>
+          <a:bodyPr rtlCol="0" anchor="ctr"/>
+          <a:lstStyle/>
+          <a:p>
+            <a:pPr algn="ctr"/>
+            <a:endParaRPr lang="en-US"/>
+          </a:p>
+        </p:txBody>
+      </p:sp>
+      <p:sp>
+        <p:nvSpPr>
+          <p:cNvPr id="6" name="Rectangle : avec coin rogné 5">
+            <a:extLst>
+              <a:ext uri="{FF2B5EF4-FFF2-40B4-BE49-F238E27FC236}">
+                <a16:creationId xmlns:a16="http://schemas.microsoft.com/office/drawing/2014/main" id="{2E975C8D-B103-47D5-8E4A-E5A09D4D5AD2}"/>
+              </a:ext>
+            </a:extLst>
+          </p:cNvPr>
+          <p:cNvSpPr/>
+          <p:nvPr/>
+        </p:nvSpPr>
+        <p:spPr>
+          <a:xfrm>
+            <a:off x="8722714" y="3466978"/>
+            <a:ext cx="594069" cy="460112"/>
+          </a:xfrm>
+          <a:prstGeom prst="snip1Rect">
+            <a:avLst/>
+          </a:prstGeom>
+        </p:spPr>
+        <p:style>
+          <a:lnRef idx="2">
+            <a:schemeClr val="accent2">
+              <a:shade val="50000"/>
+            </a:schemeClr>
+          </a:lnRef>
+          <a:fillRef idx="1">
+            <a:schemeClr val="accent2"/>
+          </a:fillRef>
+          <a:effectRef idx="0">
+            <a:schemeClr val="accent2"/>
+          </a:effectRef>
+          <a:fontRef idx="minor">
+            <a:schemeClr val="lt1"/>
+          </a:fontRef>
+        </p:style>
+        <p:txBody>
+          <a:bodyPr rtlCol="0" anchor="ctr"/>
+          <a:lstStyle/>
+          <a:p>
+            <a:pPr algn="ctr"/>
+            <a:r>
+              <a:rPr lang="fr-CH" sz="1200" dirty="0"/>
+              <a:t>C#</a:t>
+            </a:r>
+            <a:endParaRPr lang="en-US" sz="1200" dirty="0"/>
+          </a:p>
+        </p:txBody>
+      </p:sp>
+      <p:sp>
+        <p:nvSpPr>
+          <p:cNvPr id="7" name="Rectangle : avec coin rogné 6">
+            <a:extLst>
+              <a:ext uri="{FF2B5EF4-FFF2-40B4-BE49-F238E27FC236}">
+                <a16:creationId xmlns:a16="http://schemas.microsoft.com/office/drawing/2014/main" id="{FD8CE160-07F7-4890-9928-0652651BC7A6}"/>
+              </a:ext>
+            </a:extLst>
+          </p:cNvPr>
+          <p:cNvSpPr/>
+          <p:nvPr/>
+        </p:nvSpPr>
+        <p:spPr>
+          <a:xfrm>
+            <a:off x="8722714" y="4076092"/>
+            <a:ext cx="594069" cy="460112"/>
+          </a:xfrm>
+          <a:prstGeom prst="snip1Rect">
+            <a:avLst/>
+          </a:prstGeom>
+        </p:spPr>
+        <p:style>
+          <a:lnRef idx="2">
+            <a:schemeClr val="accent2">
+              <a:shade val="50000"/>
+            </a:schemeClr>
+          </a:lnRef>
+          <a:fillRef idx="1">
+            <a:schemeClr val="accent2"/>
+          </a:fillRef>
+          <a:effectRef idx="0">
+            <a:schemeClr val="accent2"/>
+          </a:effectRef>
+          <a:fontRef idx="minor">
+            <a:schemeClr val="lt1"/>
+          </a:fontRef>
+        </p:style>
+        <p:txBody>
+          <a:bodyPr rtlCol="0" anchor="ctr"/>
+          <a:lstStyle/>
+          <a:p>
+            <a:pPr algn="ctr"/>
+            <a:r>
+              <a:rPr lang="fr-CH" sz="1200" dirty="0"/>
+              <a:t>C#</a:t>
+            </a:r>
+            <a:endParaRPr lang="en-US" sz="1200" dirty="0"/>
+          </a:p>
+        </p:txBody>
+      </p:sp>
+      <p:sp>
+        <p:nvSpPr>
+          <p:cNvPr id="8" name="Rectangle : avec coin rogné 7">
+            <a:extLst>
+              <a:ext uri="{FF2B5EF4-FFF2-40B4-BE49-F238E27FC236}">
+                <a16:creationId xmlns:a16="http://schemas.microsoft.com/office/drawing/2014/main" id="{D14A2070-94A2-495B-A6C5-80DA84B0674B}"/>
+              </a:ext>
+            </a:extLst>
+          </p:cNvPr>
+          <p:cNvSpPr/>
+          <p:nvPr/>
+        </p:nvSpPr>
+        <p:spPr>
+          <a:xfrm>
+            <a:off x="8722713" y="4685206"/>
+            <a:ext cx="594069" cy="460112"/>
+          </a:xfrm>
+          <a:prstGeom prst="snip1Rect">
+            <a:avLst/>
+          </a:prstGeom>
+        </p:spPr>
+        <p:style>
+          <a:lnRef idx="2">
+            <a:schemeClr val="accent2">
+              <a:shade val="50000"/>
+            </a:schemeClr>
+          </a:lnRef>
+          <a:fillRef idx="1">
+            <a:schemeClr val="accent2"/>
+          </a:fillRef>
+          <a:effectRef idx="0">
+            <a:schemeClr val="accent2"/>
+          </a:effectRef>
+          <a:fontRef idx="minor">
+            <a:schemeClr val="lt1"/>
+          </a:fontRef>
+        </p:style>
+        <p:txBody>
+          <a:bodyPr rtlCol="0" anchor="ctr"/>
+          <a:lstStyle/>
+          <a:p>
+            <a:pPr algn="ctr"/>
+            <a:r>
+              <a:rPr lang="fr-CH" sz="1200" dirty="0"/>
+              <a:t>C#</a:t>
+            </a:r>
+            <a:endParaRPr lang="en-US" sz="1200" dirty="0"/>
+          </a:p>
+        </p:txBody>
+      </p:sp>
+      <p:sp>
+        <p:nvSpPr>
+          <p:cNvPr id="10" name="Rectangle : avec coin rogné 9">
+            <a:extLst>
+              <a:ext uri="{FF2B5EF4-FFF2-40B4-BE49-F238E27FC236}">
+                <a16:creationId xmlns:a16="http://schemas.microsoft.com/office/drawing/2014/main" id="{168906DD-5383-4302-99EF-B87CBA7C17BD}"/>
+              </a:ext>
+            </a:extLst>
+          </p:cNvPr>
+          <p:cNvSpPr/>
+          <p:nvPr/>
+        </p:nvSpPr>
+        <p:spPr>
+          <a:xfrm>
+            <a:off x="6187241" y="2887832"/>
+            <a:ext cx="594069" cy="460112"/>
+          </a:xfrm>
+          <a:prstGeom prst="snip1Rect">
+            <a:avLst/>
+          </a:prstGeom>
+        </p:spPr>
+        <p:style>
+          <a:lnRef idx="2">
+            <a:schemeClr val="accent6">
+              <a:shade val="50000"/>
+            </a:schemeClr>
+          </a:lnRef>
+          <a:fillRef idx="1">
+            <a:schemeClr val="accent6"/>
+          </a:fillRef>
+          <a:effectRef idx="0">
+            <a:schemeClr val="accent6"/>
+          </a:effectRef>
+          <a:fontRef idx="minor">
+            <a:schemeClr val="lt1"/>
+          </a:fontRef>
+        </p:style>
+        <p:txBody>
+          <a:bodyPr rtlCol="0" anchor="ctr"/>
+          <a:lstStyle/>
+          <a:p>
+            <a:pPr algn="ctr"/>
+            <a:r>
+              <a:rPr lang="fr-CH" sz="1200" dirty="0"/>
+              <a:t>C++</a:t>
+            </a:r>
+            <a:endParaRPr lang="en-US" sz="1200" dirty="0"/>
+          </a:p>
+        </p:txBody>
+      </p:sp>
+      <p:sp>
+        <p:nvSpPr>
+          <p:cNvPr id="11" name="Rectangle 10">
+            <a:extLst>
+              <a:ext uri="{FF2B5EF4-FFF2-40B4-BE49-F238E27FC236}">
+                <a16:creationId xmlns:a16="http://schemas.microsoft.com/office/drawing/2014/main" id="{FFD46D7C-58B0-4CB0-A661-2C47CB9F02FF}"/>
+              </a:ext>
+            </a:extLst>
+          </p:cNvPr>
+          <p:cNvSpPr/>
+          <p:nvPr/>
+        </p:nvSpPr>
+        <p:spPr>
+          <a:xfrm>
+            <a:off x="4770023" y="3473652"/>
+            <a:ext cx="358187" cy="1678340"/>
+          </a:xfrm>
+          <a:prstGeom prst="rect">
+            <a:avLst/>
+          </a:prstGeom>
+          <a:gradFill flip="none" rotWithShape="1">
+            <a:gsLst>
+              <a:gs pos="0">
+                <a:schemeClr val="accent5">
+                  <a:lumMod val="67000"/>
+                </a:schemeClr>
+              </a:gs>
+              <a:gs pos="48000">
+                <a:schemeClr val="accent5">
+                  <a:lumMod val="97000"/>
+                  <a:lumOff val="3000"/>
+                </a:schemeClr>
+              </a:gs>
+              <a:gs pos="100000">
+                <a:schemeClr val="accent5">
+                  <a:lumMod val="60000"/>
+                  <a:lumOff val="40000"/>
+                </a:schemeClr>
+              </a:gs>
+            </a:gsLst>
+            <a:lin ang="16200000" scaled="1"/>
+            <a:tileRect/>
+          </a:gradFill>
+          <a:ln>
+            <a:noFill/>
+          </a:ln>
+        </p:spPr>
+        <p:style>
+          <a:lnRef idx="0">
+            <a:scrgbClr r="0" g="0" b="0"/>
+          </a:lnRef>
+          <a:fillRef idx="0">
+            <a:scrgbClr r="0" g="0" b="0"/>
+          </a:fillRef>
+          <a:effectRef idx="0">
+            <a:scrgbClr r="0" g="0" b="0"/>
+          </a:effectRef>
+          <a:fontRef idx="minor">
+            <a:schemeClr val="lt1"/>
+          </a:fontRef>
+        </p:style>
+        <p:txBody>
+          <a:bodyPr rtlCol="0" anchor="ctr"/>
+          <a:lstStyle/>
+          <a:p>
+            <a:pPr algn="ctr"/>
+            <a:endParaRPr lang="en-US"/>
+          </a:p>
+        </p:txBody>
+      </p:sp>
+      <p:sp>
+        <p:nvSpPr>
+          <p:cNvPr id="12" name="Rectangle 11">
+            <a:extLst>
+              <a:ext uri="{FF2B5EF4-FFF2-40B4-BE49-F238E27FC236}">
+                <a16:creationId xmlns:a16="http://schemas.microsoft.com/office/drawing/2014/main" id="{E96B24B4-07DA-416A-B454-AB34AF2267E0}"/>
+              </a:ext>
+            </a:extLst>
+          </p:cNvPr>
+          <p:cNvSpPr/>
+          <p:nvPr/>
+        </p:nvSpPr>
+        <p:spPr>
+          <a:xfrm>
+            <a:off x="8003424" y="3462851"/>
+            <a:ext cx="358187" cy="1682467"/>
+          </a:xfrm>
+          <a:prstGeom prst="rect">
+            <a:avLst/>
+          </a:prstGeom>
+          <a:gradFill flip="none" rotWithShape="1">
+            <a:gsLst>
+              <a:gs pos="0">
+                <a:schemeClr val="accent5">
+                  <a:lumMod val="67000"/>
+                </a:schemeClr>
+              </a:gs>
+              <a:gs pos="48000">
+                <a:schemeClr val="accent5">
+                  <a:lumMod val="97000"/>
+                  <a:lumOff val="3000"/>
+                </a:schemeClr>
+              </a:gs>
+              <a:gs pos="100000">
+                <a:schemeClr val="accent5">
+                  <a:lumMod val="60000"/>
+                  <a:lumOff val="40000"/>
+                </a:schemeClr>
+              </a:gs>
+            </a:gsLst>
+            <a:lin ang="16200000" scaled="1"/>
+            <a:tileRect/>
+          </a:gradFill>
+          <a:ln>
+            <a:noFill/>
+          </a:ln>
+        </p:spPr>
+        <p:style>
+          <a:lnRef idx="0">
+            <a:scrgbClr r="0" g="0" b="0"/>
+          </a:lnRef>
+          <a:fillRef idx="0">
+            <a:scrgbClr r="0" g="0" b="0"/>
+          </a:fillRef>
+          <a:effectRef idx="0">
+            <a:scrgbClr r="0" g="0" b="0"/>
+          </a:effectRef>
+          <a:fontRef idx="minor">
+            <a:schemeClr val="lt1"/>
+          </a:fontRef>
+        </p:style>
+        <p:txBody>
+          <a:bodyPr rtlCol="0" anchor="ctr"/>
+          <a:lstStyle/>
+          <a:p>
+            <a:pPr algn="ctr"/>
+            <a:endParaRPr lang="en-US"/>
+          </a:p>
+        </p:txBody>
+      </p:sp>
+      <p:sp>
+        <p:nvSpPr>
+          <p:cNvPr id="13" name="Rectangle : avec coin rogné 12">
+            <a:extLst>
+              <a:ext uri="{FF2B5EF4-FFF2-40B4-BE49-F238E27FC236}">
+                <a16:creationId xmlns:a16="http://schemas.microsoft.com/office/drawing/2014/main" id="{13BA54AD-5924-4174-B88E-D18BE176452F}"/>
+              </a:ext>
+            </a:extLst>
+          </p:cNvPr>
+          <p:cNvSpPr/>
+          <p:nvPr/>
+        </p:nvSpPr>
+        <p:spPr>
+          <a:xfrm>
+            <a:off x="5407773" y="3500344"/>
+            <a:ext cx="2291824" cy="1651648"/>
+          </a:xfrm>
+          <a:prstGeom prst="snip1Rect">
+            <a:avLst/>
+          </a:prstGeom>
+        </p:spPr>
+        <p:style>
+          <a:lnRef idx="1">
+            <a:schemeClr val="accent6"/>
+          </a:lnRef>
+          <a:fillRef idx="2">
+            <a:schemeClr val="accent6"/>
+          </a:fillRef>
+          <a:effectRef idx="1">
+            <a:schemeClr val="accent6"/>
+          </a:effectRef>
+          <a:fontRef idx="minor">
+            <a:schemeClr val="dk1"/>
+          </a:fontRef>
+        </p:style>
+        <p:txBody>
+          <a:bodyPr rtlCol="0" anchor="ctr"/>
+          <a:lstStyle/>
+          <a:p>
+            <a:pPr algn="ctr"/>
+            <a:endParaRPr lang="en-US"/>
+          </a:p>
+        </p:txBody>
+      </p:sp>
+      <p:sp>
+        <p:nvSpPr>
+          <p:cNvPr id="14" name="Organigramme : Document 13">
+            <a:extLst>
+              <a:ext uri="{FF2B5EF4-FFF2-40B4-BE49-F238E27FC236}">
+                <a16:creationId xmlns:a16="http://schemas.microsoft.com/office/drawing/2014/main" id="{196A3C5D-43BA-4234-AC7B-9A1EB9087B3D}"/>
+              </a:ext>
+            </a:extLst>
+          </p:cNvPr>
+          <p:cNvSpPr/>
+          <p:nvPr/>
+        </p:nvSpPr>
+        <p:spPr>
+          <a:xfrm>
+            <a:off x="5559200" y="3702132"/>
+            <a:ext cx="594069" cy="460112"/>
+          </a:xfrm>
+          <a:prstGeom prst="flowChartDocument">
+            <a:avLst/>
+          </a:prstGeom>
+          <a:solidFill>
+            <a:schemeClr val="accent1">
+              <a:alpha val="50000"/>
+            </a:schemeClr>
+          </a:solidFill>
+          <a:ln>
+            <a:noFill/>
+          </a:ln>
+        </p:spPr>
+        <p:style>
+          <a:lnRef idx="0">
+            <a:scrgbClr r="0" g="0" b="0"/>
+          </a:lnRef>
+          <a:fillRef idx="0">
+            <a:scrgbClr r="0" g="0" b="0"/>
+          </a:fillRef>
+          <a:effectRef idx="0">
+            <a:scrgbClr r="0" g="0" b="0"/>
+          </a:effectRef>
+          <a:fontRef idx="minor">
+            <a:schemeClr val="lt1"/>
+          </a:fontRef>
+        </p:style>
+        <p:txBody>
+          <a:bodyPr rtlCol="0" anchor="ctr"/>
+          <a:lstStyle/>
+          <a:p>
+            <a:pPr algn="ctr"/>
+            <a:endParaRPr lang="en-US"/>
+          </a:p>
+        </p:txBody>
+      </p:sp>
+      <p:sp>
+        <p:nvSpPr>
+          <p:cNvPr id="15" name="Organigramme : Document 14">
+            <a:extLst>
+              <a:ext uri="{FF2B5EF4-FFF2-40B4-BE49-F238E27FC236}">
+                <a16:creationId xmlns:a16="http://schemas.microsoft.com/office/drawing/2014/main" id="{D0589CD7-7044-4AB5-9D86-4DB235316CFA}"/>
+              </a:ext>
+            </a:extLst>
+          </p:cNvPr>
+          <p:cNvSpPr/>
+          <p:nvPr/>
+        </p:nvSpPr>
+        <p:spPr>
+          <a:xfrm>
+            <a:off x="5711600" y="3854532"/>
+            <a:ext cx="594069" cy="460112"/>
+          </a:xfrm>
+          <a:prstGeom prst="flowChartDocument">
+            <a:avLst/>
+          </a:prstGeom>
+          <a:solidFill>
+            <a:schemeClr val="accent1">
+              <a:alpha val="50000"/>
+            </a:schemeClr>
+          </a:solidFill>
+          <a:ln>
+            <a:noFill/>
+          </a:ln>
+        </p:spPr>
+        <p:style>
+          <a:lnRef idx="0">
+            <a:scrgbClr r="0" g="0" b="0"/>
+          </a:lnRef>
+          <a:fillRef idx="0">
+            <a:scrgbClr r="0" g="0" b="0"/>
+          </a:fillRef>
+          <a:effectRef idx="0">
+            <a:scrgbClr r="0" g="0" b="0"/>
+          </a:effectRef>
+          <a:fontRef idx="minor">
+            <a:schemeClr val="lt1"/>
+          </a:fontRef>
+        </p:style>
+        <p:txBody>
+          <a:bodyPr rtlCol="0" anchor="ctr"/>
+          <a:lstStyle/>
+          <a:p>
+            <a:pPr algn="ctr"/>
+            <a:endParaRPr lang="en-US"/>
+          </a:p>
+        </p:txBody>
+      </p:sp>
+      <p:sp>
+        <p:nvSpPr>
+          <p:cNvPr id="16" name="Organigramme : Document 15">
+            <a:extLst>
+              <a:ext uri="{FF2B5EF4-FFF2-40B4-BE49-F238E27FC236}">
+                <a16:creationId xmlns:a16="http://schemas.microsoft.com/office/drawing/2014/main" id="{D5E294E9-54EF-47E6-82FB-441552C33F91}"/>
+              </a:ext>
+            </a:extLst>
+          </p:cNvPr>
+          <p:cNvSpPr/>
+          <p:nvPr/>
+        </p:nvSpPr>
+        <p:spPr>
+          <a:xfrm>
+            <a:off x="5864000" y="4006932"/>
+            <a:ext cx="594069" cy="460112"/>
+          </a:xfrm>
+          <a:prstGeom prst="flowChartDocument">
+            <a:avLst/>
+          </a:prstGeom>
+          <a:solidFill>
+            <a:schemeClr val="accent1">
+              <a:alpha val="50000"/>
+            </a:schemeClr>
+          </a:solidFill>
+          <a:ln>
+            <a:noFill/>
+          </a:ln>
+        </p:spPr>
+        <p:style>
+          <a:lnRef idx="0">
+            <a:scrgbClr r="0" g="0" b="0"/>
+          </a:lnRef>
+          <a:fillRef idx="0">
+            <a:scrgbClr r="0" g="0" b="0"/>
+          </a:fillRef>
+          <a:effectRef idx="0">
+            <a:scrgbClr r="0" g="0" b="0"/>
+          </a:effectRef>
+          <a:fontRef idx="minor">
+            <a:schemeClr val="lt1"/>
+          </a:fontRef>
+        </p:style>
+        <p:txBody>
+          <a:bodyPr rtlCol="0" anchor="ctr"/>
+          <a:lstStyle/>
+          <a:p>
+            <a:pPr algn="ctr"/>
+            <a:endParaRPr lang="en-US"/>
+          </a:p>
+        </p:txBody>
+      </p:sp>
+      <p:sp>
+        <p:nvSpPr>
+          <p:cNvPr id="17" name="Rectangle : avec coin rogné 16">
+            <a:extLst>
+              <a:ext uri="{FF2B5EF4-FFF2-40B4-BE49-F238E27FC236}">
+                <a16:creationId xmlns:a16="http://schemas.microsoft.com/office/drawing/2014/main" id="{FE8A9F76-CFDC-42F4-BBB1-A9DD0ECA6665}"/>
+              </a:ext>
+            </a:extLst>
+          </p:cNvPr>
+          <p:cNvSpPr/>
+          <p:nvPr/>
+        </p:nvSpPr>
+        <p:spPr>
+          <a:xfrm>
+            <a:off x="6610469" y="3705407"/>
+            <a:ext cx="594069" cy="460112"/>
+          </a:xfrm>
+          <a:prstGeom prst="snip1Rect">
+            <a:avLst/>
+          </a:prstGeom>
+          <a:solidFill>
+            <a:schemeClr val="accent2">
+              <a:alpha val="50000"/>
+            </a:schemeClr>
+          </a:solidFill>
+          <a:ln>
+            <a:noFill/>
+          </a:ln>
+        </p:spPr>
+        <p:style>
+          <a:lnRef idx="0">
+            <a:scrgbClr r="0" g="0" b="0"/>
+          </a:lnRef>
+          <a:fillRef idx="0">
+            <a:scrgbClr r="0" g="0" b="0"/>
+          </a:fillRef>
+          <a:effectRef idx="0">
+            <a:scrgbClr r="0" g="0" b="0"/>
+          </a:effectRef>
+          <a:fontRef idx="minor">
+            <a:schemeClr val="lt1"/>
+          </a:fontRef>
+        </p:style>
+        <p:txBody>
+          <a:bodyPr rtlCol="0" anchor="ctr"/>
+          <a:lstStyle/>
+          <a:p>
+            <a:pPr algn="ctr"/>
+            <a:endParaRPr lang="en-US"/>
+          </a:p>
+        </p:txBody>
+      </p:sp>
+      <p:sp>
+        <p:nvSpPr>
+          <p:cNvPr id="18" name="Rectangle : avec coin rogné 17">
+            <a:extLst>
+              <a:ext uri="{FF2B5EF4-FFF2-40B4-BE49-F238E27FC236}">
+                <a16:creationId xmlns:a16="http://schemas.microsoft.com/office/drawing/2014/main" id="{701F9299-2DE6-411A-ABA8-9BCDBC284C76}"/>
+              </a:ext>
+            </a:extLst>
+          </p:cNvPr>
+          <p:cNvSpPr/>
+          <p:nvPr/>
+        </p:nvSpPr>
+        <p:spPr>
+          <a:xfrm>
+            <a:off x="6762869" y="3857807"/>
+            <a:ext cx="594069" cy="460112"/>
+          </a:xfrm>
+          <a:prstGeom prst="snip1Rect">
+            <a:avLst/>
+          </a:prstGeom>
+          <a:solidFill>
+            <a:schemeClr val="accent2">
+              <a:alpha val="50000"/>
+            </a:schemeClr>
+          </a:solidFill>
+          <a:ln>
+            <a:noFill/>
+          </a:ln>
+        </p:spPr>
+        <p:style>
+          <a:lnRef idx="0">
+            <a:scrgbClr r="0" g="0" b="0"/>
+          </a:lnRef>
+          <a:fillRef idx="0">
+            <a:scrgbClr r="0" g="0" b="0"/>
+          </a:fillRef>
+          <a:effectRef idx="0">
+            <a:scrgbClr r="0" g="0" b="0"/>
+          </a:effectRef>
+          <a:fontRef idx="minor">
+            <a:schemeClr val="lt1"/>
+          </a:fontRef>
+        </p:style>
+        <p:txBody>
+          <a:bodyPr rtlCol="0" anchor="ctr"/>
+          <a:lstStyle/>
+          <a:p>
+            <a:pPr algn="ctr"/>
+            <a:endParaRPr lang="en-US"/>
+          </a:p>
+        </p:txBody>
+      </p:sp>
+      <p:sp>
+        <p:nvSpPr>
+          <p:cNvPr id="19" name="Rectangle : avec coin rogné 18">
+            <a:extLst>
+              <a:ext uri="{FF2B5EF4-FFF2-40B4-BE49-F238E27FC236}">
+                <a16:creationId xmlns:a16="http://schemas.microsoft.com/office/drawing/2014/main" id="{4494EF8F-C58B-4337-9727-98D8863C5A87}"/>
+              </a:ext>
+            </a:extLst>
+          </p:cNvPr>
+          <p:cNvSpPr/>
+          <p:nvPr/>
+        </p:nvSpPr>
+        <p:spPr>
+          <a:xfrm>
+            <a:off x="6915269" y="4010207"/>
+            <a:ext cx="594069" cy="460112"/>
+          </a:xfrm>
+          <a:prstGeom prst="snip1Rect">
+            <a:avLst/>
+          </a:prstGeom>
+          <a:solidFill>
+            <a:schemeClr val="accent2">
+              <a:alpha val="50000"/>
+            </a:schemeClr>
+          </a:solidFill>
+          <a:ln>
+            <a:noFill/>
+          </a:ln>
+        </p:spPr>
+        <p:style>
+          <a:lnRef idx="0">
+            <a:scrgbClr r="0" g="0" b="0"/>
+          </a:lnRef>
+          <a:fillRef idx="0">
+            <a:scrgbClr r="0" g="0" b="0"/>
+          </a:fillRef>
+          <a:effectRef idx="0">
+            <a:scrgbClr r="0" g="0" b="0"/>
+          </a:effectRef>
+          <a:fontRef idx="minor">
+            <a:schemeClr val="lt1"/>
+          </a:fontRef>
+        </p:style>
+        <p:txBody>
+          <a:bodyPr rtlCol="0" anchor="ctr"/>
+          <a:lstStyle/>
+          <a:p>
+            <a:pPr algn="ctr"/>
+            <a:endParaRPr lang="en-US"/>
+          </a:p>
+        </p:txBody>
+      </p:sp>
+      <p:sp>
+        <p:nvSpPr>
+          <p:cNvPr id="20" name="Rectangle 19">
+            <a:extLst>
+              <a:ext uri="{FF2B5EF4-FFF2-40B4-BE49-F238E27FC236}">
+                <a16:creationId xmlns:a16="http://schemas.microsoft.com/office/drawing/2014/main" id="{AFB2DA0B-397E-497F-B6B0-7918BCB81411}"/>
+              </a:ext>
+            </a:extLst>
+          </p:cNvPr>
+          <p:cNvSpPr/>
+          <p:nvPr/>
+        </p:nvSpPr>
+        <p:spPr>
+          <a:xfrm>
+            <a:off x="3564411" y="5385930"/>
+            <a:ext cx="7307433" cy="361101"/>
+          </a:xfrm>
+          <a:prstGeom prst="rect">
+            <a:avLst/>
+          </a:prstGeom>
+          <a:gradFill flip="none" rotWithShape="1">
+            <a:gsLst>
+              <a:gs pos="0">
+                <a:schemeClr val="accent5">
+                  <a:lumMod val="67000"/>
+                </a:schemeClr>
+              </a:gs>
+              <a:gs pos="48000">
+                <a:schemeClr val="accent5">
+                  <a:lumMod val="97000"/>
+                  <a:lumOff val="3000"/>
+                </a:schemeClr>
+              </a:gs>
+              <a:gs pos="100000">
+                <a:schemeClr val="accent5">
+                  <a:lumMod val="60000"/>
+                  <a:lumOff val="40000"/>
+                </a:schemeClr>
+              </a:gs>
+            </a:gsLst>
+            <a:lin ang="16200000" scaled="1"/>
+            <a:tileRect/>
+          </a:gradFill>
+          <a:ln>
+            <a:noFill/>
+          </a:ln>
+        </p:spPr>
+        <p:style>
+          <a:lnRef idx="0">
+            <a:scrgbClr r="0" g="0" b="0"/>
+          </a:lnRef>
+          <a:fillRef idx="0">
+            <a:scrgbClr r="0" g="0" b="0"/>
+          </a:fillRef>
+          <a:effectRef idx="0">
+            <a:scrgbClr r="0" g="0" b="0"/>
+          </a:effectRef>
+          <a:fontRef idx="minor">
+            <a:schemeClr val="lt1"/>
+          </a:fontRef>
+        </p:style>
+        <p:txBody>
+          <a:bodyPr rtlCol="0" anchor="ctr"/>
+          <a:lstStyle/>
+          <a:p>
+            <a:pPr algn="ctr"/>
+            <a:r>
+              <a:rPr lang="fr-CH" dirty="0"/>
+              <a:t>zou</a:t>
+            </a:r>
+            <a:endParaRPr lang="en-US" dirty="0"/>
+          </a:p>
+        </p:txBody>
+      </p:sp>
+      <p:sp>
+        <p:nvSpPr>
+          <p:cNvPr id="21" name="Rectangle : avec coin rogné 20">
+            <a:extLst>
+              <a:ext uri="{FF2B5EF4-FFF2-40B4-BE49-F238E27FC236}">
+                <a16:creationId xmlns:a16="http://schemas.microsoft.com/office/drawing/2014/main" id="{59FB1CAF-D091-4B83-B89C-658192A39DC0}"/>
+              </a:ext>
+            </a:extLst>
+          </p:cNvPr>
+          <p:cNvSpPr/>
+          <p:nvPr/>
+        </p:nvSpPr>
+        <p:spPr>
+          <a:xfrm>
+            <a:off x="10277776" y="3463943"/>
+            <a:ext cx="594069" cy="460112"/>
+          </a:xfrm>
+          <a:prstGeom prst="snip1Rect">
+            <a:avLst/>
+          </a:prstGeom>
+        </p:spPr>
+        <p:style>
+          <a:lnRef idx="2">
+            <a:schemeClr val="accent6">
+              <a:shade val="50000"/>
+            </a:schemeClr>
+          </a:lnRef>
+          <a:fillRef idx="1">
+            <a:schemeClr val="accent6"/>
+          </a:fillRef>
+          <a:effectRef idx="0">
+            <a:schemeClr val="accent6"/>
+          </a:effectRef>
+          <a:fontRef idx="minor">
+            <a:schemeClr val="lt1"/>
+          </a:fontRef>
+        </p:style>
+        <p:txBody>
+          <a:bodyPr rtlCol="0" anchor="ctr"/>
+          <a:lstStyle/>
+          <a:p>
+            <a:pPr algn="ctr"/>
+            <a:r>
+              <a:rPr lang="fr-CH" sz="1200" dirty="0"/>
+              <a:t>C++</a:t>
+            </a:r>
+            <a:endParaRPr lang="en-US" sz="1200" dirty="0"/>
+          </a:p>
+        </p:txBody>
+      </p:sp>
+      <p:sp>
+        <p:nvSpPr>
+          <p:cNvPr id="22" name="Rectangle 21">
+            <a:extLst>
+              <a:ext uri="{FF2B5EF4-FFF2-40B4-BE49-F238E27FC236}">
+                <a16:creationId xmlns:a16="http://schemas.microsoft.com/office/drawing/2014/main" id="{964C93A8-EE5C-4690-B10E-6A9E4DBA2259}"/>
+              </a:ext>
+            </a:extLst>
+          </p:cNvPr>
+          <p:cNvSpPr/>
+          <p:nvPr/>
+        </p:nvSpPr>
+        <p:spPr>
+          <a:xfrm>
+            <a:off x="9663321" y="3469525"/>
+            <a:ext cx="358187" cy="1682467"/>
+          </a:xfrm>
+          <a:prstGeom prst="rect">
+            <a:avLst/>
+          </a:prstGeom>
+          <a:gradFill flip="none" rotWithShape="1">
+            <a:gsLst>
+              <a:gs pos="0">
+                <a:schemeClr val="accent5">
+                  <a:lumMod val="67000"/>
+                </a:schemeClr>
+              </a:gs>
+              <a:gs pos="48000">
+                <a:schemeClr val="accent5">
+                  <a:lumMod val="97000"/>
+                  <a:lumOff val="3000"/>
+                </a:schemeClr>
+              </a:gs>
+              <a:gs pos="100000">
+                <a:schemeClr val="accent5">
+                  <a:lumMod val="60000"/>
+                  <a:lumOff val="40000"/>
+                </a:schemeClr>
+              </a:gs>
+            </a:gsLst>
+            <a:lin ang="16200000" scaled="1"/>
+            <a:tileRect/>
+          </a:gradFill>
+          <a:ln>
+            <a:noFill/>
+          </a:ln>
+        </p:spPr>
+        <p:style>
+          <a:lnRef idx="0">
+            <a:scrgbClr r="0" g="0" b="0"/>
+          </a:lnRef>
+          <a:fillRef idx="0">
+            <a:scrgbClr r="0" g="0" b="0"/>
+          </a:fillRef>
+          <a:effectRef idx="0">
+            <a:scrgbClr r="0" g="0" b="0"/>
+          </a:effectRef>
+          <a:fontRef idx="minor">
+            <a:schemeClr val="lt1"/>
+          </a:fontRef>
+        </p:style>
+        <p:txBody>
+          <a:bodyPr rtlCol="0" anchor="ctr"/>
+          <a:lstStyle/>
+          <a:p>
+            <a:pPr algn="ctr"/>
+            <a:endParaRPr lang="en-US"/>
+          </a:p>
+        </p:txBody>
+      </p:sp>
+      <p:sp>
+        <p:nvSpPr>
+          <p:cNvPr id="23" name="Rectangle : avec coin rogné 22">
+            <a:extLst>
+              <a:ext uri="{FF2B5EF4-FFF2-40B4-BE49-F238E27FC236}">
+                <a16:creationId xmlns:a16="http://schemas.microsoft.com/office/drawing/2014/main" id="{7BDAE7AF-551A-4857-8DB2-E9E7E9EB9578}"/>
+              </a:ext>
+            </a:extLst>
+          </p:cNvPr>
+          <p:cNvSpPr/>
+          <p:nvPr/>
+        </p:nvSpPr>
+        <p:spPr>
+          <a:xfrm>
+            <a:off x="6610468" y="4543607"/>
+            <a:ext cx="594069" cy="460112"/>
+          </a:xfrm>
+          <a:prstGeom prst="snip1Rect">
+            <a:avLst/>
+          </a:prstGeom>
+          <a:solidFill>
+            <a:schemeClr val="accent6">
+              <a:alpha val="50000"/>
+            </a:schemeClr>
+          </a:solidFill>
+          <a:ln>
+            <a:noFill/>
+          </a:ln>
+        </p:spPr>
+        <p:style>
+          <a:lnRef idx="0">
+            <a:scrgbClr r="0" g="0" b="0"/>
+          </a:lnRef>
+          <a:fillRef idx="0">
+            <a:scrgbClr r="0" g="0" b="0"/>
+          </a:fillRef>
+          <a:effectRef idx="0">
+            <a:scrgbClr r="0" g="0" b="0"/>
+          </a:effectRef>
+          <a:fontRef idx="minor">
+            <a:schemeClr val="lt1"/>
+          </a:fontRef>
+        </p:style>
+        <p:txBody>
+          <a:bodyPr rtlCol="0" anchor="ctr"/>
+          <a:lstStyle/>
+          <a:p>
+            <a:pPr algn="ctr"/>
+            <a:endParaRPr lang="en-US" sz="1200" dirty="0"/>
+          </a:p>
+        </p:txBody>
+      </p:sp>
+      <p:sp>
+        <p:nvSpPr>
+          <p:cNvPr id="24" name="ZoneTexte 23">
+            <a:extLst>
+              <a:ext uri="{FF2B5EF4-FFF2-40B4-BE49-F238E27FC236}">
+                <a16:creationId xmlns:a16="http://schemas.microsoft.com/office/drawing/2014/main" id="{F0FD94DB-D6C7-4AF7-B9FB-06401F2F7365}"/>
+              </a:ext>
+            </a:extLst>
+          </p:cNvPr>
+          <p:cNvSpPr txBox="1"/>
+          <p:nvPr/>
+        </p:nvSpPr>
+        <p:spPr>
+          <a:xfrm>
+            <a:off x="3564411" y="2333340"/>
+            <a:ext cx="840295" cy="369332"/>
+          </a:xfrm>
+          <a:prstGeom prst="rect">
+            <a:avLst/>
+          </a:prstGeom>
+          <a:noFill/>
+        </p:spPr>
+        <p:txBody>
+          <a:bodyPr wrap="none" rtlCol="0">
+            <a:spAutoFit/>
+          </a:bodyPr>
+          <a:lstStyle/>
+          <a:p>
+            <a:r>
+              <a:rPr lang="fr-CH" i="1" dirty="0"/>
+              <a:t>assets</a:t>
+            </a:r>
+            <a:endParaRPr lang="en-US" i="1" dirty="0"/>
+          </a:p>
+        </p:txBody>
+      </p:sp>
+      <p:sp>
+        <p:nvSpPr>
+          <p:cNvPr id="25" name="ZoneTexte 24">
+            <a:extLst>
+              <a:ext uri="{FF2B5EF4-FFF2-40B4-BE49-F238E27FC236}">
+                <a16:creationId xmlns:a16="http://schemas.microsoft.com/office/drawing/2014/main" id="{F35FC681-601F-4D2C-82CF-AAA91532C2C6}"/>
+              </a:ext>
+            </a:extLst>
+          </p:cNvPr>
+          <p:cNvSpPr txBox="1"/>
+          <p:nvPr/>
+        </p:nvSpPr>
+        <p:spPr>
+          <a:xfrm>
+            <a:off x="6149381" y="2293664"/>
+            <a:ext cx="587020" cy="369332"/>
+          </a:xfrm>
+          <a:prstGeom prst="rect">
+            <a:avLst/>
+          </a:prstGeom>
+          <a:noFill/>
+        </p:spPr>
+        <p:txBody>
+          <a:bodyPr wrap="none" rtlCol="0">
+            <a:spAutoFit/>
+          </a:bodyPr>
+          <a:lstStyle/>
+          <a:p>
+            <a:r>
+              <a:rPr lang="fr-CH" i="1" dirty="0"/>
+              <a:t>SKU</a:t>
+            </a:r>
+            <a:endParaRPr lang="en-US" i="1" dirty="0"/>
+          </a:p>
+        </p:txBody>
+      </p:sp>
+      <p:sp>
+        <p:nvSpPr>
+          <p:cNvPr id="29" name="ZoneTexte 28">
+            <a:extLst>
+              <a:ext uri="{FF2B5EF4-FFF2-40B4-BE49-F238E27FC236}">
+                <a16:creationId xmlns:a16="http://schemas.microsoft.com/office/drawing/2014/main" id="{4AC80A4B-5FB8-44E1-86F7-02984D9A7169}"/>
+              </a:ext>
+            </a:extLst>
+          </p:cNvPr>
+          <p:cNvSpPr txBox="1"/>
+          <p:nvPr/>
+        </p:nvSpPr>
+        <p:spPr>
+          <a:xfrm>
+            <a:off x="8828766" y="2281366"/>
+            <a:ext cx="1013419" cy="369332"/>
+          </a:xfrm>
+          <a:prstGeom prst="rect">
+            <a:avLst/>
+          </a:prstGeom>
+          <a:noFill/>
+        </p:spPr>
+        <p:txBody>
+          <a:bodyPr wrap="none" rtlCol="0">
+            <a:spAutoFit/>
+          </a:bodyPr>
+          <a:lstStyle/>
+          <a:p>
+            <a:r>
+              <a:rPr lang="fr-CH" i="1" dirty="0" err="1"/>
+              <a:t>add-ins</a:t>
+            </a:r>
+            <a:endParaRPr lang="en-US" i="1" dirty="0"/>
+          </a:p>
+        </p:txBody>
+      </p:sp>
+    </p:spTree>
+    <p:extLst>
+      <p:ext uri="{BB962C8B-B14F-4D97-AF65-F5344CB8AC3E}">
+        <p14:creationId xmlns:p14="http://schemas.microsoft.com/office/powerpoint/2010/main" val="534764485"/>
+      </p:ext>
+    </p:extLst>
+  </p:cSld>
+  <p:clrMapOvr>
+    <a:masterClrMapping/>
+  </p:clrMapOvr>
+</p:sld>
+</file>
+
+<file path=ppt/slides/slide9.xml><?xml version="1.0" encoding="utf-8"?>
 <p:sld xmlns:a="http://schemas.openxmlformats.org/drawingml/2006/main" xmlns:r="http://schemas.openxmlformats.org/officeDocument/2006/relationships" xmlns:p="http://schemas.openxmlformats.org/presentationml/2006/main">
   <p:cSld>
     <p:spTree>
@@ -15473,12 +19280,12 @@
           <a:lstStyle/>
           <a:p>
             <a:r>
-              <a:rPr lang="fr-CH" dirty="0"/>
-              <a:t>C++ avant </a:t>
-            </a:r>
-            <a:r>
               <a:rPr lang="fr-CH" dirty="0" err="1"/>
               <a:t>zouification</a:t>
+            </a:r>
+            <a:r>
+              <a:rPr lang="fr-CH" dirty="0"/>
+              <a:t> C++</a:t>
             </a:r>
             <a:br>
               <a:rPr lang="fr-CH" dirty="0"/>
@@ -15756,1696 +19563,6 @@
     <p:extLst>
       <p:ext uri="{BB962C8B-B14F-4D97-AF65-F5344CB8AC3E}">
         <p14:creationId xmlns:p14="http://schemas.microsoft.com/office/powerpoint/2010/main" val="1635493750"/>
-      </p:ext>
-    </p:extLst>
-  </p:cSld>
-  <p:clrMapOvr>
-    <a:masterClrMapping/>
-  </p:clrMapOvr>
-</p:sld>
-</file>
-
-<file path=ppt/slides/slide8.xml><?xml version="1.0" encoding="utf-8"?>
-<p:sld xmlns:a="http://schemas.openxmlformats.org/drawingml/2006/main" xmlns:r="http://schemas.openxmlformats.org/officeDocument/2006/relationships" xmlns:p="http://schemas.openxmlformats.org/presentationml/2006/main">
-  <p:cSld>
-    <p:spTree>
-      <p:nvGrpSpPr>
-        <p:cNvPr id="1" name=""/>
-        <p:cNvGrpSpPr/>
-        <p:nvPr/>
-      </p:nvGrpSpPr>
-      <p:grpSpPr>
-        <a:xfrm>
-          <a:off x="0" y="0"/>
-          <a:ext cx="0" cy="0"/>
-          <a:chOff x="0" y="0"/>
-          <a:chExt cx="0" cy="0"/>
-        </a:xfrm>
-      </p:grpSpPr>
-      <p:sp>
-        <p:nvSpPr>
-          <p:cNvPr id="63" name="Rectangle : avec coin rogné 62">
-            <a:extLst>
-              <a:ext uri="{FF2B5EF4-FFF2-40B4-BE49-F238E27FC236}">
-                <a16:creationId xmlns:a16="http://schemas.microsoft.com/office/drawing/2014/main" id="{91135BB6-B898-4ACA-973E-D70300F124FD}"/>
-              </a:ext>
-            </a:extLst>
-          </p:cNvPr>
-          <p:cNvSpPr/>
-          <p:nvPr/>
-        </p:nvSpPr>
-        <p:spPr>
-          <a:xfrm>
-            <a:off x="5101113" y="3965013"/>
-            <a:ext cx="1989774" cy="738350"/>
-          </a:xfrm>
-          <a:prstGeom prst="snip1Rect">
-            <a:avLst/>
-          </a:prstGeom>
-          <a:solidFill>
-            <a:schemeClr val="accent2">
-              <a:lumMod val="40000"/>
-              <a:lumOff val="60000"/>
-            </a:schemeClr>
-          </a:solidFill>
-        </p:spPr>
-        <p:style>
-          <a:lnRef idx="2">
-            <a:schemeClr val="accent2">
-              <a:shade val="50000"/>
-            </a:schemeClr>
-          </a:lnRef>
-          <a:fillRef idx="1">
-            <a:schemeClr val="accent2"/>
-          </a:fillRef>
-          <a:effectRef idx="0">
-            <a:schemeClr val="accent2"/>
-          </a:effectRef>
-          <a:fontRef idx="minor">
-            <a:schemeClr val="lt1"/>
-          </a:fontRef>
-        </p:style>
-        <p:txBody>
-          <a:bodyPr rtlCol="0" anchor="ctr"/>
-          <a:lstStyle/>
-          <a:p>
-            <a:endParaRPr lang="en-US" sz="1200" dirty="0"/>
-          </a:p>
-        </p:txBody>
-      </p:sp>
-      <p:sp>
-        <p:nvSpPr>
-          <p:cNvPr id="62" name="Organigramme : Document 61">
-            <a:extLst>
-              <a:ext uri="{FF2B5EF4-FFF2-40B4-BE49-F238E27FC236}">
-                <a16:creationId xmlns:a16="http://schemas.microsoft.com/office/drawing/2014/main" id="{D9EEDBFE-3656-47DA-A746-B3D5DC97B303}"/>
-              </a:ext>
-            </a:extLst>
-          </p:cNvPr>
-          <p:cNvSpPr/>
-          <p:nvPr/>
-        </p:nvSpPr>
-        <p:spPr>
-          <a:xfrm>
-            <a:off x="5101113" y="5003563"/>
-            <a:ext cx="1989774" cy="1039529"/>
-          </a:xfrm>
-          <a:prstGeom prst="flowChartDocument">
-            <a:avLst/>
-          </a:prstGeom>
-          <a:solidFill>
-            <a:schemeClr val="accent1">
-              <a:lumMod val="20000"/>
-              <a:lumOff val="80000"/>
-            </a:schemeClr>
-          </a:solidFill>
-        </p:spPr>
-        <p:style>
-          <a:lnRef idx="1">
-            <a:schemeClr val="accent2"/>
-          </a:lnRef>
-          <a:fillRef idx="2">
-            <a:schemeClr val="accent2"/>
-          </a:fillRef>
-          <a:effectRef idx="1">
-            <a:schemeClr val="accent2"/>
-          </a:effectRef>
-          <a:fontRef idx="minor">
-            <a:schemeClr val="dk1"/>
-          </a:fontRef>
-        </p:style>
-        <p:txBody>
-          <a:bodyPr rtlCol="0" anchor="ctr"/>
-          <a:lstStyle/>
-          <a:p>
-            <a:endParaRPr lang="en-US" sz="1200" dirty="0"/>
-          </a:p>
-        </p:txBody>
-      </p:sp>
-      <p:sp>
-        <p:nvSpPr>
-          <p:cNvPr id="2" name="Titre 1">
-            <a:extLst>
-              <a:ext uri="{FF2B5EF4-FFF2-40B4-BE49-F238E27FC236}">
-                <a16:creationId xmlns:a16="http://schemas.microsoft.com/office/drawing/2014/main" id="{CAA9B0F5-6FD1-4834-9213-17FCBF770EDA}"/>
-              </a:ext>
-            </a:extLst>
-          </p:cNvPr>
-          <p:cNvSpPr>
-            <a:spLocks noGrp="1"/>
-          </p:cNvSpPr>
-          <p:nvPr>
-            <p:ph type="title"/>
-          </p:nvPr>
-        </p:nvSpPr>
-        <p:spPr/>
-        <p:txBody>
-          <a:bodyPr/>
-          <a:lstStyle/>
-          <a:p>
-            <a:r>
-              <a:rPr lang="fr-CH" dirty="0" err="1"/>
-              <a:t>zouification</a:t>
-            </a:r>
-            <a:r>
-              <a:rPr lang="fr-CH" dirty="0"/>
-              <a:t> C++</a:t>
-            </a:r>
-            <a:br>
-              <a:rPr lang="fr-CH" dirty="0"/>
-            </a:br>
-            <a:r>
-              <a:rPr lang="fr-CH" dirty="0"/>
-              <a:t>hameçonnage polymorphique</a:t>
-            </a:r>
-            <a:endParaRPr lang="en-US" i="1" dirty="0"/>
-          </a:p>
-        </p:txBody>
-      </p:sp>
-      <p:grpSp>
-        <p:nvGrpSpPr>
-          <p:cNvPr id="55" name="Groupe 54">
-            <a:extLst>
-              <a:ext uri="{FF2B5EF4-FFF2-40B4-BE49-F238E27FC236}">
-                <a16:creationId xmlns:a16="http://schemas.microsoft.com/office/drawing/2014/main" id="{7A85B8AD-2854-42EA-83D6-4931BBE6B3AE}"/>
-              </a:ext>
-            </a:extLst>
-          </p:cNvPr>
-          <p:cNvGrpSpPr/>
-          <p:nvPr/>
-        </p:nvGrpSpPr>
-        <p:grpSpPr>
-          <a:xfrm>
-            <a:off x="5007791" y="1990159"/>
-            <a:ext cx="1989773" cy="738350"/>
-            <a:chOff x="5007791" y="1990159"/>
-            <a:chExt cx="1989773" cy="738350"/>
-          </a:xfrm>
-        </p:grpSpPr>
-        <p:sp>
-          <p:nvSpPr>
-            <p:cNvPr id="34" name="Rectangle : avec coin rogné 33">
-              <a:extLst>
-                <a:ext uri="{FF2B5EF4-FFF2-40B4-BE49-F238E27FC236}">
-                  <a16:creationId xmlns:a16="http://schemas.microsoft.com/office/drawing/2014/main" id="{A59BEB50-4E15-47FF-B9FE-8987257AFC6E}"/>
-                </a:ext>
-              </a:extLst>
-            </p:cNvPr>
-            <p:cNvSpPr/>
-            <p:nvPr/>
-          </p:nvSpPr>
-          <p:spPr>
-            <a:xfrm>
-              <a:off x="5007791" y="1990159"/>
-              <a:ext cx="1989773" cy="738350"/>
-            </a:xfrm>
-            <a:prstGeom prst="snip1Rect">
-              <a:avLst/>
-            </a:prstGeom>
-            <a:solidFill>
-              <a:schemeClr val="accent6"/>
-            </a:solidFill>
-          </p:spPr>
-          <p:style>
-            <a:lnRef idx="2">
-              <a:schemeClr val="accent1">
-                <a:shade val="50000"/>
-              </a:schemeClr>
-            </a:lnRef>
-            <a:fillRef idx="1">
-              <a:schemeClr val="accent1"/>
-            </a:fillRef>
-            <a:effectRef idx="0">
-              <a:schemeClr val="accent1"/>
-            </a:effectRef>
-            <a:fontRef idx="minor">
-              <a:schemeClr val="lt1"/>
-            </a:fontRef>
-          </p:style>
-          <p:txBody>
-            <a:bodyPr rtlCol="0" anchor="ctr"/>
-            <a:lstStyle/>
-            <a:p>
-              <a:r>
-                <a:rPr lang="fr-CH" sz="1200" dirty="0"/>
-                <a:t>zou</a:t>
-              </a:r>
-              <a:endParaRPr lang="en-US" sz="1200" dirty="0"/>
-            </a:p>
-          </p:txBody>
-        </p:sp>
-        <p:sp>
-          <p:nvSpPr>
-            <p:cNvPr id="9" name="Rectangle 8">
-              <a:extLst>
-                <a:ext uri="{FF2B5EF4-FFF2-40B4-BE49-F238E27FC236}">
-                  <a16:creationId xmlns:a16="http://schemas.microsoft.com/office/drawing/2014/main" id="{BBA7DC66-A2F0-47AE-87C0-A4C8F4AA74D4}"/>
-                </a:ext>
-              </a:extLst>
-            </p:cNvPr>
-            <p:cNvSpPr/>
-            <p:nvPr/>
-          </p:nvSpPr>
-          <p:spPr>
-            <a:xfrm>
-              <a:off x="5751668" y="2121981"/>
-              <a:ext cx="1109055" cy="231227"/>
-            </a:xfrm>
-            <a:prstGeom prst="rect">
-              <a:avLst/>
-            </a:prstGeom>
-          </p:spPr>
-          <p:style>
-            <a:lnRef idx="2">
-              <a:schemeClr val="accent5">
-                <a:shade val="50000"/>
-              </a:schemeClr>
-            </a:lnRef>
-            <a:fillRef idx="1">
-              <a:schemeClr val="accent5"/>
-            </a:fillRef>
-            <a:effectRef idx="0">
-              <a:schemeClr val="accent5"/>
-            </a:effectRef>
-            <a:fontRef idx="minor">
-              <a:schemeClr val="lt1"/>
-            </a:fontRef>
-          </p:style>
-          <p:txBody>
-            <a:bodyPr rtlCol="0" anchor="ctr"/>
-            <a:lstStyle/>
-            <a:p>
-              <a:pPr algn="ctr"/>
-              <a:r>
-                <a:rPr lang="fr-CH" sz="1000" dirty="0" err="1"/>
-                <a:t>toolset</a:t>
-              </a:r>
-              <a:r>
-                <a:rPr lang="fr-CH" sz="1000" dirty="0"/>
-                <a:t>: v141</a:t>
-              </a:r>
-              <a:endParaRPr lang="en-US" sz="1000" dirty="0"/>
-            </a:p>
-          </p:txBody>
-        </p:sp>
-        <p:sp>
-          <p:nvSpPr>
-            <p:cNvPr id="44" name="Rectangle 43">
-              <a:extLst>
-                <a:ext uri="{FF2B5EF4-FFF2-40B4-BE49-F238E27FC236}">
-                  <a16:creationId xmlns:a16="http://schemas.microsoft.com/office/drawing/2014/main" id="{3325367A-F5F2-4E16-8744-1CFBC2865FF5}"/>
-                </a:ext>
-              </a:extLst>
-            </p:cNvPr>
-            <p:cNvSpPr/>
-            <p:nvPr/>
-          </p:nvSpPr>
-          <p:spPr>
-            <a:xfrm>
-              <a:off x="5751668" y="2411100"/>
-              <a:ext cx="1109055" cy="231227"/>
-            </a:xfrm>
-            <a:prstGeom prst="rect">
-              <a:avLst/>
-            </a:prstGeom>
-          </p:spPr>
-          <p:style>
-            <a:lnRef idx="2">
-              <a:schemeClr val="accent5">
-                <a:shade val="50000"/>
-              </a:schemeClr>
-            </a:lnRef>
-            <a:fillRef idx="1">
-              <a:schemeClr val="accent5"/>
-            </a:fillRef>
-            <a:effectRef idx="0">
-              <a:schemeClr val="accent5"/>
-            </a:effectRef>
-            <a:fontRef idx="minor">
-              <a:schemeClr val="lt1"/>
-            </a:fontRef>
-          </p:style>
-          <p:txBody>
-            <a:bodyPr rtlCol="0" anchor="ctr"/>
-            <a:lstStyle/>
-            <a:p>
-              <a:pPr algn="ctr"/>
-              <a:r>
-                <a:rPr lang="fr-CH" sz="1000" dirty="0"/>
-                <a:t>Windows Vista</a:t>
-              </a:r>
-              <a:endParaRPr lang="en-US" sz="1000" dirty="0"/>
-            </a:p>
-          </p:txBody>
-        </p:sp>
-      </p:grpSp>
-      <p:sp>
-        <p:nvSpPr>
-          <p:cNvPr id="36" name="Rectangle : avec coin rogné 35">
-            <a:extLst>
-              <a:ext uri="{FF2B5EF4-FFF2-40B4-BE49-F238E27FC236}">
-                <a16:creationId xmlns:a16="http://schemas.microsoft.com/office/drawing/2014/main" id="{B4AAEE51-CA9A-4847-8016-71C3235CB76B}"/>
-              </a:ext>
-            </a:extLst>
-          </p:cNvPr>
-          <p:cNvSpPr/>
-          <p:nvPr/>
-        </p:nvSpPr>
-        <p:spPr>
-          <a:xfrm>
-            <a:off x="5014874" y="2910491"/>
-            <a:ext cx="1989774" cy="738350"/>
-          </a:xfrm>
-          <a:prstGeom prst="snip1Rect">
-            <a:avLst/>
-          </a:prstGeom>
-        </p:spPr>
-        <p:style>
-          <a:lnRef idx="2">
-            <a:schemeClr val="accent4">
-              <a:shade val="50000"/>
-            </a:schemeClr>
-          </a:lnRef>
-          <a:fillRef idx="1">
-            <a:schemeClr val="accent4"/>
-          </a:fillRef>
-          <a:effectRef idx="0">
-            <a:schemeClr val="accent4"/>
-          </a:effectRef>
-          <a:fontRef idx="minor">
-            <a:schemeClr val="lt1"/>
-          </a:fontRef>
-        </p:style>
-        <p:txBody>
-          <a:bodyPr rtlCol="0" anchor="ctr"/>
-          <a:lstStyle/>
-          <a:p>
-            <a:r>
-              <a:rPr lang="fr-CH" sz="1200" dirty="0"/>
-              <a:t>bundle</a:t>
-            </a:r>
-            <a:endParaRPr lang="en-US" sz="1200" dirty="0"/>
-          </a:p>
-        </p:txBody>
-      </p:sp>
-      <p:sp>
-        <p:nvSpPr>
-          <p:cNvPr id="37" name="Rectangle 36">
-            <a:extLst>
-              <a:ext uri="{FF2B5EF4-FFF2-40B4-BE49-F238E27FC236}">
-                <a16:creationId xmlns:a16="http://schemas.microsoft.com/office/drawing/2014/main" id="{55E65799-5A50-4C39-91D3-EB1BD8F64500}"/>
-              </a:ext>
-            </a:extLst>
-          </p:cNvPr>
-          <p:cNvSpPr/>
-          <p:nvPr/>
-        </p:nvSpPr>
-        <p:spPr>
-          <a:xfrm>
-            <a:off x="5751668" y="3031564"/>
-            <a:ext cx="1109055" cy="231227"/>
-          </a:xfrm>
-          <a:prstGeom prst="rect">
-            <a:avLst/>
-          </a:prstGeom>
-        </p:spPr>
-        <p:style>
-          <a:lnRef idx="2">
-            <a:schemeClr val="accent1">
-              <a:shade val="50000"/>
-            </a:schemeClr>
-          </a:lnRef>
-          <a:fillRef idx="1">
-            <a:schemeClr val="accent1"/>
-          </a:fillRef>
-          <a:effectRef idx="0">
-            <a:schemeClr val="accent1"/>
-          </a:effectRef>
-          <a:fontRef idx="minor">
-            <a:schemeClr val="lt1"/>
-          </a:fontRef>
-        </p:style>
-        <p:txBody>
-          <a:bodyPr rtlCol="0" anchor="ctr"/>
-          <a:lstStyle/>
-          <a:p>
-            <a:pPr algn="ctr"/>
-            <a:r>
-              <a:rPr lang="fr-CH" sz="1000" dirty="0" err="1"/>
-              <a:t>toolset</a:t>
-            </a:r>
-            <a:r>
-              <a:rPr lang="fr-CH" sz="1000" dirty="0"/>
-              <a:t>: v140</a:t>
-            </a:r>
-            <a:endParaRPr lang="en-US" sz="1000" dirty="0"/>
-          </a:p>
-        </p:txBody>
-      </p:sp>
-      <p:sp>
-        <p:nvSpPr>
-          <p:cNvPr id="47" name="Rectangle 46">
-            <a:extLst>
-              <a:ext uri="{FF2B5EF4-FFF2-40B4-BE49-F238E27FC236}">
-                <a16:creationId xmlns:a16="http://schemas.microsoft.com/office/drawing/2014/main" id="{B46EC7EE-E768-48DF-9DFD-1E14216A3CC9}"/>
-              </a:ext>
-            </a:extLst>
-          </p:cNvPr>
-          <p:cNvSpPr/>
-          <p:nvPr/>
-        </p:nvSpPr>
-        <p:spPr>
-          <a:xfrm>
-            <a:off x="5751668" y="3329159"/>
-            <a:ext cx="1109055" cy="231227"/>
-          </a:xfrm>
-          <a:prstGeom prst="rect">
-            <a:avLst/>
-          </a:prstGeom>
-        </p:spPr>
-        <p:style>
-          <a:lnRef idx="1">
-            <a:schemeClr val="accent4"/>
-          </a:lnRef>
-          <a:fillRef idx="2">
-            <a:schemeClr val="accent4"/>
-          </a:fillRef>
-          <a:effectRef idx="1">
-            <a:schemeClr val="accent4"/>
-          </a:effectRef>
-          <a:fontRef idx="minor">
-            <a:schemeClr val="dk1"/>
-          </a:fontRef>
-        </p:style>
-        <p:txBody>
-          <a:bodyPr rtlCol="0" anchor="ctr"/>
-          <a:lstStyle/>
-          <a:p>
-            <a:pPr algn="ctr"/>
-            <a:r>
-              <a:rPr lang="fr-CH" sz="1000" dirty="0"/>
-              <a:t>Windows Vista</a:t>
-            </a:r>
-            <a:endParaRPr lang="en-US" sz="1000" dirty="0"/>
-          </a:p>
-        </p:txBody>
-      </p:sp>
-      <p:sp>
-        <p:nvSpPr>
-          <p:cNvPr id="39" name="Rectangle : avec coin rogné 38">
-            <a:extLst>
-              <a:ext uri="{FF2B5EF4-FFF2-40B4-BE49-F238E27FC236}">
-                <a16:creationId xmlns:a16="http://schemas.microsoft.com/office/drawing/2014/main" id="{2B857DDA-7AB6-4136-8001-DD1AD88F9C95}"/>
-              </a:ext>
-            </a:extLst>
-          </p:cNvPr>
-          <p:cNvSpPr/>
-          <p:nvPr/>
-        </p:nvSpPr>
-        <p:spPr>
-          <a:xfrm>
-            <a:off x="5014874" y="3830823"/>
-            <a:ext cx="1989774" cy="738350"/>
-          </a:xfrm>
-          <a:prstGeom prst="snip1Rect">
-            <a:avLst/>
-          </a:prstGeom>
-        </p:spPr>
-        <p:style>
-          <a:lnRef idx="2">
-            <a:schemeClr val="accent2">
-              <a:shade val="50000"/>
-            </a:schemeClr>
-          </a:lnRef>
-          <a:fillRef idx="1">
-            <a:schemeClr val="accent2"/>
-          </a:fillRef>
-          <a:effectRef idx="0">
-            <a:schemeClr val="accent2"/>
-          </a:effectRef>
-          <a:fontRef idx="minor">
-            <a:schemeClr val="lt1"/>
-          </a:fontRef>
-        </p:style>
-        <p:txBody>
-          <a:bodyPr rtlCol="0" anchor="ctr"/>
-          <a:lstStyle/>
-          <a:p>
-            <a:r>
-              <a:rPr lang="fr-CH" sz="1200" dirty="0"/>
-              <a:t>module</a:t>
-            </a:r>
-            <a:endParaRPr lang="en-US" sz="1200" dirty="0"/>
-          </a:p>
-        </p:txBody>
-      </p:sp>
-      <p:sp>
-        <p:nvSpPr>
-          <p:cNvPr id="40" name="Rectangle 39">
-            <a:extLst>
-              <a:ext uri="{FF2B5EF4-FFF2-40B4-BE49-F238E27FC236}">
-                <a16:creationId xmlns:a16="http://schemas.microsoft.com/office/drawing/2014/main" id="{E2E8F84F-6A4D-43F8-BA09-690B753BD4FD}"/>
-              </a:ext>
-            </a:extLst>
-          </p:cNvPr>
-          <p:cNvSpPr/>
-          <p:nvPr/>
-        </p:nvSpPr>
-        <p:spPr>
-          <a:xfrm>
-            <a:off x="5751668" y="4243829"/>
-            <a:ext cx="1109055" cy="231227"/>
-          </a:xfrm>
-          <a:prstGeom prst="rect">
-            <a:avLst/>
-          </a:prstGeom>
-          <a:ln/>
-        </p:spPr>
-        <p:style>
-          <a:lnRef idx="2">
-            <a:schemeClr val="accent1">
-              <a:shade val="50000"/>
-            </a:schemeClr>
-          </a:lnRef>
-          <a:fillRef idx="1">
-            <a:schemeClr val="accent1"/>
-          </a:fillRef>
-          <a:effectRef idx="0">
-            <a:schemeClr val="accent1"/>
-          </a:effectRef>
-          <a:fontRef idx="minor">
-            <a:schemeClr val="lt1"/>
-          </a:fontRef>
-        </p:style>
-        <p:txBody>
-          <a:bodyPr rtlCol="0" anchor="ctr"/>
-          <a:lstStyle/>
-          <a:p>
-            <a:pPr algn="ctr"/>
-            <a:r>
-              <a:rPr lang="fr-CH" sz="800" dirty="0"/>
-              <a:t>Windows 7</a:t>
-            </a:r>
-            <a:endParaRPr lang="en-US" sz="800" dirty="0"/>
-          </a:p>
-        </p:txBody>
-      </p:sp>
-      <p:sp>
-        <p:nvSpPr>
-          <p:cNvPr id="48" name="Rectangle 47">
-            <a:extLst>
-              <a:ext uri="{FF2B5EF4-FFF2-40B4-BE49-F238E27FC236}">
-                <a16:creationId xmlns:a16="http://schemas.microsoft.com/office/drawing/2014/main" id="{DBDA5E27-1DFA-4B2C-AA5B-9CC4B49DD0DC}"/>
-              </a:ext>
-            </a:extLst>
-          </p:cNvPr>
-          <p:cNvSpPr/>
-          <p:nvPr/>
-        </p:nvSpPr>
-        <p:spPr>
-          <a:xfrm>
-            <a:off x="5751667" y="3966458"/>
-            <a:ext cx="1109055" cy="231227"/>
-          </a:xfrm>
-          <a:prstGeom prst="rect">
-            <a:avLst/>
-          </a:prstGeom>
-        </p:spPr>
-        <p:style>
-          <a:lnRef idx="1">
-            <a:schemeClr val="accent1"/>
-          </a:lnRef>
-          <a:fillRef idx="2">
-            <a:schemeClr val="accent1"/>
-          </a:fillRef>
-          <a:effectRef idx="1">
-            <a:schemeClr val="accent1"/>
-          </a:effectRef>
-          <a:fontRef idx="minor">
-            <a:schemeClr val="dk1"/>
-          </a:fontRef>
-        </p:style>
-        <p:txBody>
-          <a:bodyPr rtlCol="0" anchor="ctr"/>
-          <a:lstStyle/>
-          <a:p>
-            <a:pPr algn="ctr"/>
-            <a:r>
-              <a:rPr lang="fr-CH" sz="1000" dirty="0" err="1"/>
-              <a:t>toolset</a:t>
-            </a:r>
-            <a:r>
-              <a:rPr lang="fr-CH" sz="1000" dirty="0"/>
-              <a:t>: v140</a:t>
-            </a:r>
-            <a:endParaRPr lang="en-US" sz="1000" dirty="0"/>
-          </a:p>
-        </p:txBody>
-      </p:sp>
-      <p:sp>
-        <p:nvSpPr>
-          <p:cNvPr id="49" name="Organigramme : Document 48">
-            <a:extLst>
-              <a:ext uri="{FF2B5EF4-FFF2-40B4-BE49-F238E27FC236}">
-                <a16:creationId xmlns:a16="http://schemas.microsoft.com/office/drawing/2014/main" id="{081DC8F4-17DD-4967-8DF1-DB60130B2F7B}"/>
-              </a:ext>
-            </a:extLst>
-          </p:cNvPr>
-          <p:cNvSpPr/>
-          <p:nvPr/>
-        </p:nvSpPr>
-        <p:spPr>
-          <a:xfrm>
-            <a:off x="5014874" y="4866656"/>
-            <a:ext cx="1989774" cy="1039529"/>
-          </a:xfrm>
-          <a:prstGeom prst="flowChartDocument">
-            <a:avLst/>
-          </a:prstGeom>
-        </p:spPr>
-        <p:style>
-          <a:lnRef idx="1">
-            <a:schemeClr val="accent2"/>
-          </a:lnRef>
-          <a:fillRef idx="2">
-            <a:schemeClr val="accent2"/>
-          </a:fillRef>
-          <a:effectRef idx="1">
-            <a:schemeClr val="accent2"/>
-          </a:effectRef>
-          <a:fontRef idx="minor">
-            <a:schemeClr val="dk1"/>
-          </a:fontRef>
-        </p:style>
-        <p:txBody>
-          <a:bodyPr rtlCol="0" anchor="ctr"/>
-          <a:lstStyle/>
-          <a:p>
-            <a:r>
-              <a:rPr lang="fr-CH" sz="1200" dirty="0"/>
-              <a:t>projet</a:t>
-            </a:r>
-            <a:br>
-              <a:rPr lang="fr-CH" sz="1200" dirty="0"/>
-            </a:br>
-            <a:r>
-              <a:rPr lang="fr-CH" sz="1200" dirty="0"/>
-              <a:t>C++</a:t>
-            </a:r>
-            <a:endParaRPr lang="en-US" sz="1200" dirty="0"/>
-          </a:p>
-        </p:txBody>
-      </p:sp>
-      <p:sp>
-        <p:nvSpPr>
-          <p:cNvPr id="50" name="Rectangle 49">
-            <a:extLst>
-              <a:ext uri="{FF2B5EF4-FFF2-40B4-BE49-F238E27FC236}">
-                <a16:creationId xmlns:a16="http://schemas.microsoft.com/office/drawing/2014/main" id="{C94DE0DE-290F-4D36-9923-FA42069B7718}"/>
-              </a:ext>
-            </a:extLst>
-          </p:cNvPr>
-          <p:cNvSpPr/>
-          <p:nvPr/>
-        </p:nvSpPr>
-        <p:spPr>
-          <a:xfrm>
-            <a:off x="5751666" y="4968827"/>
-            <a:ext cx="1109055" cy="231227"/>
-          </a:xfrm>
-          <a:prstGeom prst="rect">
-            <a:avLst/>
-          </a:prstGeom>
-        </p:spPr>
-        <p:style>
-          <a:lnRef idx="1">
-            <a:schemeClr val="accent1"/>
-          </a:lnRef>
-          <a:fillRef idx="2">
-            <a:schemeClr val="accent1"/>
-          </a:fillRef>
-          <a:effectRef idx="1">
-            <a:schemeClr val="accent1"/>
-          </a:effectRef>
-          <a:fontRef idx="minor">
-            <a:schemeClr val="dk1"/>
-          </a:fontRef>
-        </p:style>
-        <p:txBody>
-          <a:bodyPr rtlCol="0" anchor="ctr"/>
-          <a:lstStyle/>
-          <a:p>
-            <a:pPr algn="ctr"/>
-            <a:r>
-              <a:rPr lang="fr-CH" sz="1000" dirty="0" err="1"/>
-              <a:t>toolset</a:t>
-            </a:r>
-            <a:r>
-              <a:rPr lang="fr-CH" sz="1000" dirty="0"/>
-              <a:t>: v140</a:t>
-            </a:r>
-            <a:endParaRPr lang="en-US" sz="1000" dirty="0"/>
-          </a:p>
-        </p:txBody>
-      </p:sp>
-      <p:sp>
-        <p:nvSpPr>
-          <p:cNvPr id="51" name="Rectangle 50">
-            <a:extLst>
-              <a:ext uri="{FF2B5EF4-FFF2-40B4-BE49-F238E27FC236}">
-                <a16:creationId xmlns:a16="http://schemas.microsoft.com/office/drawing/2014/main" id="{94F8EB66-1F19-4B11-8B2F-6C1DD181C258}"/>
-              </a:ext>
-            </a:extLst>
-          </p:cNvPr>
-          <p:cNvSpPr/>
-          <p:nvPr/>
-        </p:nvSpPr>
-        <p:spPr>
-          <a:xfrm>
-            <a:off x="5751666" y="5306667"/>
-            <a:ext cx="1109055" cy="231227"/>
-          </a:xfrm>
-          <a:prstGeom prst="rect">
-            <a:avLst/>
-          </a:prstGeom>
-          <a:ln/>
-        </p:spPr>
-        <p:style>
-          <a:lnRef idx="1">
-            <a:schemeClr val="accent1"/>
-          </a:lnRef>
-          <a:fillRef idx="2">
-            <a:schemeClr val="accent1"/>
-          </a:fillRef>
-          <a:effectRef idx="1">
-            <a:schemeClr val="accent1"/>
-          </a:effectRef>
-          <a:fontRef idx="minor">
-            <a:schemeClr val="dk1"/>
-          </a:fontRef>
-        </p:style>
-        <p:txBody>
-          <a:bodyPr rtlCol="0" anchor="ctr"/>
-          <a:lstStyle/>
-          <a:p>
-            <a:pPr algn="ctr"/>
-            <a:r>
-              <a:rPr lang="fr-CH" sz="800" dirty="0"/>
-              <a:t>Windows 7</a:t>
-            </a:r>
-            <a:endParaRPr lang="en-US" sz="800" dirty="0"/>
-          </a:p>
-        </p:txBody>
-      </p:sp>
-      <p:sp>
-        <p:nvSpPr>
-          <p:cNvPr id="3" name="Rectangle : coins arrondis 2">
-            <a:extLst>
-              <a:ext uri="{FF2B5EF4-FFF2-40B4-BE49-F238E27FC236}">
-                <a16:creationId xmlns:a16="http://schemas.microsoft.com/office/drawing/2014/main" id="{64E599A4-EB9B-4880-8F8C-13DC1A912BA5}"/>
-              </a:ext>
-            </a:extLst>
-          </p:cNvPr>
-          <p:cNvSpPr/>
-          <p:nvPr/>
-        </p:nvSpPr>
-        <p:spPr>
-          <a:xfrm>
-            <a:off x="7655202" y="4831413"/>
-            <a:ext cx="1166746" cy="939581"/>
-          </a:xfrm>
-          <a:prstGeom prst="roundRect">
-            <a:avLst/>
-          </a:prstGeom>
-        </p:spPr>
-        <p:style>
-          <a:lnRef idx="2">
-            <a:schemeClr val="accent6">
-              <a:shade val="50000"/>
-            </a:schemeClr>
-          </a:lnRef>
-          <a:fillRef idx="1">
-            <a:schemeClr val="accent6"/>
-          </a:fillRef>
-          <a:effectRef idx="0">
-            <a:schemeClr val="accent6"/>
-          </a:effectRef>
-          <a:fontRef idx="minor">
-            <a:schemeClr val="lt1"/>
-          </a:fontRef>
-        </p:style>
-        <p:txBody>
-          <a:bodyPr rtlCol="0" anchor="ctr"/>
-          <a:lstStyle/>
-          <a:p>
-            <a:pPr algn="ctr"/>
-            <a:endParaRPr lang="en-US"/>
-          </a:p>
-        </p:txBody>
-      </p:sp>
-      <p:cxnSp>
-        <p:nvCxnSpPr>
-          <p:cNvPr id="5" name="Connecteur droit avec flèche 4">
-            <a:extLst>
-              <a:ext uri="{FF2B5EF4-FFF2-40B4-BE49-F238E27FC236}">
-                <a16:creationId xmlns:a16="http://schemas.microsoft.com/office/drawing/2014/main" id="{BC1DD965-D411-477B-B0EC-56BD12BC94DC}"/>
-              </a:ext>
-            </a:extLst>
-          </p:cNvPr>
-          <p:cNvCxnSpPr>
-            <a:cxnSpLocks/>
-            <a:endCxn id="69" idx="2"/>
-          </p:cNvCxnSpPr>
-          <p:nvPr/>
-        </p:nvCxnSpPr>
-        <p:spPr>
-          <a:xfrm flipV="1">
-            <a:off x="6997566" y="5293512"/>
-            <a:ext cx="1139175" cy="383"/>
-          </a:xfrm>
-          <a:prstGeom prst="straightConnector1">
-            <a:avLst/>
-          </a:prstGeom>
-          <a:ln w="25400">
-            <a:prstDash val="sysDash"/>
-            <a:tailEnd type="triangle" w="lg" len="lg"/>
-          </a:ln>
-        </p:spPr>
-        <p:style>
-          <a:lnRef idx="1">
-            <a:schemeClr val="accent1"/>
-          </a:lnRef>
-          <a:fillRef idx="0">
-            <a:schemeClr val="accent1"/>
-          </a:fillRef>
-          <a:effectRef idx="0">
-            <a:schemeClr val="accent1"/>
-          </a:effectRef>
-          <a:fontRef idx="minor">
-            <a:schemeClr val="tx1"/>
-          </a:fontRef>
-        </p:style>
-      </p:cxnSp>
-      <p:cxnSp>
-        <p:nvCxnSpPr>
-          <p:cNvPr id="18" name="Connecteur : en angle 17">
-            <a:extLst>
-              <a:ext uri="{FF2B5EF4-FFF2-40B4-BE49-F238E27FC236}">
-                <a16:creationId xmlns:a16="http://schemas.microsoft.com/office/drawing/2014/main" id="{C75B4260-2710-4967-99E8-B0143F6C9ACC}"/>
-              </a:ext>
-            </a:extLst>
-          </p:cNvPr>
-          <p:cNvCxnSpPr>
-            <a:cxnSpLocks/>
-            <a:stCxn id="69" idx="0"/>
-            <a:endCxn id="34" idx="0"/>
-          </p:cNvCxnSpPr>
-          <p:nvPr/>
-        </p:nvCxnSpPr>
-        <p:spPr>
-          <a:xfrm rot="16200000" flipV="1">
-            <a:off x="6245077" y="3111821"/>
-            <a:ext cx="2785134" cy="1280160"/>
-          </a:xfrm>
-          <a:prstGeom prst="bentConnector2">
-            <a:avLst/>
-          </a:prstGeom>
-          <a:ln w="25400">
-            <a:solidFill>
-              <a:schemeClr val="accent5"/>
-            </a:solidFill>
-            <a:prstDash val="sysDash"/>
-            <a:tailEnd type="triangle" w="lg" len="lg"/>
-          </a:ln>
-        </p:spPr>
-        <p:style>
-          <a:lnRef idx="1">
-            <a:schemeClr val="accent1"/>
-          </a:lnRef>
-          <a:fillRef idx="0">
-            <a:schemeClr val="accent1"/>
-          </a:fillRef>
-          <a:effectRef idx="0">
-            <a:schemeClr val="accent1"/>
-          </a:effectRef>
-          <a:fontRef idx="minor">
-            <a:schemeClr val="tx1"/>
-          </a:fontRef>
-        </p:style>
-      </p:cxnSp>
-      <p:cxnSp>
-        <p:nvCxnSpPr>
-          <p:cNvPr id="20" name="Connecteur : en angle 19">
-            <a:extLst>
-              <a:ext uri="{FF2B5EF4-FFF2-40B4-BE49-F238E27FC236}">
-                <a16:creationId xmlns:a16="http://schemas.microsoft.com/office/drawing/2014/main" id="{C6DEEA0C-9640-4A9D-8487-68388C43103F}"/>
-              </a:ext>
-            </a:extLst>
-          </p:cNvPr>
-          <p:cNvCxnSpPr>
-            <a:cxnSpLocks/>
-            <a:stCxn id="40" idx="3"/>
-          </p:cNvCxnSpPr>
-          <p:nvPr/>
-        </p:nvCxnSpPr>
-        <p:spPr>
-          <a:xfrm>
-            <a:off x="6860723" y="4359443"/>
-            <a:ext cx="1031993" cy="472439"/>
-          </a:xfrm>
-          <a:prstGeom prst="bentConnector3">
-            <a:avLst>
-              <a:gd name="adj1" fmla="val 100365"/>
-            </a:avLst>
-          </a:prstGeom>
-          <a:ln>
-            <a:tailEnd type="none"/>
-          </a:ln>
-        </p:spPr>
-        <p:style>
-          <a:lnRef idx="1">
-            <a:schemeClr val="accent1"/>
-          </a:lnRef>
-          <a:fillRef idx="0">
-            <a:schemeClr val="accent1"/>
-          </a:fillRef>
-          <a:effectRef idx="0">
-            <a:schemeClr val="accent1"/>
-          </a:effectRef>
-          <a:fontRef idx="minor">
-            <a:schemeClr val="tx1"/>
-          </a:fontRef>
-        </p:style>
-      </p:cxnSp>
-      <p:cxnSp>
-        <p:nvCxnSpPr>
-          <p:cNvPr id="23" name="Connecteur : en angle 22">
-            <a:extLst>
-              <a:ext uri="{FF2B5EF4-FFF2-40B4-BE49-F238E27FC236}">
-                <a16:creationId xmlns:a16="http://schemas.microsoft.com/office/drawing/2014/main" id="{B0ED5505-8469-48B6-A630-6BF514CF37BA}"/>
-              </a:ext>
-            </a:extLst>
-          </p:cNvPr>
-          <p:cNvCxnSpPr>
-            <a:cxnSpLocks/>
-            <a:stCxn id="37" idx="3"/>
-          </p:cNvCxnSpPr>
-          <p:nvPr/>
-        </p:nvCxnSpPr>
-        <p:spPr>
-          <a:xfrm>
-            <a:off x="6860723" y="3147178"/>
-            <a:ext cx="1176372" cy="1684704"/>
-          </a:xfrm>
-          <a:prstGeom prst="bentConnector2">
-            <a:avLst/>
-          </a:prstGeom>
-          <a:ln>
-            <a:tailEnd type="none"/>
-          </a:ln>
-        </p:spPr>
-        <p:style>
-          <a:lnRef idx="1">
-            <a:schemeClr val="accent1"/>
-          </a:lnRef>
-          <a:fillRef idx="0">
-            <a:schemeClr val="accent1"/>
-          </a:fillRef>
-          <a:effectRef idx="0">
-            <a:schemeClr val="accent1"/>
-          </a:effectRef>
-          <a:fontRef idx="minor">
-            <a:schemeClr val="tx1"/>
-          </a:fontRef>
-        </p:style>
-      </p:cxnSp>
-      <p:cxnSp>
-        <p:nvCxnSpPr>
-          <p:cNvPr id="58" name="Connecteur : en angle 57">
-            <a:extLst>
-              <a:ext uri="{FF2B5EF4-FFF2-40B4-BE49-F238E27FC236}">
-                <a16:creationId xmlns:a16="http://schemas.microsoft.com/office/drawing/2014/main" id="{F0DECD94-174F-4BD9-AC12-0210EA65EB4F}"/>
-              </a:ext>
-            </a:extLst>
-          </p:cNvPr>
-          <p:cNvCxnSpPr>
-            <a:cxnSpLocks/>
-            <a:endCxn id="51" idx="3"/>
-          </p:cNvCxnSpPr>
-          <p:nvPr/>
-        </p:nvCxnSpPr>
-        <p:spPr>
-          <a:xfrm rot="10800000" flipV="1">
-            <a:off x="6860722" y="4831881"/>
-            <a:ext cx="1051245" cy="590399"/>
-          </a:xfrm>
-          <a:prstGeom prst="bentConnector3">
-            <a:avLst>
-              <a:gd name="adj1" fmla="val 1473"/>
-            </a:avLst>
-          </a:prstGeom>
-          <a:ln>
-            <a:tailEnd type="triangle"/>
-          </a:ln>
-        </p:spPr>
-        <p:style>
-          <a:lnRef idx="1">
-            <a:schemeClr val="accent1"/>
-          </a:lnRef>
-          <a:fillRef idx="0">
-            <a:schemeClr val="accent1"/>
-          </a:fillRef>
-          <a:effectRef idx="0">
-            <a:schemeClr val="accent1"/>
-          </a:effectRef>
-          <a:fontRef idx="minor">
-            <a:schemeClr val="tx1"/>
-          </a:fontRef>
-        </p:style>
-      </p:cxnSp>
-      <p:cxnSp>
-        <p:nvCxnSpPr>
-          <p:cNvPr id="66" name="Connecteur : en angle 65">
-            <a:extLst>
-              <a:ext uri="{FF2B5EF4-FFF2-40B4-BE49-F238E27FC236}">
-                <a16:creationId xmlns:a16="http://schemas.microsoft.com/office/drawing/2014/main" id="{EB01B12A-C3DD-4C2D-ACC5-79ED3636A0E4}"/>
-              </a:ext>
-            </a:extLst>
-          </p:cNvPr>
-          <p:cNvCxnSpPr>
-            <a:cxnSpLocks/>
-            <a:endCxn id="50" idx="3"/>
-          </p:cNvCxnSpPr>
-          <p:nvPr/>
-        </p:nvCxnSpPr>
-        <p:spPr>
-          <a:xfrm rot="10800000" flipV="1">
-            <a:off x="6860722" y="4831881"/>
-            <a:ext cx="1185999" cy="252559"/>
-          </a:xfrm>
-          <a:prstGeom prst="bentConnector3">
-            <a:avLst>
-              <a:gd name="adj1" fmla="val 494"/>
-            </a:avLst>
-          </a:prstGeom>
-          <a:ln>
-            <a:tailEnd type="triangle"/>
-          </a:ln>
-        </p:spPr>
-        <p:style>
-          <a:lnRef idx="1">
-            <a:schemeClr val="accent1"/>
-          </a:lnRef>
-          <a:fillRef idx="0">
-            <a:schemeClr val="accent1"/>
-          </a:fillRef>
-          <a:effectRef idx="0">
-            <a:schemeClr val="accent1"/>
-          </a:effectRef>
-          <a:fontRef idx="minor">
-            <a:schemeClr val="tx1"/>
-          </a:fontRef>
-        </p:style>
-      </p:cxnSp>
-      <p:sp>
-        <p:nvSpPr>
-          <p:cNvPr id="69" name="Ellipse 68">
-            <a:extLst>
-              <a:ext uri="{FF2B5EF4-FFF2-40B4-BE49-F238E27FC236}">
-                <a16:creationId xmlns:a16="http://schemas.microsoft.com/office/drawing/2014/main" id="{ED9FE42F-39BC-47D3-A79C-786AE61312EF}"/>
-              </a:ext>
-            </a:extLst>
-          </p:cNvPr>
-          <p:cNvSpPr/>
-          <p:nvPr/>
-        </p:nvSpPr>
-        <p:spPr>
-          <a:xfrm>
-            <a:off x="8136741" y="5144468"/>
-            <a:ext cx="281965" cy="298087"/>
-          </a:xfrm>
-          <a:prstGeom prst="ellipse">
-            <a:avLst/>
-          </a:prstGeom>
-        </p:spPr>
-        <p:style>
-          <a:lnRef idx="2">
-            <a:schemeClr val="accent1">
-              <a:shade val="50000"/>
-            </a:schemeClr>
-          </a:lnRef>
-          <a:fillRef idx="1">
-            <a:schemeClr val="accent1"/>
-          </a:fillRef>
-          <a:effectRef idx="0">
-            <a:schemeClr val="accent1"/>
-          </a:effectRef>
-          <a:fontRef idx="minor">
-            <a:schemeClr val="lt1"/>
-          </a:fontRef>
-        </p:style>
-        <p:txBody>
-          <a:bodyPr rtlCol="0" anchor="ctr"/>
-          <a:lstStyle/>
-          <a:p>
-            <a:pPr algn="ctr"/>
-            <a:endParaRPr lang="en-US"/>
-          </a:p>
-        </p:txBody>
-      </p:sp>
-      <p:cxnSp>
-        <p:nvCxnSpPr>
-          <p:cNvPr id="14" name="Connecteur : en angle 13">
-            <a:extLst>
-              <a:ext uri="{FF2B5EF4-FFF2-40B4-BE49-F238E27FC236}">
-                <a16:creationId xmlns:a16="http://schemas.microsoft.com/office/drawing/2014/main" id="{B9BA581C-39CD-49FA-8DAC-4AE270F1331A}"/>
-              </a:ext>
-            </a:extLst>
-          </p:cNvPr>
-          <p:cNvCxnSpPr>
-            <a:cxnSpLocks/>
-            <a:stCxn id="69" idx="0"/>
-            <a:endCxn id="36" idx="0"/>
-          </p:cNvCxnSpPr>
-          <p:nvPr/>
-        </p:nvCxnSpPr>
-        <p:spPr>
-          <a:xfrm rot="16200000" flipV="1">
-            <a:off x="6708785" y="3575529"/>
-            <a:ext cx="1864802" cy="1273076"/>
-          </a:xfrm>
-          <a:prstGeom prst="bentConnector2">
-            <a:avLst/>
-          </a:prstGeom>
-          <a:ln w="25400">
-            <a:solidFill>
-              <a:schemeClr val="accent4"/>
-            </a:solidFill>
-            <a:prstDash val="sysDash"/>
-            <a:tailEnd type="triangle" w="lg" len="lg"/>
-          </a:ln>
-        </p:spPr>
-        <p:style>
-          <a:lnRef idx="1">
-            <a:schemeClr val="accent1"/>
-          </a:lnRef>
-          <a:fillRef idx="0">
-            <a:schemeClr val="accent1"/>
-          </a:fillRef>
-          <a:effectRef idx="0">
-            <a:schemeClr val="accent1"/>
-          </a:effectRef>
-          <a:fontRef idx="minor">
-            <a:schemeClr val="tx1"/>
-          </a:fontRef>
-        </p:style>
-      </p:cxnSp>
-      <p:cxnSp>
-        <p:nvCxnSpPr>
-          <p:cNvPr id="12" name="Connecteur : en angle 11">
-            <a:extLst>
-              <a:ext uri="{FF2B5EF4-FFF2-40B4-BE49-F238E27FC236}">
-                <a16:creationId xmlns:a16="http://schemas.microsoft.com/office/drawing/2014/main" id="{9722AF95-5401-4C88-813E-C14833AD1A56}"/>
-              </a:ext>
-            </a:extLst>
-          </p:cNvPr>
-          <p:cNvCxnSpPr>
-            <a:cxnSpLocks/>
-            <a:stCxn id="69" idx="0"/>
-            <a:endCxn id="39" idx="0"/>
-          </p:cNvCxnSpPr>
-          <p:nvPr/>
-        </p:nvCxnSpPr>
-        <p:spPr>
-          <a:xfrm rot="16200000" flipV="1">
-            <a:off x="7168951" y="4035695"/>
-            <a:ext cx="944470" cy="1273076"/>
-          </a:xfrm>
-          <a:prstGeom prst="bentConnector2">
-            <a:avLst/>
-          </a:prstGeom>
-          <a:ln w="25400">
-            <a:solidFill>
-              <a:schemeClr val="accent2"/>
-            </a:solidFill>
-            <a:prstDash val="sysDash"/>
-            <a:tailEnd type="triangle" w="lg" len="lg"/>
-          </a:ln>
-        </p:spPr>
-        <p:style>
-          <a:lnRef idx="1">
-            <a:schemeClr val="accent1"/>
-          </a:lnRef>
-          <a:fillRef idx="0">
-            <a:schemeClr val="accent1"/>
-          </a:fillRef>
-          <a:effectRef idx="0">
-            <a:schemeClr val="accent1"/>
-          </a:effectRef>
-          <a:fontRef idx="minor">
-            <a:schemeClr val="tx1"/>
-          </a:fontRef>
-        </p:style>
-      </p:cxnSp>
-    </p:spTree>
-    <p:extLst>
-      <p:ext uri="{BB962C8B-B14F-4D97-AF65-F5344CB8AC3E}">
-        <p14:creationId xmlns:p14="http://schemas.microsoft.com/office/powerpoint/2010/main" val="1315330722"/>
-      </p:ext>
-    </p:extLst>
-  </p:cSld>
-  <p:clrMapOvr>
-    <a:masterClrMapping/>
-  </p:clrMapOvr>
-</p:sld>
-</file>
-
-<file path=ppt/slides/slide9.xml><?xml version="1.0" encoding="utf-8"?>
-<p:sld xmlns:a="http://schemas.openxmlformats.org/drawingml/2006/main" xmlns:r="http://schemas.openxmlformats.org/officeDocument/2006/relationships" xmlns:p="http://schemas.openxmlformats.org/presentationml/2006/main">
-  <p:cSld>
-    <p:spTree>
-      <p:nvGrpSpPr>
-        <p:cNvPr id="1" name=""/>
-        <p:cNvGrpSpPr/>
-        <p:nvPr/>
-      </p:nvGrpSpPr>
-      <p:grpSpPr>
-        <a:xfrm>
-          <a:off x="0" y="0"/>
-          <a:ext cx="0" cy="0"/>
-          <a:chOff x="0" y="0"/>
-          <a:chExt cx="0" cy="0"/>
-        </a:xfrm>
-      </p:grpSpPr>
-      <p:sp>
-        <p:nvSpPr>
-          <p:cNvPr id="2" name="Titre 1">
-            <a:extLst>
-              <a:ext uri="{FF2B5EF4-FFF2-40B4-BE49-F238E27FC236}">
-                <a16:creationId xmlns:a16="http://schemas.microsoft.com/office/drawing/2014/main" id="{873FE7C9-6349-4727-9B1B-2C19E30CBA0C}"/>
-              </a:ext>
-            </a:extLst>
-          </p:cNvPr>
-          <p:cNvSpPr>
-            <a:spLocks noGrp="1"/>
-          </p:cNvSpPr>
-          <p:nvPr>
-            <p:ph type="title"/>
-          </p:nvPr>
-        </p:nvSpPr>
-        <p:spPr/>
-        <p:txBody>
-          <a:bodyPr/>
-          <a:lstStyle/>
-          <a:p>
-            <a:r>
-              <a:rPr lang="fr-CH" dirty="0" err="1"/>
-              <a:t>Hooks</a:t>
-            </a:r>
-            <a:r>
-              <a:rPr lang="fr-CH" dirty="0"/>
-              <a:t> polymorphiques</a:t>
-            </a:r>
-            <a:br>
-              <a:rPr lang="fr-CH" dirty="0"/>
-            </a:br>
-            <a:r>
-              <a:rPr lang="fr-CH" dirty="0"/>
-              <a:t>Exemple: .NET Core</a:t>
-            </a:r>
-            <a:endParaRPr lang="en-US" dirty="0"/>
-          </a:p>
-        </p:txBody>
-      </p:sp>
-      <p:sp>
-        <p:nvSpPr>
-          <p:cNvPr id="3" name="Espace réservé du contenu 2">
-            <a:extLst>
-              <a:ext uri="{FF2B5EF4-FFF2-40B4-BE49-F238E27FC236}">
-                <a16:creationId xmlns:a16="http://schemas.microsoft.com/office/drawing/2014/main" id="{7971077A-BB92-4001-A353-67B148646789}"/>
-              </a:ext>
-            </a:extLst>
-          </p:cNvPr>
-          <p:cNvSpPr>
-            <a:spLocks noGrp="1"/>
-          </p:cNvSpPr>
-          <p:nvPr>
-            <p:ph idx="1"/>
-          </p:nvPr>
-        </p:nvSpPr>
-        <p:spPr>
-          <a:noFill/>
-          <a:ln w="9525" cap="flat" cmpd="sng" algn="ctr">
-            <a:solidFill>
-              <a:schemeClr val="accent3"/>
-            </a:solidFill>
-            <a:prstDash val="solid"/>
-            <a:round/>
-            <a:headEnd type="none" w="med" len="med"/>
-            <a:tailEnd type="none" w="med" len="med"/>
-          </a:ln>
-        </p:spPr>
-        <p:style>
-          <a:lnRef idx="0">
-            <a:scrgbClr r="0" g="0" b="0"/>
-          </a:lnRef>
-          <a:fillRef idx="0">
-            <a:scrgbClr r="0" g="0" b="0"/>
-          </a:fillRef>
-          <a:effectRef idx="0">
-            <a:scrgbClr r="0" g="0" b="0"/>
-          </a:effectRef>
-          <a:fontRef idx="minor">
-            <a:schemeClr val="accent3"/>
-          </a:fontRef>
-        </p:style>
-        <p:txBody>
-          <a:bodyPr/>
-          <a:lstStyle/>
-          <a:p>
-            <a:r>
-              <a:rPr lang="fr-CH" sz="1200" dirty="0">
-                <a:latin typeface="Consolas" panose="020B0609020204030204" pitchFamily="49" charset="0"/>
-              </a:rPr>
-              <a:t>Module\</a:t>
-            </a:r>
-            <a:r>
-              <a:rPr lang="fr-CH" sz="1200" dirty="0" err="1">
-                <a:latin typeface="Consolas" panose="020B0609020204030204" pitchFamily="49" charset="0"/>
-              </a:rPr>
-              <a:t>Directory.Build.props</a:t>
-            </a:r>
-            <a:endParaRPr lang="fr-CH" sz="1200" dirty="0">
-              <a:latin typeface="Consolas" panose="020B0609020204030204" pitchFamily="49" charset="0"/>
-            </a:endParaRPr>
-          </a:p>
-          <a:p>
-            <a:pPr lvl="1"/>
-            <a:r>
-              <a:rPr lang="fr-CH" sz="1200" dirty="0">
-                <a:latin typeface="Consolas" panose="020B0609020204030204" pitchFamily="49" charset="0"/>
-              </a:rPr>
-              <a:t>Module\</a:t>
-            </a:r>
-            <a:r>
-              <a:rPr lang="fr-CH" sz="1200" dirty="0" err="1">
-                <a:latin typeface="Consolas" panose="020B0609020204030204" pitchFamily="49" charset="0"/>
-              </a:rPr>
-              <a:t>Version.props</a:t>
-            </a:r>
-            <a:endParaRPr lang="fr-CH" sz="1200" dirty="0">
-              <a:latin typeface="Consolas" panose="020B0609020204030204" pitchFamily="49" charset="0"/>
-            </a:endParaRPr>
-          </a:p>
-          <a:p>
-            <a:pPr lvl="2"/>
-            <a:r>
-              <a:rPr lang="fr-CH" sz="1200" dirty="0">
-                <a:solidFill>
-                  <a:schemeClr val="accent1"/>
-                </a:solidFill>
-                <a:latin typeface="Consolas" panose="020B0609020204030204" pitchFamily="49" charset="0"/>
-              </a:rPr>
-              <a:t>Version</a:t>
-            </a:r>
-          </a:p>
-          <a:p>
-            <a:pPr lvl="1"/>
-            <a:r>
-              <a:rPr lang="fr-CH" sz="1200" dirty="0">
-                <a:latin typeface="Consolas" panose="020B0609020204030204" pitchFamily="49" charset="0"/>
-              </a:rPr>
-              <a:t>Bundle\</a:t>
-            </a:r>
-            <a:r>
-              <a:rPr lang="fr-CH" sz="1200" dirty="0" err="1">
-                <a:latin typeface="Consolas" panose="020B0609020204030204" pitchFamily="49" charset="0"/>
-              </a:rPr>
-              <a:t>Directory.Build.props</a:t>
-            </a:r>
-            <a:endParaRPr lang="fr-CH" sz="1200" dirty="0">
-              <a:latin typeface="Consolas" panose="020B0609020204030204" pitchFamily="49" charset="0"/>
-            </a:endParaRPr>
-          </a:p>
-          <a:p>
-            <a:pPr lvl="2"/>
-            <a:r>
-              <a:rPr lang="en-US" sz="1200" dirty="0" err="1">
-                <a:latin typeface="Consolas" panose="020B0609020204030204" pitchFamily="49" charset="0"/>
-              </a:rPr>
-              <a:t>zou</a:t>
-            </a:r>
-            <a:r>
-              <a:rPr lang="en-US" sz="1200" dirty="0">
-                <a:latin typeface="Consolas" panose="020B0609020204030204" pitchFamily="49" charset="0"/>
-              </a:rPr>
-              <a:t>\</a:t>
-            </a:r>
-            <a:r>
-              <a:rPr lang="en-US" sz="1200" dirty="0" err="1">
-                <a:latin typeface="Consolas" panose="020B0609020204030204" pitchFamily="49" charset="0"/>
-              </a:rPr>
-              <a:t>Directory.Build.Default.props</a:t>
-            </a:r>
-            <a:endParaRPr lang="en-US" sz="1200" dirty="0">
-              <a:latin typeface="Consolas" panose="020B0609020204030204" pitchFamily="49" charset="0"/>
-            </a:endParaRPr>
-          </a:p>
-          <a:p>
-            <a:pPr lvl="3"/>
-            <a:r>
-              <a:rPr lang="en-US" dirty="0" err="1">
-                <a:solidFill>
-                  <a:schemeClr val="accent6"/>
-                </a:solidFill>
-                <a:latin typeface="Consolas" panose="020B0609020204030204" pitchFamily="49" charset="0"/>
-              </a:rPr>
-              <a:t>TargetFramework</a:t>
-            </a:r>
-            <a:r>
-              <a:rPr lang="en-US" dirty="0">
-                <a:solidFill>
-                  <a:schemeClr val="accent6"/>
-                </a:solidFill>
-                <a:latin typeface="Consolas" panose="020B0609020204030204" pitchFamily="49" charset="0"/>
-              </a:rPr>
-              <a:t>, </a:t>
-            </a:r>
-            <a:r>
-              <a:rPr lang="en-US" dirty="0" err="1">
-                <a:solidFill>
-                  <a:schemeClr val="accent6"/>
-                </a:solidFill>
-                <a:latin typeface="Consolas" panose="020B0609020204030204" pitchFamily="49" charset="0"/>
-              </a:rPr>
-              <a:t>RuntimeIdentifiers</a:t>
-            </a:r>
-            <a:r>
-              <a:rPr lang="en-US" dirty="0">
-                <a:solidFill>
-                  <a:schemeClr val="accent6"/>
-                </a:solidFill>
-                <a:latin typeface="Consolas" panose="020B0609020204030204" pitchFamily="49" charset="0"/>
-              </a:rPr>
-              <a:t>, Company, </a:t>
-            </a:r>
-            <a:r>
-              <a:rPr lang="fr-CH" dirty="0">
-                <a:solidFill>
-                  <a:schemeClr val="accent6"/>
-                </a:solidFill>
-                <a:latin typeface="Consolas" panose="020B0609020204030204" pitchFamily="49" charset="0"/>
-              </a:rPr>
-              <a:t>Version, </a:t>
-            </a:r>
-            <a:r>
-              <a:rPr lang="fr-CH" dirty="0" err="1">
-                <a:solidFill>
-                  <a:schemeClr val="accent6"/>
-                </a:solidFill>
-                <a:latin typeface="Consolas" panose="020B0609020204030204" pitchFamily="49" charset="0"/>
-              </a:rPr>
-              <a:t>LangVersion</a:t>
-            </a:r>
-            <a:r>
-              <a:rPr lang="fr-CH" dirty="0">
-                <a:solidFill>
-                  <a:schemeClr val="accent6"/>
-                </a:solidFill>
-                <a:latin typeface="Consolas" panose="020B0609020204030204" pitchFamily="49" charset="0"/>
-              </a:rPr>
-              <a:t>…</a:t>
-            </a:r>
-          </a:p>
-          <a:p>
-            <a:pPr lvl="2"/>
-            <a:r>
-              <a:rPr lang="en-US" sz="1200" dirty="0" err="1">
-                <a:solidFill>
-                  <a:schemeClr val="accent1">
-                    <a:lumMod val="60000"/>
-                    <a:lumOff val="40000"/>
-                  </a:schemeClr>
-                </a:solidFill>
-                <a:latin typeface="Consolas" panose="020B0609020204030204" pitchFamily="49" charset="0"/>
-              </a:rPr>
-              <a:t>TargetFramework</a:t>
-            </a:r>
-            <a:r>
-              <a:rPr lang="en-US" sz="1200" dirty="0">
-                <a:solidFill>
-                  <a:schemeClr val="accent1">
-                    <a:lumMod val="60000"/>
-                    <a:lumOff val="40000"/>
-                  </a:schemeClr>
-                </a:solidFill>
-                <a:latin typeface="Consolas" panose="020B0609020204030204" pitchFamily="49" charset="0"/>
-              </a:rPr>
-              <a:t>, </a:t>
-            </a:r>
-            <a:r>
-              <a:rPr lang="en-US" sz="1200" dirty="0" err="1">
-                <a:solidFill>
-                  <a:schemeClr val="accent1">
-                    <a:lumMod val="60000"/>
-                    <a:lumOff val="40000"/>
-                  </a:schemeClr>
-                </a:solidFill>
-                <a:latin typeface="Consolas" panose="020B0609020204030204" pitchFamily="49" charset="0"/>
-              </a:rPr>
-              <a:t>RuntimeIdentifiers</a:t>
-            </a:r>
-            <a:r>
-              <a:rPr lang="en-US" sz="1200" dirty="0">
-                <a:solidFill>
-                  <a:schemeClr val="accent1">
-                    <a:lumMod val="60000"/>
-                    <a:lumOff val="40000"/>
-                  </a:schemeClr>
-                </a:solidFill>
-                <a:latin typeface="Consolas" panose="020B0609020204030204" pitchFamily="49" charset="0"/>
-              </a:rPr>
-              <a:t> </a:t>
-            </a:r>
-            <a:r>
-              <a:rPr lang="en-US" sz="1200" dirty="0" err="1">
-                <a:solidFill>
-                  <a:schemeClr val="accent1">
-                    <a:lumMod val="60000"/>
-                    <a:lumOff val="40000"/>
-                  </a:schemeClr>
-                </a:solidFill>
-                <a:latin typeface="Consolas" panose="020B0609020204030204" pitchFamily="49" charset="0"/>
-              </a:rPr>
-              <a:t>PackageTags</a:t>
-            </a:r>
-            <a:r>
-              <a:rPr lang="en-US" sz="1200" dirty="0">
-                <a:solidFill>
-                  <a:schemeClr val="accent1">
-                    <a:lumMod val="60000"/>
-                    <a:lumOff val="40000"/>
-                  </a:schemeClr>
-                </a:solidFill>
-                <a:latin typeface="Consolas" panose="020B0609020204030204" pitchFamily="49" charset="0"/>
-              </a:rPr>
-              <a:t>…</a:t>
-            </a:r>
-          </a:p>
-          <a:p>
-            <a:pPr lvl="1"/>
-            <a:r>
-              <a:rPr lang="fr-CH" sz="1200" dirty="0">
-                <a:solidFill>
-                  <a:schemeClr val="accent1"/>
-                </a:solidFill>
-                <a:latin typeface="Consolas" panose="020B0609020204030204" pitchFamily="49" charset="0"/>
-              </a:rPr>
-              <a:t>A</a:t>
-            </a:r>
-            <a:r>
-              <a:rPr lang="en-US" sz="1200" dirty="0" err="1">
-                <a:solidFill>
-                  <a:schemeClr val="accent1"/>
-                </a:solidFill>
-                <a:latin typeface="Consolas" panose="020B0609020204030204" pitchFamily="49" charset="0"/>
-              </a:rPr>
-              <a:t>uthors</a:t>
-            </a:r>
-            <a:r>
-              <a:rPr lang="en-US" sz="1200" dirty="0">
-                <a:solidFill>
-                  <a:schemeClr val="accent1"/>
-                </a:solidFill>
-                <a:latin typeface="Consolas" panose="020B0609020204030204" pitchFamily="49" charset="0"/>
-              </a:rPr>
-              <a:t>, Product, </a:t>
-            </a:r>
-            <a:r>
-              <a:rPr lang="en-US" sz="1200" dirty="0" err="1">
-                <a:solidFill>
-                  <a:schemeClr val="accent1"/>
-                </a:solidFill>
-                <a:latin typeface="Consolas" panose="020B0609020204030204" pitchFamily="49" charset="0"/>
-              </a:rPr>
-              <a:t>FirstCopyrightYear</a:t>
-            </a:r>
-            <a:r>
-              <a:rPr lang="en-US" sz="1200" dirty="0">
-                <a:solidFill>
-                  <a:schemeClr val="accent1"/>
-                </a:solidFill>
-                <a:latin typeface="Consolas" panose="020B0609020204030204" pitchFamily="49" charset="0"/>
-              </a:rPr>
-              <a:t>, </a:t>
-            </a:r>
-            <a:r>
-              <a:rPr lang="en-US" sz="1200" dirty="0" err="1">
-                <a:solidFill>
-                  <a:schemeClr val="accent1"/>
-                </a:solidFill>
-                <a:latin typeface="Consolas" panose="020B0609020204030204" pitchFamily="49" charset="0"/>
-              </a:rPr>
-              <a:t>PackageProjectUrl</a:t>
-            </a:r>
-            <a:r>
-              <a:rPr lang="en-US" sz="1200" dirty="0">
-                <a:solidFill>
-                  <a:schemeClr val="accent1"/>
-                </a:solidFill>
-                <a:latin typeface="Consolas" panose="020B0609020204030204" pitchFamily="49" charset="0"/>
-              </a:rPr>
-              <a:t>…</a:t>
-            </a:r>
-          </a:p>
-          <a:p>
-            <a:pPr lvl="1"/>
-            <a:endParaRPr lang="en-US" sz="1200" dirty="0">
-              <a:latin typeface="Consolas" panose="020B0609020204030204" pitchFamily="49" charset="0"/>
-            </a:endParaRPr>
-          </a:p>
-          <a:p>
-            <a:pPr lvl="1"/>
-            <a:endParaRPr lang="en-US" dirty="0"/>
-          </a:p>
-          <a:p>
-            <a:pPr lvl="1"/>
-            <a:endParaRPr lang="en-US" dirty="0"/>
-          </a:p>
-          <a:p>
-            <a:pPr lvl="2"/>
-            <a:endParaRPr lang="fr-CH" dirty="0"/>
-          </a:p>
-          <a:p>
-            <a:pPr lvl="2"/>
-            <a:endParaRPr lang="en-US" dirty="0"/>
-          </a:p>
-        </p:txBody>
-      </p:sp>
-    </p:spTree>
-    <p:extLst>
-      <p:ext uri="{BB962C8B-B14F-4D97-AF65-F5344CB8AC3E}">
-        <p14:creationId xmlns:p14="http://schemas.microsoft.com/office/powerpoint/2010/main" val="98120280"/>
       </p:ext>
     </p:extLst>
   </p:cSld>
